--- a/docs/Презентация. Лес. Нечисть. Русский рок.pptx
+++ b/docs/Презентация. Лес. Нечисть. Русский рок.pptx
@@ -5,7 +5,13 @@
     <p:sldMasterId id="2147483648" r:id="rId1"/>
   </p:sldMasterIdLst>
   <p:sldIdLst>
-    <p:sldId id="256" r:id="rId2"/>
+    <p:sldId id="257" r:id="rId2"/>
+    <p:sldId id="258" r:id="rId3"/>
+    <p:sldId id="259" r:id="rId4"/>
+    <p:sldId id="260" r:id="rId5"/>
+    <p:sldId id="261" r:id="rId6"/>
+    <p:sldId id="262" r:id="rId7"/>
+    <p:sldId id="263" r:id="rId8"/>
   </p:sldIdLst>
   <p:sldSz cx="12192000" cy="6858000"/>
   <p:notesSz cx="6858000" cy="9144000"/>
@@ -104,7 +110,264 @@
       </a:defRPr>
     </a:lvl9pPr>
   </p:defaultTextStyle>
+  <p:extLst>
+    <p:ext uri="{EFAFB233-063F-42B5-8137-9DF3F51BA10A}">
+      <p15:sldGuideLst xmlns:p15="http://schemas.microsoft.com/office/powerpoint/2012/main"/>
+    </p:ext>
+  </p:extLst>
 </p:presentation>
+</file>
+
+<file path=ppt/ink/ink1.xml><?xml version="1.0" encoding="utf-8"?>
+<inkml:ink xmlns:inkml="http://www.w3.org/2003/InkML">
+  <inkml:definitions>
+    <inkml:context xml:id="ctx0">
+      <inkml:inkSource xml:id="inkSrc0">
+        <inkml:traceFormat>
+          <inkml:channel name="X" type="integer" min="-2.14748E9" max="2.14748E9" units="cm"/>
+          <inkml:channel name="Y" type="integer" min="-2.14748E9" max="2.14748E9" units="cm"/>
+          <inkml:channel name="F" type="integer" max="32767" units="dev"/>
+        </inkml:traceFormat>
+        <inkml:channelProperties>
+          <inkml:channelProperty channel="X" name="resolution" value="1000" units="1/cm"/>
+          <inkml:channelProperty channel="Y" name="resolution" value="1000" units="1/cm"/>
+          <inkml:channelProperty channel="F" name="resolution" value="0" units="1/dev"/>
+        </inkml:channelProperties>
+      </inkml:inkSource>
+      <inkml:timestamp xml:id="ts0" timeString="2025-01-23T00:53:17.246"/>
+    </inkml:context>
+    <inkml:brush xml:id="br0">
+      <inkml:brushProperty name="width" value="0.05" units="cm"/>
+      <inkml:brushProperty name="height" value="0.05" units="cm"/>
+      <inkml:brushProperty name="color" value="#E71224"/>
+    </inkml:brush>
+  </inkml:definitions>
+  <inkml:trace contextRef="#ctx0" brushRef="#br0">1 257 24575,'0'-7'0,"0"0"0,1 0 0,0 0 0,0 0 0,1 0 0,0 0 0,0 0 0,1 1 0,0-1 0,0 1 0,4-7 0,4-2 0,1-1 0,22-21 0,-23 25 0,0 0 0,0 0 0,-1-1 0,14-24 0,-16 23 0,-4 14 0,-3 23 0,-12 42 0,-28 223 0,33-114-1365,6-149-5461</inkml:trace>
+</inkml:ink>
+</file>
+
+<file path=ppt/ink/ink2.xml><?xml version="1.0" encoding="utf-8"?>
+<inkml:ink xmlns:inkml="http://www.w3.org/2003/InkML">
+  <inkml:definitions>
+    <inkml:context xml:id="ctx0">
+      <inkml:inkSource xml:id="inkSrc0">
+        <inkml:traceFormat>
+          <inkml:channel name="X" type="integer" min="-2.14748E9" max="2.14748E9" units="cm"/>
+          <inkml:channel name="Y" type="integer" min="-2.14748E9" max="2.14748E9" units="cm"/>
+          <inkml:channel name="F" type="integer" max="32767" units="dev"/>
+        </inkml:traceFormat>
+        <inkml:channelProperties>
+          <inkml:channelProperty channel="X" name="resolution" value="1000" units="1/cm"/>
+          <inkml:channelProperty channel="Y" name="resolution" value="1000" units="1/cm"/>
+          <inkml:channelProperty channel="F" name="resolution" value="0" units="1/dev"/>
+        </inkml:channelProperties>
+      </inkml:inkSource>
+      <inkml:timestamp xml:id="ts0" timeString="2025-01-23T00:53:17.769"/>
+    </inkml:context>
+    <inkml:brush xml:id="br0">
+      <inkml:brushProperty name="width" value="0.05" units="cm"/>
+      <inkml:brushProperty name="height" value="0.05" units="cm"/>
+      <inkml:brushProperty name="color" value="#E71224"/>
+    </inkml:brush>
+  </inkml:definitions>
+  <inkml:trace contextRef="#ctx0" brushRef="#br0">0 0 24575,'5'0'0,"5"0"0,2 0-8191</inkml:trace>
+</inkml:ink>
+</file>
+
+<file path=ppt/ink/ink3.xml><?xml version="1.0" encoding="utf-8"?>
+<inkml:ink xmlns:inkml="http://www.w3.org/2003/InkML">
+  <inkml:definitions>
+    <inkml:context xml:id="ctx0">
+      <inkml:inkSource xml:id="inkSrc0">
+        <inkml:traceFormat>
+          <inkml:channel name="X" type="integer" min="-2.14748E9" max="2.14748E9" units="cm"/>
+          <inkml:channel name="Y" type="integer" min="-2.14748E9" max="2.14748E9" units="cm"/>
+          <inkml:channel name="F" type="integer" max="32767" units="dev"/>
+        </inkml:traceFormat>
+        <inkml:channelProperties>
+          <inkml:channelProperty channel="X" name="resolution" value="1000" units="1/cm"/>
+          <inkml:channelProperty channel="Y" name="resolution" value="1000" units="1/cm"/>
+          <inkml:channelProperty channel="F" name="resolution" value="0" units="1/dev"/>
+        </inkml:channelProperties>
+      </inkml:inkSource>
+      <inkml:timestamp xml:id="ts0" timeString="2025-01-23T00:53:24.362"/>
+    </inkml:context>
+    <inkml:brush xml:id="br0">
+      <inkml:brushProperty name="width" value="0.05" units="cm"/>
+      <inkml:brushProperty name="height" value="0.05" units="cm"/>
+      <inkml:brushProperty name="color" value="#E71224"/>
+    </inkml:brush>
+  </inkml:definitions>
+  <inkml:trace contextRef="#ctx0" brushRef="#br0">179 238 24575,'43'-45'0,"-30"30"0,1 0 0,1 0 0,0 2 0,0 0 0,2 0 0,-1 2 0,34-18 0,-21 16 0,1 1 0,0 1 0,1 2 0,0 1 0,50-7 0,-80 15 0,1 0 0,0 0 0,0-1 0,-1 1 0,1 0 0,0 0 0,0 1 0,-1-1 0,1 0 0,0 0 0,-1 1 0,1-1 0,0 1 0,-1 0 0,1-1 0,0 1 0,-1 0 0,1 0 0,-1 0 0,0 0 0,1 0 0,-1 1 0,2 0 0,-2 0 0,-1 0 0,1 0 0,-1 0 0,1 0 0,-1-1 0,0 1 0,0 0 0,0 0 0,0 0 0,0 0 0,0 0 0,0 0 0,0 0 0,-1-1 0,1 1 0,-1 0 0,-1 2 0,-3 8 0,-1 0 0,0 0 0,-1-1 0,-14 18 0,0-5 0,-1 0 0,-1-1 0,-52 39 0,-89 48 0,23-18 0,122-78 0,-11 8 0,-1-1 0,-45 23 0,118-67 0,-22 12 0,0 0 0,29-11 0,-41 20 0,1-1 0,-1 1 0,1 0 0,-1 1 0,1 0 0,0 0 0,0 1 0,-1 0 0,1 0 0,14 3 0,135 37-1365,-126-35-5461</inkml:trace>
+</inkml:ink>
+</file>
+
+<file path=ppt/ink/ink4.xml><?xml version="1.0" encoding="utf-8"?>
+<inkml:ink xmlns:inkml="http://www.w3.org/2003/InkML">
+  <inkml:definitions>
+    <inkml:context xml:id="ctx0">
+      <inkml:inkSource xml:id="inkSrc0">
+        <inkml:traceFormat>
+          <inkml:channel name="X" type="integer" min="-2.14748E9" max="2.14748E9" units="cm"/>
+          <inkml:channel name="Y" type="integer" min="-2.14748E9" max="2.14748E9" units="cm"/>
+          <inkml:channel name="F" type="integer" max="32767" units="dev"/>
+        </inkml:traceFormat>
+        <inkml:channelProperties>
+          <inkml:channelProperty channel="X" name="resolution" value="1000" units="1/cm"/>
+          <inkml:channelProperty channel="Y" name="resolution" value="1000" units="1/cm"/>
+          <inkml:channelProperty channel="F" name="resolution" value="0" units="1/dev"/>
+        </inkml:channelProperties>
+      </inkml:inkSource>
+      <inkml:timestamp xml:id="ts0" timeString="2025-01-23T00:53:24.684"/>
+    </inkml:context>
+    <inkml:brush xml:id="br0">
+      <inkml:brushProperty name="width" value="0.05" units="cm"/>
+      <inkml:brushProperty name="height" value="0.05" units="cm"/>
+      <inkml:brushProperty name="color" value="#E71224"/>
+    </inkml:brush>
+  </inkml:definitions>
+  <inkml:trace contextRef="#ctx0" brushRef="#br0">0 1 24575,'0'0'-8191</inkml:trace>
+</inkml:ink>
+</file>
+
+<file path=ppt/ink/ink5.xml><?xml version="1.0" encoding="utf-8"?>
+<inkml:ink xmlns:inkml="http://www.w3.org/2003/InkML">
+  <inkml:definitions>
+    <inkml:context xml:id="ctx0">
+      <inkml:inkSource xml:id="inkSrc0">
+        <inkml:traceFormat>
+          <inkml:channel name="X" type="integer" min="-2.14748E9" max="2.14748E9" units="cm"/>
+          <inkml:channel name="Y" type="integer" min="-2.14748E9" max="2.14748E9" units="cm"/>
+          <inkml:channel name="F" type="integer" max="32767" units="dev"/>
+        </inkml:traceFormat>
+        <inkml:channelProperties>
+          <inkml:channelProperty channel="X" name="resolution" value="1000" units="1/cm"/>
+          <inkml:channelProperty channel="Y" name="resolution" value="1000" units="1/cm"/>
+          <inkml:channelProperty channel="F" name="resolution" value="0" units="1/dev"/>
+        </inkml:channelProperties>
+      </inkml:inkSource>
+      <inkml:timestamp xml:id="ts0" timeString="2025-01-23T00:53:27.363"/>
+    </inkml:context>
+    <inkml:brush xml:id="br0">
+      <inkml:brushProperty name="width" value="0.05" units="cm"/>
+      <inkml:brushProperty name="height" value="0.05" units="cm"/>
+      <inkml:brushProperty name="color" value="#E71224"/>
+    </inkml:brush>
+  </inkml:definitions>
+  <inkml:trace contextRef="#ctx0" brushRef="#br0">1 2 24575,'95'-2'0,"105"5"0,-196-3 0,-1 0 0,1 0 0,-1 1 0,1 0 0,-1-1 0,0 1 0,1 1 0,-1-1 0,0 0 0,1 1 0,-1-1 0,0 1 0,0 0 0,0 0 0,-1 0 0,1 1 0,0-1 0,-1 1 0,0-1 0,1 1 0,-1 0 0,0 0 0,0 0 0,-1 0 0,1 0 0,-1 0 0,1 1 0,-1-1 0,0 0 0,0 1 0,-1-1 0,1 1 0,-1-1 0,1 1 0,-1-1 0,0 1 0,0-1 0,-1 1 0,1-1 0,-1 1 0,0-1 0,0 1 0,0-1 0,0 0 0,-1 1 0,1-1 0,-4 5 0,3-4 0,0-1 0,0 1 0,0-1 0,1 1 0,-1 0 0,1 0 0,0-1 0,-2 8 0,3-10 0,1 0 0,-1 0 0,0 0 0,0 0 0,1 0 0,-1 0 0,0 0 0,1 0 0,-1 0 0,1 0 0,-1 0 0,1-1 0,-1 1 0,1 0 0,0 0 0,0 0 0,-1-1 0,1 1 0,0 0 0,0-1 0,0 1 0,0-1 0,-1 1 0,1-1 0,0 1 0,0-1 0,0 0 0,0 1 0,0-1 0,0 0 0,0 0 0,0 0 0,1 0 0,-1 0 0,1 0 0,8 2 0,-1-1 0,1 2 0,-1-1 0,0 1 0,0 1 0,11 5 0,-18-8 0,0 0 0,-1 0 0,1 0 0,0 0 0,-1 0 0,1 0 0,-1 0 0,0 1 0,1-1 0,-1 0 0,0 1 0,0-1 0,0 1 0,0 0 0,0-1 0,0 1 0,0 0 0,0 0 0,-1-1 0,1 1 0,-1 0 0,1 0 0,-1 0 0,0 0 0,0 0 0,0 0 0,0-1 0,0 1 0,0 0 0,0 0 0,-1 0 0,1 0 0,-1 0 0,1-1 0,-1 1 0,0 0 0,0 0 0,1-1 0,-3 4 0,0-2 6,0 1 0,0-1-1,0 0 1,0 0 0,0 0-1,-1 0 1,1-1 0,-1 1 0,0-1-1,0 0 1,1 0 0,-1 0-1,-1-1 1,1 1 0,0-1-1,0 0 1,-8 1 0,-8 0-341,1-1-1,-32-1 1,41 0-127,-14-1-6364</inkml:trace>
+</inkml:ink>
+</file>
+
+<file path=ppt/ink/ink6.xml><?xml version="1.0" encoding="utf-8"?>
+<inkml:ink xmlns:inkml="http://www.w3.org/2003/InkML">
+  <inkml:definitions>
+    <inkml:context xml:id="ctx0">
+      <inkml:inkSource xml:id="inkSrc0">
+        <inkml:traceFormat>
+          <inkml:channel name="X" type="integer" min="-2.14748E9" max="2.14748E9" units="cm"/>
+          <inkml:channel name="Y" type="integer" min="-2.14748E9" max="2.14748E9" units="cm"/>
+          <inkml:channel name="F" type="integer" max="32767" units="dev"/>
+        </inkml:traceFormat>
+        <inkml:channelProperties>
+          <inkml:channelProperty channel="X" name="resolution" value="1000" units="1/cm"/>
+          <inkml:channelProperty channel="Y" name="resolution" value="1000" units="1/cm"/>
+          <inkml:channelProperty channel="F" name="resolution" value="0" units="1/dev"/>
+        </inkml:channelProperties>
+      </inkml:inkSource>
+      <inkml:timestamp xml:id="ts0" timeString="2025-01-23T00:53:27.903"/>
+    </inkml:context>
+    <inkml:brush xml:id="br0">
+      <inkml:brushProperty name="width" value="0.05" units="cm"/>
+      <inkml:brushProperty name="height" value="0.05" units="cm"/>
+      <inkml:brushProperty name="color" value="#E71224"/>
+    </inkml:brush>
+  </inkml:definitions>
+  <inkml:trace contextRef="#ctx0" brushRef="#br0">0 1 24575,'0'0'-8191</inkml:trace>
+</inkml:ink>
+</file>
+
+<file path=ppt/ink/ink7.xml><?xml version="1.0" encoding="utf-8"?>
+<inkml:ink xmlns:inkml="http://www.w3.org/2003/InkML">
+  <inkml:definitions>
+    <inkml:context xml:id="ctx0">
+      <inkml:inkSource xml:id="inkSrc0">
+        <inkml:traceFormat>
+          <inkml:channel name="X" type="integer" min="-2.14748E9" max="2.14748E9" units="cm"/>
+          <inkml:channel name="Y" type="integer" min="-2.14748E9" max="2.14748E9" units="cm"/>
+          <inkml:channel name="F" type="integer" max="32767" units="dev"/>
+        </inkml:traceFormat>
+        <inkml:channelProperties>
+          <inkml:channelProperty channel="X" name="resolution" value="1000" units="1/cm"/>
+          <inkml:channelProperty channel="Y" name="resolution" value="1000" units="1/cm"/>
+          <inkml:channelProperty channel="F" name="resolution" value="0" units="1/dev"/>
+        </inkml:channelProperties>
+      </inkml:inkSource>
+      <inkml:timestamp xml:id="ts0" timeString="2025-01-23T00:53:34.076"/>
+    </inkml:context>
+    <inkml:brush xml:id="br0">
+      <inkml:brushProperty name="width" value="0.05" units="cm"/>
+      <inkml:brushProperty name="height" value="0.05" units="cm"/>
+      <inkml:brushProperty name="color" value="#E71224"/>
+    </inkml:brush>
+  </inkml:definitions>
+  <inkml:trace contextRef="#ctx0" brushRef="#br0">108 0 24575,'-8'10'0,"1"0"0,0 1 0,0-1 0,1 1 0,1 1 0,0-1 0,-7 23 0,-4 9 0,10-30 0,0 1 0,1 1 0,0-1 0,1 1 0,1-1 0,1 1 0,0 0 0,1 0 0,0 20 0,2-32 0,0 0 0,0 1 0,0-1 0,1 0 0,-1 0 0,1 0 0,0 0 0,0 0 0,0-1 0,0 1 0,0 0 0,1-1 0,-1 0 0,1 1 0,-1-1 0,1 0 0,0 0 0,0-1 0,0 1 0,0-1 0,0 1 0,0-1 0,1 0 0,-1 0 0,0 0 0,1-1 0,-1 1 0,6 0 0,8 1 0,0-1 0,0 0 0,0-1 0,24-3 0,-36 2 0,0 0 0,-1 0 0,1 0 0,0 0 0,0-1 0,-1 1 0,1-1 0,-1-1 0,1 1 0,-1-1 0,0 1 0,0-1 0,0 0 0,0-1 0,-1 1 0,1-1 0,-1 1 0,0-1 0,0 0 0,0 0 0,-1-1 0,1 1 0,-1 0 0,2-7 0,0-2 0,0-1 0,-1 1 0,0-1 0,-1 0 0,-1 0 0,0 0 0,-2-18 0,-3 111 0,-4-1 0,-27 118 0,24-106-1365,9-67-5461</inkml:trace>
+</inkml:ink>
+</file>
+
+<file path=ppt/ink/ink8.xml><?xml version="1.0" encoding="utf-8"?>
+<inkml:ink xmlns:inkml="http://www.w3.org/2003/InkML">
+  <inkml:definitions>
+    <inkml:context xml:id="ctx0">
+      <inkml:inkSource xml:id="inkSrc0">
+        <inkml:traceFormat>
+          <inkml:channel name="X" type="integer" min="-2.14748E9" max="2.14748E9" units="cm"/>
+          <inkml:channel name="Y" type="integer" min="-2.14748E9" max="2.14748E9" units="cm"/>
+          <inkml:channel name="F" type="integer" max="32767" units="dev"/>
+        </inkml:traceFormat>
+        <inkml:channelProperties>
+          <inkml:channelProperty channel="X" name="resolution" value="1000" units="1/cm"/>
+          <inkml:channelProperty channel="Y" name="resolution" value="1000" units="1/cm"/>
+          <inkml:channelProperty channel="F" name="resolution" value="0" units="1/dev"/>
+        </inkml:channelProperties>
+      </inkml:inkSource>
+      <inkml:timestamp xml:id="ts0" timeString="2025-01-23T00:53:38.480"/>
+    </inkml:context>
+    <inkml:brush xml:id="br0">
+      <inkml:brushProperty name="width" value="0.05" units="cm"/>
+      <inkml:brushProperty name="height" value="0.05" units="cm"/>
+      <inkml:brushProperty name="color" value="#E71224"/>
+    </inkml:brush>
+  </inkml:definitions>
+  <inkml:trace contextRef="#ctx0" brushRef="#br0">151 0 24575,'0'20'0,"-1"-1"0,0 1 0,-2-1 0,0 0 0,-2 0 0,-7 22 0,11-39 0,1 0 0,-1 0 0,1 0 0,-1 0 0,1 0 0,0 0 0,0-1 0,-1 1 0,2 0 0,-1 0 0,0 0 0,0 0 0,0 0 0,1 0 0,-1 0 0,1 0 0,0-1 0,0 1 0,-1 0 0,1 0 0,0-1 0,0 1 0,1-1 0,-1 1 0,0-1 0,0 1 0,1-1 0,1 2 0,5 3 0,1-1 0,0 0 0,-1 0 0,18 5 0,-19-7 0,1 0 0,-1 0 0,0 0 0,0 1 0,0 0 0,-1 1 0,10 7 0,-12-7 0,-1 0 0,1 0 0,-1 1 0,-1-1 0,1 1 0,-1 0 0,0-1 0,0 1 0,-1 0 0,0 0 0,0 0 0,0 0 0,0 0 0,-1 0 0,-1 11 0,1-14 0,-1 1 0,1-1 0,0 1 0,-1-1 0,0 0 0,0 0 0,0 1 0,0-1 0,-1 0 0,1 0 0,-1 0 0,0 0 0,0 0 0,0-1 0,0 1 0,0 0 0,0-1 0,-1 0 0,1 1 0,-1-1 0,0 0 0,0 0 0,0-1 0,0 1 0,0-1 0,0 1 0,0-1 0,-6 1 0,-2 0-76,0 0 1,0-1-1,0-1 0,0 0 0,0 0 0,0-1 0,0-1 0,0 0 1,0 0-1,0-1 0,1-1 0,-1 1 0,1-2 0,0 1 1,0-2-1,0 1 0,-13-11 0,-5-5-6750</inkml:trace>
+</inkml:ink>
+</file>
+
+<file path=ppt/ink/ink9.xml><?xml version="1.0" encoding="utf-8"?>
+<inkml:ink xmlns:inkml="http://www.w3.org/2003/InkML">
+  <inkml:definitions>
+    <inkml:context xml:id="ctx0">
+      <inkml:inkSource xml:id="inkSrc0">
+        <inkml:traceFormat>
+          <inkml:channel name="X" type="integer" min="-2.14748E9" max="2.14748E9" units="cm"/>
+          <inkml:channel name="Y" type="integer" min="-2.14748E9" max="2.14748E9" units="cm"/>
+          <inkml:channel name="F" type="integer" max="32767" units="dev"/>
+        </inkml:traceFormat>
+        <inkml:channelProperties>
+          <inkml:channelProperty channel="X" name="resolution" value="1000" units="1/cm"/>
+          <inkml:channelProperty channel="Y" name="resolution" value="1000" units="1/cm"/>
+          <inkml:channelProperty channel="F" name="resolution" value="0" units="1/dev"/>
+        </inkml:channelProperties>
+      </inkml:inkSource>
+      <inkml:timestamp xml:id="ts0" timeString="2025-01-23T00:53:39.003"/>
+    </inkml:context>
+    <inkml:brush xml:id="br0">
+      <inkml:brushProperty name="width" value="0.05" units="cm"/>
+      <inkml:brushProperty name="height" value="0.05" units="cm"/>
+      <inkml:brushProperty name="color" value="#E71224"/>
+    </inkml:brush>
+  </inkml:definitions>
+  <inkml:trace contextRef="#ctx0" brushRef="#br0">1 1 24575,'4'0'0,"7"0"0,5 0 0,5 0 0,3 0 0,3 0 0,0 0 0,1 0 0,-4 0-8191</inkml:trace>
+</inkml:ink>
 </file>
 
 <file path=ppt/slideLayouts/slideLayout1.xml><?xml version="1.0" encoding="utf-8"?>
@@ -129,7 +392,7 @@
           <p:cNvPr id="2" name="Заголовок 1">
             <a:extLst>
               <a:ext uri="{FF2B5EF4-FFF2-40B4-BE49-F238E27FC236}">
-                <a16:creationId xmlns:a16="http://schemas.microsoft.com/office/drawing/2014/main" id="{DBB47962-0DF4-103F-B2D3-A5039CE85A34}"/>
+                <a16:creationId xmlns:a16="http://schemas.microsoft.com/office/drawing/2014/main" id="{12F20FB8-7123-4736-8FE1-2E0966B0B753}"/>
               </a:ext>
             </a:extLst>
           </p:cNvPr>
@@ -166,7 +429,7 @@
           <p:cNvPr id="3" name="Подзаголовок 2">
             <a:extLst>
               <a:ext uri="{FF2B5EF4-FFF2-40B4-BE49-F238E27FC236}">
-                <a16:creationId xmlns:a16="http://schemas.microsoft.com/office/drawing/2014/main" id="{D9EE9F6E-26C4-0683-15CA-5EE9AA18FAD5}"/>
+                <a16:creationId xmlns:a16="http://schemas.microsoft.com/office/drawing/2014/main" id="{ECDC3864-3107-4764-876A-6C5D3EE70922}"/>
               </a:ext>
             </a:extLst>
           </p:cNvPr>
@@ -236,7 +499,7 @@
           <p:cNvPr id="4" name="Дата 3">
             <a:extLst>
               <a:ext uri="{FF2B5EF4-FFF2-40B4-BE49-F238E27FC236}">
-                <a16:creationId xmlns:a16="http://schemas.microsoft.com/office/drawing/2014/main" id="{FC1A8AB2-0534-E413-4D40-63C9D6D8D1AE}"/>
+                <a16:creationId xmlns:a16="http://schemas.microsoft.com/office/drawing/2014/main" id="{374F7760-1449-4C42-BFC5-F634FE7C00AA}"/>
               </a:ext>
             </a:extLst>
           </p:cNvPr>
@@ -252,9 +515,9 @@
           <a:bodyPr/>
           <a:lstStyle/>
           <a:p>
-            <a:fld id="{AFD5902F-8047-4417-A268-AEADA5AB0805}" type="datetimeFigureOut">
+            <a:fld id="{979EDE62-684C-45DE-9E5E-E0B74BDEED12}" type="datetimeFigureOut">
               <a:rPr lang="ru-RU" smtClean="0"/>
-              <a:t>21.01.2025</a:t>
+              <a:t>23.01.2025</a:t>
             </a:fld>
             <a:endParaRPr lang="ru-RU"/>
           </a:p>
@@ -265,7 +528,7 @@
           <p:cNvPr id="5" name="Нижний колонтитул 4">
             <a:extLst>
               <a:ext uri="{FF2B5EF4-FFF2-40B4-BE49-F238E27FC236}">
-                <a16:creationId xmlns:a16="http://schemas.microsoft.com/office/drawing/2014/main" id="{3C002BDD-BE64-163A-81A2-97CC7F136396}"/>
+                <a16:creationId xmlns:a16="http://schemas.microsoft.com/office/drawing/2014/main" id="{580CE749-389D-45CD-9EF9-31B924006FB3}"/>
               </a:ext>
             </a:extLst>
           </p:cNvPr>
@@ -290,7 +553,7 @@
           <p:cNvPr id="6" name="Номер слайда 5">
             <a:extLst>
               <a:ext uri="{FF2B5EF4-FFF2-40B4-BE49-F238E27FC236}">
-                <a16:creationId xmlns:a16="http://schemas.microsoft.com/office/drawing/2014/main" id="{7F59305E-5930-FDE0-9792-163E6DBBF32D}"/>
+                <a16:creationId xmlns:a16="http://schemas.microsoft.com/office/drawing/2014/main" id="{4EDF7779-F5D4-48E7-8739-DEE41FA68F6A}"/>
               </a:ext>
             </a:extLst>
           </p:cNvPr>
@@ -306,7 +569,7 @@
           <a:bodyPr/>
           <a:lstStyle/>
           <a:p>
-            <a:fld id="{E6BE5ED7-9DF3-4E15-9178-A8D6C791BB0C}" type="slidenum">
+            <a:fld id="{AD2FA258-8CDA-4FA1-950D-7CEB8B83EF25}" type="slidenum">
               <a:rPr lang="ru-RU" smtClean="0"/>
               <a:t>‹#›</a:t>
             </a:fld>
@@ -317,7 +580,7 @@
     </p:spTree>
     <p:extLst>
       <p:ext uri="{BB962C8B-B14F-4D97-AF65-F5344CB8AC3E}">
-        <p14:creationId xmlns:p14="http://schemas.microsoft.com/office/powerpoint/2010/main" val="1250920586"/>
+        <p14:creationId xmlns:p14="http://schemas.microsoft.com/office/powerpoint/2010/main" val="1883697180"/>
       </p:ext>
     </p:extLst>
   </p:cSld>
@@ -349,7 +612,7 @@
           <p:cNvPr id="2" name="Заголовок 1">
             <a:extLst>
               <a:ext uri="{FF2B5EF4-FFF2-40B4-BE49-F238E27FC236}">
-                <a16:creationId xmlns:a16="http://schemas.microsoft.com/office/drawing/2014/main" id="{E5689DB1-D326-4756-5A67-A61619FEC3CF}"/>
+                <a16:creationId xmlns:a16="http://schemas.microsoft.com/office/drawing/2014/main" id="{2ADC0D5F-7D58-40D6-9A15-8B33F5C69538}"/>
               </a:ext>
             </a:extLst>
           </p:cNvPr>
@@ -377,7 +640,7 @@
           <p:cNvPr id="3" name="Вертикальный текст 2">
             <a:extLst>
               <a:ext uri="{FF2B5EF4-FFF2-40B4-BE49-F238E27FC236}">
-                <a16:creationId xmlns:a16="http://schemas.microsoft.com/office/drawing/2014/main" id="{9F4258A6-CA9C-7BE3-25FF-F0C7FB9369EA}"/>
+                <a16:creationId xmlns:a16="http://schemas.microsoft.com/office/drawing/2014/main" id="{DBE480E1-9DB1-470E-86C7-8CA3FB2F29BB}"/>
               </a:ext>
             </a:extLst>
           </p:cNvPr>
@@ -434,7 +697,7 @@
           <p:cNvPr id="4" name="Дата 3">
             <a:extLst>
               <a:ext uri="{FF2B5EF4-FFF2-40B4-BE49-F238E27FC236}">
-                <a16:creationId xmlns:a16="http://schemas.microsoft.com/office/drawing/2014/main" id="{915F8CA4-F64B-020E-F433-B6DE65B3587B}"/>
+                <a16:creationId xmlns:a16="http://schemas.microsoft.com/office/drawing/2014/main" id="{5E38736C-F0F5-4237-8530-3AE6973A079B}"/>
               </a:ext>
             </a:extLst>
           </p:cNvPr>
@@ -450,9 +713,9 @@
           <a:bodyPr/>
           <a:lstStyle/>
           <a:p>
-            <a:fld id="{AFD5902F-8047-4417-A268-AEADA5AB0805}" type="datetimeFigureOut">
+            <a:fld id="{979EDE62-684C-45DE-9E5E-E0B74BDEED12}" type="datetimeFigureOut">
               <a:rPr lang="ru-RU" smtClean="0"/>
-              <a:t>21.01.2025</a:t>
+              <a:t>23.01.2025</a:t>
             </a:fld>
             <a:endParaRPr lang="ru-RU"/>
           </a:p>
@@ -463,7 +726,7 @@
           <p:cNvPr id="5" name="Нижний колонтитул 4">
             <a:extLst>
               <a:ext uri="{FF2B5EF4-FFF2-40B4-BE49-F238E27FC236}">
-                <a16:creationId xmlns:a16="http://schemas.microsoft.com/office/drawing/2014/main" id="{8C3C0410-DD00-7BE2-B89C-EE5D07A69884}"/>
+                <a16:creationId xmlns:a16="http://schemas.microsoft.com/office/drawing/2014/main" id="{4F8915AE-674A-4C1F-A8CF-3B0CC59457CE}"/>
               </a:ext>
             </a:extLst>
           </p:cNvPr>
@@ -488,7 +751,7 @@
           <p:cNvPr id="6" name="Номер слайда 5">
             <a:extLst>
               <a:ext uri="{FF2B5EF4-FFF2-40B4-BE49-F238E27FC236}">
-                <a16:creationId xmlns:a16="http://schemas.microsoft.com/office/drawing/2014/main" id="{4E1B6DF0-1411-0E95-3DFE-704C0668EC9B}"/>
+                <a16:creationId xmlns:a16="http://schemas.microsoft.com/office/drawing/2014/main" id="{3370A760-6C63-4CA5-A5BA-E314C9809D83}"/>
               </a:ext>
             </a:extLst>
           </p:cNvPr>
@@ -504,7 +767,7 @@
           <a:bodyPr/>
           <a:lstStyle/>
           <a:p>
-            <a:fld id="{E6BE5ED7-9DF3-4E15-9178-A8D6C791BB0C}" type="slidenum">
+            <a:fld id="{AD2FA258-8CDA-4FA1-950D-7CEB8B83EF25}" type="slidenum">
               <a:rPr lang="ru-RU" smtClean="0"/>
               <a:t>‹#›</a:t>
             </a:fld>
@@ -515,7 +778,7 @@
     </p:spTree>
     <p:extLst>
       <p:ext uri="{BB962C8B-B14F-4D97-AF65-F5344CB8AC3E}">
-        <p14:creationId xmlns:p14="http://schemas.microsoft.com/office/powerpoint/2010/main" val="2957124822"/>
+        <p14:creationId xmlns:p14="http://schemas.microsoft.com/office/powerpoint/2010/main" val="3587658298"/>
       </p:ext>
     </p:extLst>
   </p:cSld>
@@ -547,7 +810,7 @@
           <p:cNvPr id="2" name="Вертикальный заголовок 1">
             <a:extLst>
               <a:ext uri="{FF2B5EF4-FFF2-40B4-BE49-F238E27FC236}">
-                <a16:creationId xmlns:a16="http://schemas.microsoft.com/office/drawing/2014/main" id="{71232B25-A4D2-B728-61BE-5376B2BC4FF4}"/>
+                <a16:creationId xmlns:a16="http://schemas.microsoft.com/office/drawing/2014/main" id="{1C03E630-1577-461E-84F7-10259C4B99AC}"/>
               </a:ext>
             </a:extLst>
           </p:cNvPr>
@@ -580,7 +843,7 @@
           <p:cNvPr id="3" name="Вертикальный текст 2">
             <a:extLst>
               <a:ext uri="{FF2B5EF4-FFF2-40B4-BE49-F238E27FC236}">
-                <a16:creationId xmlns:a16="http://schemas.microsoft.com/office/drawing/2014/main" id="{732312B0-E10B-E270-81D3-DF8D3D16E606}"/>
+                <a16:creationId xmlns:a16="http://schemas.microsoft.com/office/drawing/2014/main" id="{1BF5990A-878E-4D0B-9C6E-D0078DFDC9DA}"/>
               </a:ext>
             </a:extLst>
           </p:cNvPr>
@@ -642,7 +905,7 @@
           <p:cNvPr id="4" name="Дата 3">
             <a:extLst>
               <a:ext uri="{FF2B5EF4-FFF2-40B4-BE49-F238E27FC236}">
-                <a16:creationId xmlns:a16="http://schemas.microsoft.com/office/drawing/2014/main" id="{E363C5DC-A16E-7B5F-C29F-FD9085AC6493}"/>
+                <a16:creationId xmlns:a16="http://schemas.microsoft.com/office/drawing/2014/main" id="{B19F4859-EE28-4930-9CEF-B4A9ADDA6FF7}"/>
               </a:ext>
             </a:extLst>
           </p:cNvPr>
@@ -658,9 +921,9 @@
           <a:bodyPr/>
           <a:lstStyle/>
           <a:p>
-            <a:fld id="{AFD5902F-8047-4417-A268-AEADA5AB0805}" type="datetimeFigureOut">
+            <a:fld id="{979EDE62-684C-45DE-9E5E-E0B74BDEED12}" type="datetimeFigureOut">
               <a:rPr lang="ru-RU" smtClean="0"/>
-              <a:t>21.01.2025</a:t>
+              <a:t>23.01.2025</a:t>
             </a:fld>
             <a:endParaRPr lang="ru-RU"/>
           </a:p>
@@ -671,7 +934,7 @@
           <p:cNvPr id="5" name="Нижний колонтитул 4">
             <a:extLst>
               <a:ext uri="{FF2B5EF4-FFF2-40B4-BE49-F238E27FC236}">
-                <a16:creationId xmlns:a16="http://schemas.microsoft.com/office/drawing/2014/main" id="{E1B1088A-7631-101B-929D-2614C73C98C1}"/>
+                <a16:creationId xmlns:a16="http://schemas.microsoft.com/office/drawing/2014/main" id="{6A889048-04DC-4314-9E08-A8B375CA6671}"/>
               </a:ext>
             </a:extLst>
           </p:cNvPr>
@@ -696,7 +959,7 @@
           <p:cNvPr id="6" name="Номер слайда 5">
             <a:extLst>
               <a:ext uri="{FF2B5EF4-FFF2-40B4-BE49-F238E27FC236}">
-                <a16:creationId xmlns:a16="http://schemas.microsoft.com/office/drawing/2014/main" id="{369E8614-3A35-A267-5EAC-E8BBF2D6D8F1}"/>
+                <a16:creationId xmlns:a16="http://schemas.microsoft.com/office/drawing/2014/main" id="{93B903C9-8084-438F-BAE2-3F499049F538}"/>
               </a:ext>
             </a:extLst>
           </p:cNvPr>
@@ -712,7 +975,7 @@
           <a:bodyPr/>
           <a:lstStyle/>
           <a:p>
-            <a:fld id="{E6BE5ED7-9DF3-4E15-9178-A8D6C791BB0C}" type="slidenum">
+            <a:fld id="{AD2FA258-8CDA-4FA1-950D-7CEB8B83EF25}" type="slidenum">
               <a:rPr lang="ru-RU" smtClean="0"/>
               <a:t>‹#›</a:t>
             </a:fld>
@@ -723,7 +986,7 @@
     </p:spTree>
     <p:extLst>
       <p:ext uri="{BB962C8B-B14F-4D97-AF65-F5344CB8AC3E}">
-        <p14:creationId xmlns:p14="http://schemas.microsoft.com/office/powerpoint/2010/main" val="2995425561"/>
+        <p14:creationId xmlns:p14="http://schemas.microsoft.com/office/powerpoint/2010/main" val="1596925243"/>
       </p:ext>
     </p:extLst>
   </p:cSld>
@@ -755,7 +1018,7 @@
           <p:cNvPr id="2" name="Заголовок 1">
             <a:extLst>
               <a:ext uri="{FF2B5EF4-FFF2-40B4-BE49-F238E27FC236}">
-                <a16:creationId xmlns:a16="http://schemas.microsoft.com/office/drawing/2014/main" id="{9AB3B10F-7A8D-7F35-A79C-F920B88588B7}"/>
+                <a16:creationId xmlns:a16="http://schemas.microsoft.com/office/drawing/2014/main" id="{33428897-A9F3-49E8-B8C8-413448AE860B}"/>
               </a:ext>
             </a:extLst>
           </p:cNvPr>
@@ -783,7 +1046,7 @@
           <p:cNvPr id="3" name="Объект 2">
             <a:extLst>
               <a:ext uri="{FF2B5EF4-FFF2-40B4-BE49-F238E27FC236}">
-                <a16:creationId xmlns:a16="http://schemas.microsoft.com/office/drawing/2014/main" id="{31BFBAD2-6FFD-AAEB-8D5C-CE5D225D2A23}"/>
+                <a16:creationId xmlns:a16="http://schemas.microsoft.com/office/drawing/2014/main" id="{8CFFCF06-C9B8-48A3-9EA2-08B68CF121E0}"/>
               </a:ext>
             </a:extLst>
           </p:cNvPr>
@@ -840,7 +1103,7 @@
           <p:cNvPr id="4" name="Дата 3">
             <a:extLst>
               <a:ext uri="{FF2B5EF4-FFF2-40B4-BE49-F238E27FC236}">
-                <a16:creationId xmlns:a16="http://schemas.microsoft.com/office/drawing/2014/main" id="{769AF735-68C5-B983-1A4B-CCA095C8C1D9}"/>
+                <a16:creationId xmlns:a16="http://schemas.microsoft.com/office/drawing/2014/main" id="{4770E0CA-16EE-4317-B286-1298C69461A0}"/>
               </a:ext>
             </a:extLst>
           </p:cNvPr>
@@ -856,9 +1119,9 @@
           <a:bodyPr/>
           <a:lstStyle/>
           <a:p>
-            <a:fld id="{AFD5902F-8047-4417-A268-AEADA5AB0805}" type="datetimeFigureOut">
+            <a:fld id="{979EDE62-684C-45DE-9E5E-E0B74BDEED12}" type="datetimeFigureOut">
               <a:rPr lang="ru-RU" smtClean="0"/>
-              <a:t>21.01.2025</a:t>
+              <a:t>23.01.2025</a:t>
             </a:fld>
             <a:endParaRPr lang="ru-RU"/>
           </a:p>
@@ -869,7 +1132,7 @@
           <p:cNvPr id="5" name="Нижний колонтитул 4">
             <a:extLst>
               <a:ext uri="{FF2B5EF4-FFF2-40B4-BE49-F238E27FC236}">
-                <a16:creationId xmlns:a16="http://schemas.microsoft.com/office/drawing/2014/main" id="{5D2FA055-306C-619D-9DBC-34B1953E7E7E}"/>
+                <a16:creationId xmlns:a16="http://schemas.microsoft.com/office/drawing/2014/main" id="{EEE82B7C-D021-403D-9155-3E3A894957BD}"/>
               </a:ext>
             </a:extLst>
           </p:cNvPr>
@@ -894,7 +1157,7 @@
           <p:cNvPr id="6" name="Номер слайда 5">
             <a:extLst>
               <a:ext uri="{FF2B5EF4-FFF2-40B4-BE49-F238E27FC236}">
-                <a16:creationId xmlns:a16="http://schemas.microsoft.com/office/drawing/2014/main" id="{C369C2EB-2295-4493-3A55-3693C8B466F6}"/>
+                <a16:creationId xmlns:a16="http://schemas.microsoft.com/office/drawing/2014/main" id="{C168E576-AD59-472E-AD86-8891190030AC}"/>
               </a:ext>
             </a:extLst>
           </p:cNvPr>
@@ -910,7 +1173,7 @@
           <a:bodyPr/>
           <a:lstStyle/>
           <a:p>
-            <a:fld id="{E6BE5ED7-9DF3-4E15-9178-A8D6C791BB0C}" type="slidenum">
+            <a:fld id="{AD2FA258-8CDA-4FA1-950D-7CEB8B83EF25}" type="slidenum">
               <a:rPr lang="ru-RU" smtClean="0"/>
               <a:t>‹#›</a:t>
             </a:fld>
@@ -921,7 +1184,7 @@
     </p:spTree>
     <p:extLst>
       <p:ext uri="{BB962C8B-B14F-4D97-AF65-F5344CB8AC3E}">
-        <p14:creationId xmlns:p14="http://schemas.microsoft.com/office/powerpoint/2010/main" val="1371378229"/>
+        <p14:creationId xmlns:p14="http://schemas.microsoft.com/office/powerpoint/2010/main" val="2068613917"/>
       </p:ext>
     </p:extLst>
   </p:cSld>
@@ -953,7 +1216,7 @@
           <p:cNvPr id="2" name="Заголовок 1">
             <a:extLst>
               <a:ext uri="{FF2B5EF4-FFF2-40B4-BE49-F238E27FC236}">
-                <a16:creationId xmlns:a16="http://schemas.microsoft.com/office/drawing/2014/main" id="{1DE92DB2-0A43-5D49-727D-653194035DF2}"/>
+                <a16:creationId xmlns:a16="http://schemas.microsoft.com/office/drawing/2014/main" id="{F6965B10-DFE3-469C-AE1D-ED88BC8C616D}"/>
               </a:ext>
             </a:extLst>
           </p:cNvPr>
@@ -990,7 +1253,7 @@
           <p:cNvPr id="3" name="Текст 2">
             <a:extLst>
               <a:ext uri="{FF2B5EF4-FFF2-40B4-BE49-F238E27FC236}">
-                <a16:creationId xmlns:a16="http://schemas.microsoft.com/office/drawing/2014/main" id="{C72E69E1-B88E-5F8A-0558-E2E66801DEBB}"/>
+                <a16:creationId xmlns:a16="http://schemas.microsoft.com/office/drawing/2014/main" id="{AC5837CD-9722-4F93-958C-65521F197F43}"/>
               </a:ext>
             </a:extLst>
           </p:cNvPr>
@@ -1115,7 +1378,7 @@
           <p:cNvPr id="4" name="Дата 3">
             <a:extLst>
               <a:ext uri="{FF2B5EF4-FFF2-40B4-BE49-F238E27FC236}">
-                <a16:creationId xmlns:a16="http://schemas.microsoft.com/office/drawing/2014/main" id="{512BD603-8FE8-BD3E-8219-87E4BF5D0086}"/>
+                <a16:creationId xmlns:a16="http://schemas.microsoft.com/office/drawing/2014/main" id="{A93F9A1C-EDA4-41C7-9B23-48F852023494}"/>
               </a:ext>
             </a:extLst>
           </p:cNvPr>
@@ -1131,9 +1394,9 @@
           <a:bodyPr/>
           <a:lstStyle/>
           <a:p>
-            <a:fld id="{AFD5902F-8047-4417-A268-AEADA5AB0805}" type="datetimeFigureOut">
+            <a:fld id="{979EDE62-684C-45DE-9E5E-E0B74BDEED12}" type="datetimeFigureOut">
               <a:rPr lang="ru-RU" smtClean="0"/>
-              <a:t>21.01.2025</a:t>
+              <a:t>23.01.2025</a:t>
             </a:fld>
             <a:endParaRPr lang="ru-RU"/>
           </a:p>
@@ -1144,7 +1407,7 @@
           <p:cNvPr id="5" name="Нижний колонтитул 4">
             <a:extLst>
               <a:ext uri="{FF2B5EF4-FFF2-40B4-BE49-F238E27FC236}">
-                <a16:creationId xmlns:a16="http://schemas.microsoft.com/office/drawing/2014/main" id="{61DA7699-338D-98C2-9241-BD5990056D10}"/>
+                <a16:creationId xmlns:a16="http://schemas.microsoft.com/office/drawing/2014/main" id="{6DDC2255-EA56-4070-8073-B13C568A7E67}"/>
               </a:ext>
             </a:extLst>
           </p:cNvPr>
@@ -1169,7 +1432,7 @@
           <p:cNvPr id="6" name="Номер слайда 5">
             <a:extLst>
               <a:ext uri="{FF2B5EF4-FFF2-40B4-BE49-F238E27FC236}">
-                <a16:creationId xmlns:a16="http://schemas.microsoft.com/office/drawing/2014/main" id="{6A4CC769-2E1B-D4D8-52F8-C98E07E91E88}"/>
+                <a16:creationId xmlns:a16="http://schemas.microsoft.com/office/drawing/2014/main" id="{92D19C24-3D25-4074-9FA8-F90A3F78384D}"/>
               </a:ext>
             </a:extLst>
           </p:cNvPr>
@@ -1185,7 +1448,7 @@
           <a:bodyPr/>
           <a:lstStyle/>
           <a:p>
-            <a:fld id="{E6BE5ED7-9DF3-4E15-9178-A8D6C791BB0C}" type="slidenum">
+            <a:fld id="{AD2FA258-8CDA-4FA1-950D-7CEB8B83EF25}" type="slidenum">
               <a:rPr lang="ru-RU" smtClean="0"/>
               <a:t>‹#›</a:t>
             </a:fld>
@@ -1196,7 +1459,7 @@
     </p:spTree>
     <p:extLst>
       <p:ext uri="{BB962C8B-B14F-4D97-AF65-F5344CB8AC3E}">
-        <p14:creationId xmlns:p14="http://schemas.microsoft.com/office/powerpoint/2010/main" val="2928206566"/>
+        <p14:creationId xmlns:p14="http://schemas.microsoft.com/office/powerpoint/2010/main" val="2252990845"/>
       </p:ext>
     </p:extLst>
   </p:cSld>
@@ -1228,7 +1491,7 @@
           <p:cNvPr id="2" name="Заголовок 1">
             <a:extLst>
               <a:ext uri="{FF2B5EF4-FFF2-40B4-BE49-F238E27FC236}">
-                <a16:creationId xmlns:a16="http://schemas.microsoft.com/office/drawing/2014/main" id="{A5836CAD-6E8D-15C7-AA8D-FB6FFA3AFB58}"/>
+                <a16:creationId xmlns:a16="http://schemas.microsoft.com/office/drawing/2014/main" id="{DBEAE748-2CF1-4F87-9964-961A6EA5B3AB}"/>
               </a:ext>
             </a:extLst>
           </p:cNvPr>
@@ -1256,7 +1519,7 @@
           <p:cNvPr id="3" name="Объект 2">
             <a:extLst>
               <a:ext uri="{FF2B5EF4-FFF2-40B4-BE49-F238E27FC236}">
-                <a16:creationId xmlns:a16="http://schemas.microsoft.com/office/drawing/2014/main" id="{C30DEBAB-3C18-5257-4C12-80DE54BCA138}"/>
+                <a16:creationId xmlns:a16="http://schemas.microsoft.com/office/drawing/2014/main" id="{EFCF9FBA-920B-43BE-8CF8-7FE0BC7C149C}"/>
               </a:ext>
             </a:extLst>
           </p:cNvPr>
@@ -1318,7 +1581,7 @@
           <p:cNvPr id="4" name="Объект 3">
             <a:extLst>
               <a:ext uri="{FF2B5EF4-FFF2-40B4-BE49-F238E27FC236}">
-                <a16:creationId xmlns:a16="http://schemas.microsoft.com/office/drawing/2014/main" id="{F02918C2-188C-42AF-D4C8-5C5FD77FAF9B}"/>
+                <a16:creationId xmlns:a16="http://schemas.microsoft.com/office/drawing/2014/main" id="{5806E7DF-3995-40A7-8677-99F4FA0BCF45}"/>
               </a:ext>
             </a:extLst>
           </p:cNvPr>
@@ -1380,7 +1643,7 @@
           <p:cNvPr id="5" name="Дата 4">
             <a:extLst>
               <a:ext uri="{FF2B5EF4-FFF2-40B4-BE49-F238E27FC236}">
-                <a16:creationId xmlns:a16="http://schemas.microsoft.com/office/drawing/2014/main" id="{257B1224-5A3C-74F0-893C-A0866B715537}"/>
+                <a16:creationId xmlns:a16="http://schemas.microsoft.com/office/drawing/2014/main" id="{50B2F635-0DD8-4F50-9BDA-3BCA32D20298}"/>
               </a:ext>
             </a:extLst>
           </p:cNvPr>
@@ -1396,9 +1659,9 @@
           <a:bodyPr/>
           <a:lstStyle/>
           <a:p>
-            <a:fld id="{AFD5902F-8047-4417-A268-AEADA5AB0805}" type="datetimeFigureOut">
+            <a:fld id="{979EDE62-684C-45DE-9E5E-E0B74BDEED12}" type="datetimeFigureOut">
               <a:rPr lang="ru-RU" smtClean="0"/>
-              <a:t>21.01.2025</a:t>
+              <a:t>23.01.2025</a:t>
             </a:fld>
             <a:endParaRPr lang="ru-RU"/>
           </a:p>
@@ -1409,7 +1672,7 @@
           <p:cNvPr id="6" name="Нижний колонтитул 5">
             <a:extLst>
               <a:ext uri="{FF2B5EF4-FFF2-40B4-BE49-F238E27FC236}">
-                <a16:creationId xmlns:a16="http://schemas.microsoft.com/office/drawing/2014/main" id="{A6252737-D7C9-9BAF-E47D-9AAEA31B67B4}"/>
+                <a16:creationId xmlns:a16="http://schemas.microsoft.com/office/drawing/2014/main" id="{040942EF-4C8B-4663-9B0F-A4546BD9F47E}"/>
               </a:ext>
             </a:extLst>
           </p:cNvPr>
@@ -1434,7 +1697,7 @@
           <p:cNvPr id="7" name="Номер слайда 6">
             <a:extLst>
               <a:ext uri="{FF2B5EF4-FFF2-40B4-BE49-F238E27FC236}">
-                <a16:creationId xmlns:a16="http://schemas.microsoft.com/office/drawing/2014/main" id="{325E4058-09C3-1134-49D3-2BD4B9A450B9}"/>
+                <a16:creationId xmlns:a16="http://schemas.microsoft.com/office/drawing/2014/main" id="{9E686B0E-9AB8-48C6-8959-131620C237C2}"/>
               </a:ext>
             </a:extLst>
           </p:cNvPr>
@@ -1450,7 +1713,7 @@
           <a:bodyPr/>
           <a:lstStyle/>
           <a:p>
-            <a:fld id="{E6BE5ED7-9DF3-4E15-9178-A8D6C791BB0C}" type="slidenum">
+            <a:fld id="{AD2FA258-8CDA-4FA1-950D-7CEB8B83EF25}" type="slidenum">
               <a:rPr lang="ru-RU" smtClean="0"/>
               <a:t>‹#›</a:t>
             </a:fld>
@@ -1461,7 +1724,7 @@
     </p:spTree>
     <p:extLst>
       <p:ext uri="{BB962C8B-B14F-4D97-AF65-F5344CB8AC3E}">
-        <p14:creationId xmlns:p14="http://schemas.microsoft.com/office/powerpoint/2010/main" val="1205668739"/>
+        <p14:creationId xmlns:p14="http://schemas.microsoft.com/office/powerpoint/2010/main" val="239876129"/>
       </p:ext>
     </p:extLst>
   </p:cSld>
@@ -1493,7 +1756,7 @@
           <p:cNvPr id="2" name="Заголовок 1">
             <a:extLst>
               <a:ext uri="{FF2B5EF4-FFF2-40B4-BE49-F238E27FC236}">
-                <a16:creationId xmlns:a16="http://schemas.microsoft.com/office/drawing/2014/main" id="{266D0CB3-D020-8EBF-FEC1-73639DD9FEC7}"/>
+                <a16:creationId xmlns:a16="http://schemas.microsoft.com/office/drawing/2014/main" id="{22D68B17-BC67-4130-BB2D-9B8FE1151D3F}"/>
               </a:ext>
             </a:extLst>
           </p:cNvPr>
@@ -1526,7 +1789,7 @@
           <p:cNvPr id="3" name="Текст 2">
             <a:extLst>
               <a:ext uri="{FF2B5EF4-FFF2-40B4-BE49-F238E27FC236}">
-                <a16:creationId xmlns:a16="http://schemas.microsoft.com/office/drawing/2014/main" id="{93462EFF-E705-94AE-07FE-0F843324946D}"/>
+                <a16:creationId xmlns:a16="http://schemas.microsoft.com/office/drawing/2014/main" id="{4CF97792-A586-4C79-882D-191BC7184F2A}"/>
               </a:ext>
             </a:extLst>
           </p:cNvPr>
@@ -1597,7 +1860,7 @@
           <p:cNvPr id="4" name="Объект 3">
             <a:extLst>
               <a:ext uri="{FF2B5EF4-FFF2-40B4-BE49-F238E27FC236}">
-                <a16:creationId xmlns:a16="http://schemas.microsoft.com/office/drawing/2014/main" id="{E06973AD-7858-E4DE-01A7-A9DF567D52C4}"/>
+                <a16:creationId xmlns:a16="http://schemas.microsoft.com/office/drawing/2014/main" id="{7A6CEAC1-E0E3-4ABC-B410-4B038BE85D17}"/>
               </a:ext>
             </a:extLst>
           </p:cNvPr>
@@ -1659,7 +1922,7 @@
           <p:cNvPr id="5" name="Текст 4">
             <a:extLst>
               <a:ext uri="{FF2B5EF4-FFF2-40B4-BE49-F238E27FC236}">
-                <a16:creationId xmlns:a16="http://schemas.microsoft.com/office/drawing/2014/main" id="{318442DD-1B9A-4999-790A-E6970743172F}"/>
+                <a16:creationId xmlns:a16="http://schemas.microsoft.com/office/drawing/2014/main" id="{6A8A05FB-0424-491C-AE33-0951A608B7DC}"/>
               </a:ext>
             </a:extLst>
           </p:cNvPr>
@@ -1730,7 +1993,7 @@
           <p:cNvPr id="6" name="Объект 5">
             <a:extLst>
               <a:ext uri="{FF2B5EF4-FFF2-40B4-BE49-F238E27FC236}">
-                <a16:creationId xmlns:a16="http://schemas.microsoft.com/office/drawing/2014/main" id="{4B2D4785-9448-D7C8-9739-1D510836AE78}"/>
+                <a16:creationId xmlns:a16="http://schemas.microsoft.com/office/drawing/2014/main" id="{40B10D85-7AC2-4C04-A77F-5CF540B4159A}"/>
               </a:ext>
             </a:extLst>
           </p:cNvPr>
@@ -1792,7 +2055,7 @@
           <p:cNvPr id="7" name="Дата 6">
             <a:extLst>
               <a:ext uri="{FF2B5EF4-FFF2-40B4-BE49-F238E27FC236}">
-                <a16:creationId xmlns:a16="http://schemas.microsoft.com/office/drawing/2014/main" id="{42B593F8-54D8-3DDD-007F-E339A47B8DDC}"/>
+                <a16:creationId xmlns:a16="http://schemas.microsoft.com/office/drawing/2014/main" id="{8B3483A5-9C0F-46D3-B423-CE5796A31EBA}"/>
               </a:ext>
             </a:extLst>
           </p:cNvPr>
@@ -1808,9 +2071,9 @@
           <a:bodyPr/>
           <a:lstStyle/>
           <a:p>
-            <a:fld id="{AFD5902F-8047-4417-A268-AEADA5AB0805}" type="datetimeFigureOut">
+            <a:fld id="{979EDE62-684C-45DE-9E5E-E0B74BDEED12}" type="datetimeFigureOut">
               <a:rPr lang="ru-RU" smtClean="0"/>
-              <a:t>21.01.2025</a:t>
+              <a:t>23.01.2025</a:t>
             </a:fld>
             <a:endParaRPr lang="ru-RU"/>
           </a:p>
@@ -1821,7 +2084,7 @@
           <p:cNvPr id="8" name="Нижний колонтитул 7">
             <a:extLst>
               <a:ext uri="{FF2B5EF4-FFF2-40B4-BE49-F238E27FC236}">
-                <a16:creationId xmlns:a16="http://schemas.microsoft.com/office/drawing/2014/main" id="{7D016C1C-AA74-2FBA-9197-22A0E1811509}"/>
+                <a16:creationId xmlns:a16="http://schemas.microsoft.com/office/drawing/2014/main" id="{224BBDC7-C14C-464D-9A13-74A732F0C0D5}"/>
               </a:ext>
             </a:extLst>
           </p:cNvPr>
@@ -1846,7 +2109,7 @@
           <p:cNvPr id="9" name="Номер слайда 8">
             <a:extLst>
               <a:ext uri="{FF2B5EF4-FFF2-40B4-BE49-F238E27FC236}">
-                <a16:creationId xmlns:a16="http://schemas.microsoft.com/office/drawing/2014/main" id="{A115F5F7-9D1F-10E0-CC58-7BDBC0B5E51D}"/>
+                <a16:creationId xmlns:a16="http://schemas.microsoft.com/office/drawing/2014/main" id="{F7286C0A-A94A-4E24-B72C-6C8A27C1CC01}"/>
               </a:ext>
             </a:extLst>
           </p:cNvPr>
@@ -1862,7 +2125,7 @@
           <a:bodyPr/>
           <a:lstStyle/>
           <a:p>
-            <a:fld id="{E6BE5ED7-9DF3-4E15-9178-A8D6C791BB0C}" type="slidenum">
+            <a:fld id="{AD2FA258-8CDA-4FA1-950D-7CEB8B83EF25}" type="slidenum">
               <a:rPr lang="ru-RU" smtClean="0"/>
               <a:t>‹#›</a:t>
             </a:fld>
@@ -1873,7 +2136,7 @@
     </p:spTree>
     <p:extLst>
       <p:ext uri="{BB962C8B-B14F-4D97-AF65-F5344CB8AC3E}">
-        <p14:creationId xmlns:p14="http://schemas.microsoft.com/office/powerpoint/2010/main" val="1848398784"/>
+        <p14:creationId xmlns:p14="http://schemas.microsoft.com/office/powerpoint/2010/main" val="462992776"/>
       </p:ext>
     </p:extLst>
   </p:cSld>
@@ -1905,7 +2168,7 @@
           <p:cNvPr id="2" name="Заголовок 1">
             <a:extLst>
               <a:ext uri="{FF2B5EF4-FFF2-40B4-BE49-F238E27FC236}">
-                <a16:creationId xmlns:a16="http://schemas.microsoft.com/office/drawing/2014/main" id="{EBA82068-9EB0-790F-9C82-590F4D5A09BD}"/>
+                <a16:creationId xmlns:a16="http://schemas.microsoft.com/office/drawing/2014/main" id="{D34E7F4E-5721-453C-AB79-44D25AA1A3D3}"/>
               </a:ext>
             </a:extLst>
           </p:cNvPr>
@@ -1933,7 +2196,7 @@
           <p:cNvPr id="3" name="Дата 2">
             <a:extLst>
               <a:ext uri="{FF2B5EF4-FFF2-40B4-BE49-F238E27FC236}">
-                <a16:creationId xmlns:a16="http://schemas.microsoft.com/office/drawing/2014/main" id="{2D94B0D5-B825-2276-F302-1B2C95C52E07}"/>
+                <a16:creationId xmlns:a16="http://schemas.microsoft.com/office/drawing/2014/main" id="{0F61EC4E-D0A9-4A12-B995-D97206CD3DD1}"/>
               </a:ext>
             </a:extLst>
           </p:cNvPr>
@@ -1949,9 +2212,9 @@
           <a:bodyPr/>
           <a:lstStyle/>
           <a:p>
-            <a:fld id="{AFD5902F-8047-4417-A268-AEADA5AB0805}" type="datetimeFigureOut">
+            <a:fld id="{979EDE62-684C-45DE-9E5E-E0B74BDEED12}" type="datetimeFigureOut">
               <a:rPr lang="ru-RU" smtClean="0"/>
-              <a:t>21.01.2025</a:t>
+              <a:t>23.01.2025</a:t>
             </a:fld>
             <a:endParaRPr lang="ru-RU"/>
           </a:p>
@@ -1962,7 +2225,7 @@
           <p:cNvPr id="4" name="Нижний колонтитул 3">
             <a:extLst>
               <a:ext uri="{FF2B5EF4-FFF2-40B4-BE49-F238E27FC236}">
-                <a16:creationId xmlns:a16="http://schemas.microsoft.com/office/drawing/2014/main" id="{C982DD6B-7176-F835-7AD6-08FA85E5337E}"/>
+                <a16:creationId xmlns:a16="http://schemas.microsoft.com/office/drawing/2014/main" id="{F90C495C-5E63-45B9-B674-6653FC9CDB87}"/>
               </a:ext>
             </a:extLst>
           </p:cNvPr>
@@ -1987,7 +2250,7 @@
           <p:cNvPr id="5" name="Номер слайда 4">
             <a:extLst>
               <a:ext uri="{FF2B5EF4-FFF2-40B4-BE49-F238E27FC236}">
-                <a16:creationId xmlns:a16="http://schemas.microsoft.com/office/drawing/2014/main" id="{FC3BC218-0F7C-D2EF-B536-89CC58F80040}"/>
+                <a16:creationId xmlns:a16="http://schemas.microsoft.com/office/drawing/2014/main" id="{32AFF062-1F4B-4AB3-A293-30BB5587F703}"/>
               </a:ext>
             </a:extLst>
           </p:cNvPr>
@@ -2003,7 +2266,7 @@
           <a:bodyPr/>
           <a:lstStyle/>
           <a:p>
-            <a:fld id="{E6BE5ED7-9DF3-4E15-9178-A8D6C791BB0C}" type="slidenum">
+            <a:fld id="{AD2FA258-8CDA-4FA1-950D-7CEB8B83EF25}" type="slidenum">
               <a:rPr lang="ru-RU" smtClean="0"/>
               <a:t>‹#›</a:t>
             </a:fld>
@@ -2014,7 +2277,7 @@
     </p:spTree>
     <p:extLst>
       <p:ext uri="{BB962C8B-B14F-4D97-AF65-F5344CB8AC3E}">
-        <p14:creationId xmlns:p14="http://schemas.microsoft.com/office/powerpoint/2010/main" val="2121977002"/>
+        <p14:creationId xmlns:p14="http://schemas.microsoft.com/office/powerpoint/2010/main" val="306701113"/>
       </p:ext>
     </p:extLst>
   </p:cSld>
@@ -2046,7 +2309,7 @@
           <p:cNvPr id="2" name="Дата 1">
             <a:extLst>
               <a:ext uri="{FF2B5EF4-FFF2-40B4-BE49-F238E27FC236}">
-                <a16:creationId xmlns:a16="http://schemas.microsoft.com/office/drawing/2014/main" id="{3592A6A9-D3FA-43B1-694B-5E8684834486}"/>
+                <a16:creationId xmlns:a16="http://schemas.microsoft.com/office/drawing/2014/main" id="{4A328953-1592-46E9-9804-79378AB774BE}"/>
               </a:ext>
             </a:extLst>
           </p:cNvPr>
@@ -2062,9 +2325,9 @@
           <a:bodyPr/>
           <a:lstStyle/>
           <a:p>
-            <a:fld id="{AFD5902F-8047-4417-A268-AEADA5AB0805}" type="datetimeFigureOut">
+            <a:fld id="{979EDE62-684C-45DE-9E5E-E0B74BDEED12}" type="datetimeFigureOut">
               <a:rPr lang="ru-RU" smtClean="0"/>
-              <a:t>21.01.2025</a:t>
+              <a:t>23.01.2025</a:t>
             </a:fld>
             <a:endParaRPr lang="ru-RU"/>
           </a:p>
@@ -2075,7 +2338,7 @@
           <p:cNvPr id="3" name="Нижний колонтитул 2">
             <a:extLst>
               <a:ext uri="{FF2B5EF4-FFF2-40B4-BE49-F238E27FC236}">
-                <a16:creationId xmlns:a16="http://schemas.microsoft.com/office/drawing/2014/main" id="{849E3472-A45C-A832-BB85-D3E8AA3B218A}"/>
+                <a16:creationId xmlns:a16="http://schemas.microsoft.com/office/drawing/2014/main" id="{5E0C576D-FBDD-4C17-8FBA-DF981E1F62C7}"/>
               </a:ext>
             </a:extLst>
           </p:cNvPr>
@@ -2100,7 +2363,7 @@
           <p:cNvPr id="4" name="Номер слайда 3">
             <a:extLst>
               <a:ext uri="{FF2B5EF4-FFF2-40B4-BE49-F238E27FC236}">
-                <a16:creationId xmlns:a16="http://schemas.microsoft.com/office/drawing/2014/main" id="{5D0B9BD3-8A1A-36B4-3FC6-13FCEB706426}"/>
+                <a16:creationId xmlns:a16="http://schemas.microsoft.com/office/drawing/2014/main" id="{D34508BA-FDBE-41A9-8207-E1BCC0534CFB}"/>
               </a:ext>
             </a:extLst>
           </p:cNvPr>
@@ -2116,7 +2379,7 @@
           <a:bodyPr/>
           <a:lstStyle/>
           <a:p>
-            <a:fld id="{E6BE5ED7-9DF3-4E15-9178-A8D6C791BB0C}" type="slidenum">
+            <a:fld id="{AD2FA258-8CDA-4FA1-950D-7CEB8B83EF25}" type="slidenum">
               <a:rPr lang="ru-RU" smtClean="0"/>
               <a:t>‹#›</a:t>
             </a:fld>
@@ -2127,7 +2390,7 @@
     </p:spTree>
     <p:extLst>
       <p:ext uri="{BB962C8B-B14F-4D97-AF65-F5344CB8AC3E}">
-        <p14:creationId xmlns:p14="http://schemas.microsoft.com/office/powerpoint/2010/main" val="1760247098"/>
+        <p14:creationId xmlns:p14="http://schemas.microsoft.com/office/powerpoint/2010/main" val="2497686133"/>
       </p:ext>
     </p:extLst>
   </p:cSld>
@@ -2159,7 +2422,7 @@
           <p:cNvPr id="2" name="Заголовок 1">
             <a:extLst>
               <a:ext uri="{FF2B5EF4-FFF2-40B4-BE49-F238E27FC236}">
-                <a16:creationId xmlns:a16="http://schemas.microsoft.com/office/drawing/2014/main" id="{180FA8D9-1A3F-ABDC-55DB-FEBFD9FA2814}"/>
+                <a16:creationId xmlns:a16="http://schemas.microsoft.com/office/drawing/2014/main" id="{A3A85041-186F-4BBF-9AFA-A67ECBEE44FA}"/>
               </a:ext>
             </a:extLst>
           </p:cNvPr>
@@ -2196,7 +2459,7 @@
           <p:cNvPr id="3" name="Объект 2">
             <a:extLst>
               <a:ext uri="{FF2B5EF4-FFF2-40B4-BE49-F238E27FC236}">
-                <a16:creationId xmlns:a16="http://schemas.microsoft.com/office/drawing/2014/main" id="{FBC8B909-F4E8-951E-7483-A4FB3315B723}"/>
+                <a16:creationId xmlns:a16="http://schemas.microsoft.com/office/drawing/2014/main" id="{EC9CEADC-E0DC-443F-8301-33FEAAB026D3}"/>
               </a:ext>
             </a:extLst>
           </p:cNvPr>
@@ -2286,7 +2549,7 @@
           <p:cNvPr id="4" name="Текст 3">
             <a:extLst>
               <a:ext uri="{FF2B5EF4-FFF2-40B4-BE49-F238E27FC236}">
-                <a16:creationId xmlns:a16="http://schemas.microsoft.com/office/drawing/2014/main" id="{E4549EB9-53A1-00F9-66FD-23FB7FB5DAE7}"/>
+                <a16:creationId xmlns:a16="http://schemas.microsoft.com/office/drawing/2014/main" id="{74364AC6-4AF5-4454-B91D-B2669DB7AC66}"/>
               </a:ext>
             </a:extLst>
           </p:cNvPr>
@@ -2357,7 +2620,7 @@
           <p:cNvPr id="5" name="Дата 4">
             <a:extLst>
               <a:ext uri="{FF2B5EF4-FFF2-40B4-BE49-F238E27FC236}">
-                <a16:creationId xmlns:a16="http://schemas.microsoft.com/office/drawing/2014/main" id="{7FE10614-C24F-4ED5-282B-DC9E56804F14}"/>
+                <a16:creationId xmlns:a16="http://schemas.microsoft.com/office/drawing/2014/main" id="{BB78711A-1D58-4369-92F1-388D62634B85}"/>
               </a:ext>
             </a:extLst>
           </p:cNvPr>
@@ -2373,9 +2636,9 @@
           <a:bodyPr/>
           <a:lstStyle/>
           <a:p>
-            <a:fld id="{AFD5902F-8047-4417-A268-AEADA5AB0805}" type="datetimeFigureOut">
+            <a:fld id="{979EDE62-684C-45DE-9E5E-E0B74BDEED12}" type="datetimeFigureOut">
               <a:rPr lang="ru-RU" smtClean="0"/>
-              <a:t>21.01.2025</a:t>
+              <a:t>23.01.2025</a:t>
             </a:fld>
             <a:endParaRPr lang="ru-RU"/>
           </a:p>
@@ -2386,7 +2649,7 @@
           <p:cNvPr id="6" name="Нижний колонтитул 5">
             <a:extLst>
               <a:ext uri="{FF2B5EF4-FFF2-40B4-BE49-F238E27FC236}">
-                <a16:creationId xmlns:a16="http://schemas.microsoft.com/office/drawing/2014/main" id="{7B7F826E-9BDF-3D92-0A90-8F9699762496}"/>
+                <a16:creationId xmlns:a16="http://schemas.microsoft.com/office/drawing/2014/main" id="{B69AA23D-A494-40B2-B862-D8B7B7A44436}"/>
               </a:ext>
             </a:extLst>
           </p:cNvPr>
@@ -2411,7 +2674,7 @@
           <p:cNvPr id="7" name="Номер слайда 6">
             <a:extLst>
               <a:ext uri="{FF2B5EF4-FFF2-40B4-BE49-F238E27FC236}">
-                <a16:creationId xmlns:a16="http://schemas.microsoft.com/office/drawing/2014/main" id="{E370E683-9167-7B4B-0AB0-38EDAF95C8F2}"/>
+                <a16:creationId xmlns:a16="http://schemas.microsoft.com/office/drawing/2014/main" id="{835C787A-018F-4AC8-92E3-E275F55C750A}"/>
               </a:ext>
             </a:extLst>
           </p:cNvPr>
@@ -2427,7 +2690,7 @@
           <a:bodyPr/>
           <a:lstStyle/>
           <a:p>
-            <a:fld id="{E6BE5ED7-9DF3-4E15-9178-A8D6C791BB0C}" type="slidenum">
+            <a:fld id="{AD2FA258-8CDA-4FA1-950D-7CEB8B83EF25}" type="slidenum">
               <a:rPr lang="ru-RU" smtClean="0"/>
               <a:t>‹#›</a:t>
             </a:fld>
@@ -2438,7 +2701,7 @@
     </p:spTree>
     <p:extLst>
       <p:ext uri="{BB962C8B-B14F-4D97-AF65-F5344CB8AC3E}">
-        <p14:creationId xmlns:p14="http://schemas.microsoft.com/office/powerpoint/2010/main" val="145405234"/>
+        <p14:creationId xmlns:p14="http://schemas.microsoft.com/office/powerpoint/2010/main" val="744339640"/>
       </p:ext>
     </p:extLst>
   </p:cSld>
@@ -2470,7 +2733,7 @@
           <p:cNvPr id="2" name="Заголовок 1">
             <a:extLst>
               <a:ext uri="{FF2B5EF4-FFF2-40B4-BE49-F238E27FC236}">
-                <a16:creationId xmlns:a16="http://schemas.microsoft.com/office/drawing/2014/main" id="{54759F7C-F676-2DD0-5666-AC77C09A0DB8}"/>
+                <a16:creationId xmlns:a16="http://schemas.microsoft.com/office/drawing/2014/main" id="{62467F7A-71B4-4882-99BA-D8DBEC5FA1C6}"/>
               </a:ext>
             </a:extLst>
           </p:cNvPr>
@@ -2507,7 +2770,7 @@
           <p:cNvPr id="3" name="Рисунок 2">
             <a:extLst>
               <a:ext uri="{FF2B5EF4-FFF2-40B4-BE49-F238E27FC236}">
-                <a16:creationId xmlns:a16="http://schemas.microsoft.com/office/drawing/2014/main" id="{4F0CBDF2-E86C-4C61-9393-FFA4D26EC4F9}"/>
+                <a16:creationId xmlns:a16="http://schemas.microsoft.com/office/drawing/2014/main" id="{CC347FC7-885E-4C37-B040-61A3C2AA06C0}"/>
               </a:ext>
             </a:extLst>
           </p:cNvPr>
@@ -2574,7 +2837,7 @@
           <p:cNvPr id="4" name="Текст 3">
             <a:extLst>
               <a:ext uri="{FF2B5EF4-FFF2-40B4-BE49-F238E27FC236}">
-                <a16:creationId xmlns:a16="http://schemas.microsoft.com/office/drawing/2014/main" id="{A95D8393-FFD5-FE56-DA99-659BA6C1369D}"/>
+                <a16:creationId xmlns:a16="http://schemas.microsoft.com/office/drawing/2014/main" id="{8E666D8C-94FD-4296-9989-95512039F798}"/>
               </a:ext>
             </a:extLst>
           </p:cNvPr>
@@ -2645,7 +2908,7 @@
           <p:cNvPr id="5" name="Дата 4">
             <a:extLst>
               <a:ext uri="{FF2B5EF4-FFF2-40B4-BE49-F238E27FC236}">
-                <a16:creationId xmlns:a16="http://schemas.microsoft.com/office/drawing/2014/main" id="{5F2BDB83-A11E-382B-E141-4B83FECE70F9}"/>
+                <a16:creationId xmlns:a16="http://schemas.microsoft.com/office/drawing/2014/main" id="{EAAD5134-7AB0-4946-8D36-DA4909F5B92D}"/>
               </a:ext>
             </a:extLst>
           </p:cNvPr>
@@ -2661,9 +2924,9 @@
           <a:bodyPr/>
           <a:lstStyle/>
           <a:p>
-            <a:fld id="{AFD5902F-8047-4417-A268-AEADA5AB0805}" type="datetimeFigureOut">
+            <a:fld id="{979EDE62-684C-45DE-9E5E-E0B74BDEED12}" type="datetimeFigureOut">
               <a:rPr lang="ru-RU" smtClean="0"/>
-              <a:t>21.01.2025</a:t>
+              <a:t>23.01.2025</a:t>
             </a:fld>
             <a:endParaRPr lang="ru-RU"/>
           </a:p>
@@ -2674,7 +2937,7 @@
           <p:cNvPr id="6" name="Нижний колонтитул 5">
             <a:extLst>
               <a:ext uri="{FF2B5EF4-FFF2-40B4-BE49-F238E27FC236}">
-                <a16:creationId xmlns:a16="http://schemas.microsoft.com/office/drawing/2014/main" id="{17D03A84-110D-0B3D-DD41-C8815B5619D5}"/>
+                <a16:creationId xmlns:a16="http://schemas.microsoft.com/office/drawing/2014/main" id="{706B0779-4E16-4D2C-8411-715CC6DA4DB1}"/>
               </a:ext>
             </a:extLst>
           </p:cNvPr>
@@ -2699,7 +2962,7 @@
           <p:cNvPr id="7" name="Номер слайда 6">
             <a:extLst>
               <a:ext uri="{FF2B5EF4-FFF2-40B4-BE49-F238E27FC236}">
-                <a16:creationId xmlns:a16="http://schemas.microsoft.com/office/drawing/2014/main" id="{483C6DFA-10AD-C22C-782E-8AA564992A6D}"/>
+                <a16:creationId xmlns:a16="http://schemas.microsoft.com/office/drawing/2014/main" id="{3A572B3D-9485-48B2-A2DC-D446EC8C43D2}"/>
               </a:ext>
             </a:extLst>
           </p:cNvPr>
@@ -2715,7 +2978,7 @@
           <a:bodyPr/>
           <a:lstStyle/>
           <a:p>
-            <a:fld id="{E6BE5ED7-9DF3-4E15-9178-A8D6C791BB0C}" type="slidenum">
+            <a:fld id="{AD2FA258-8CDA-4FA1-950D-7CEB8B83EF25}" type="slidenum">
               <a:rPr lang="ru-RU" smtClean="0"/>
               <a:t>‹#›</a:t>
             </a:fld>
@@ -2726,7 +2989,7 @@
     </p:spTree>
     <p:extLst>
       <p:ext uri="{BB962C8B-B14F-4D97-AF65-F5344CB8AC3E}">
-        <p14:creationId xmlns:p14="http://schemas.microsoft.com/office/powerpoint/2010/main" val="1806217945"/>
+        <p14:creationId xmlns:p14="http://schemas.microsoft.com/office/powerpoint/2010/main" val="344535874"/>
       </p:ext>
     </p:extLst>
   </p:cSld>
@@ -2740,9 +3003,12 @@
 <p:sldMaster xmlns:a="http://schemas.openxmlformats.org/drawingml/2006/main" xmlns:r="http://schemas.openxmlformats.org/officeDocument/2006/relationships" xmlns:p="http://schemas.openxmlformats.org/presentationml/2006/main">
   <p:cSld>
     <p:bg>
-      <p:bgRef idx="1001">
-        <a:schemeClr val="bg1"/>
-      </p:bgRef>
+      <p:bgPr>
+        <a:solidFill>
+          <a:srgbClr val="008000"/>
+        </a:solidFill>
+        <a:effectLst/>
+      </p:bgPr>
     </p:bg>
     <p:spTree>
       <p:nvGrpSpPr>
@@ -2763,7 +3029,7 @@
           <p:cNvPr id="2" name="Заголовок 1">
             <a:extLst>
               <a:ext uri="{FF2B5EF4-FFF2-40B4-BE49-F238E27FC236}">
-                <a16:creationId xmlns:a16="http://schemas.microsoft.com/office/drawing/2014/main" id="{AC14AB89-EAAA-8DD7-0BDB-02D71075705A}"/>
+                <a16:creationId xmlns:a16="http://schemas.microsoft.com/office/drawing/2014/main" id="{08859B9B-2EF6-4022-B28F-C0200E775863}"/>
               </a:ext>
             </a:extLst>
           </p:cNvPr>
@@ -2801,7 +3067,7 @@
           <p:cNvPr id="3" name="Текст 2">
             <a:extLst>
               <a:ext uri="{FF2B5EF4-FFF2-40B4-BE49-F238E27FC236}">
-                <a16:creationId xmlns:a16="http://schemas.microsoft.com/office/drawing/2014/main" id="{9FFB5A6A-FA23-2CE0-3999-8E95BEA9E05F}"/>
+                <a16:creationId xmlns:a16="http://schemas.microsoft.com/office/drawing/2014/main" id="{BCD8C7A5-7293-4DF3-976E-F8A58896E5D9}"/>
               </a:ext>
             </a:extLst>
           </p:cNvPr>
@@ -2868,7 +3134,7 @@
           <p:cNvPr id="4" name="Дата 3">
             <a:extLst>
               <a:ext uri="{FF2B5EF4-FFF2-40B4-BE49-F238E27FC236}">
-                <a16:creationId xmlns:a16="http://schemas.microsoft.com/office/drawing/2014/main" id="{9CD994CC-461C-8225-7FB8-5E7132127FD9}"/>
+                <a16:creationId xmlns:a16="http://schemas.microsoft.com/office/drawing/2014/main" id="{3B232CDB-0C1C-4482-ACD0-1428CE2AB15A}"/>
               </a:ext>
             </a:extLst>
           </p:cNvPr>
@@ -2902,9 +3168,9 @@
             </a:lvl1pPr>
           </a:lstStyle>
           <a:p>
-            <a:fld id="{AFD5902F-8047-4417-A268-AEADA5AB0805}" type="datetimeFigureOut">
+            <a:fld id="{979EDE62-684C-45DE-9E5E-E0B74BDEED12}" type="datetimeFigureOut">
               <a:rPr lang="ru-RU" smtClean="0"/>
-              <a:t>21.01.2025</a:t>
+              <a:t>23.01.2025</a:t>
             </a:fld>
             <a:endParaRPr lang="ru-RU"/>
           </a:p>
@@ -2915,7 +3181,7 @@
           <p:cNvPr id="5" name="Нижний колонтитул 4">
             <a:extLst>
               <a:ext uri="{FF2B5EF4-FFF2-40B4-BE49-F238E27FC236}">
-                <a16:creationId xmlns:a16="http://schemas.microsoft.com/office/drawing/2014/main" id="{1708E3C5-CFAD-CEB6-DF12-5F5BDA10DD83}"/>
+                <a16:creationId xmlns:a16="http://schemas.microsoft.com/office/drawing/2014/main" id="{44D2C67F-14F3-4643-B612-E5CFED08DB4E}"/>
               </a:ext>
             </a:extLst>
           </p:cNvPr>
@@ -2958,7 +3224,7 @@
           <p:cNvPr id="6" name="Номер слайда 5">
             <a:extLst>
               <a:ext uri="{FF2B5EF4-FFF2-40B4-BE49-F238E27FC236}">
-                <a16:creationId xmlns:a16="http://schemas.microsoft.com/office/drawing/2014/main" id="{242E3280-1D24-E5F2-62F5-63B9177053F6}"/>
+                <a16:creationId xmlns:a16="http://schemas.microsoft.com/office/drawing/2014/main" id="{0807108D-95B3-4C75-A203-AB16A9C6E5EC}"/>
               </a:ext>
             </a:extLst>
           </p:cNvPr>
@@ -2992,7 +3258,7 @@
             </a:lvl1pPr>
           </a:lstStyle>
           <a:p>
-            <a:fld id="{E6BE5ED7-9DF3-4E15-9178-A8D6C791BB0C}" type="slidenum">
+            <a:fld id="{AD2FA258-8CDA-4FA1-950D-7CEB8B83EF25}" type="slidenum">
               <a:rPr lang="ru-RU" smtClean="0"/>
               <a:t>‹#›</a:t>
             </a:fld>
@@ -3003,7 +3269,7 @@
     </p:spTree>
     <p:extLst>
       <p:ext uri="{BB962C8B-B14F-4D97-AF65-F5344CB8AC3E}">
-        <p14:creationId xmlns:p14="http://schemas.microsoft.com/office/powerpoint/2010/main" val="1243897234"/>
+        <p14:creationId xmlns:p14="http://schemas.microsoft.com/office/powerpoint/2010/main" val="3901902748"/>
       </p:ext>
     </p:extLst>
   </p:cSld>
@@ -3323,10 +3589,218 @@
       </p:grpSpPr>
       <p:sp>
         <p:nvSpPr>
-          <p:cNvPr id="4" name="TextBox 3">
-            <a:extLst>
-              <a:ext uri="{FF2B5EF4-FFF2-40B4-BE49-F238E27FC236}">
-                <a16:creationId xmlns:a16="http://schemas.microsoft.com/office/drawing/2014/main" id="{A7E2449C-3DE8-84F4-B02B-D8527AED600F}"/>
+          <p:cNvPr id="27" name="Прямоугольник 26">
+            <a:extLst>
+              <a:ext uri="{FF2B5EF4-FFF2-40B4-BE49-F238E27FC236}">
+                <a16:creationId xmlns:a16="http://schemas.microsoft.com/office/drawing/2014/main" id="{C8D07D88-2C5F-4056-9755-93339943428F}"/>
+              </a:ext>
+            </a:extLst>
+          </p:cNvPr>
+          <p:cNvSpPr/>
+          <p:nvPr/>
+        </p:nvSpPr>
+        <p:spPr>
+          <a:xfrm rot="21423131">
+            <a:off x="-1615" y="1924749"/>
+            <a:ext cx="5631934" cy="321905"/>
+          </a:xfrm>
+          <a:prstGeom prst="rect">
+            <a:avLst/>
+          </a:prstGeom>
+          <a:solidFill>
+            <a:srgbClr val="964B00"/>
+          </a:solidFill>
+          <a:ln>
+            <a:noFill/>
+          </a:ln>
+        </p:spPr>
+        <p:style>
+          <a:lnRef idx="2">
+            <a:schemeClr val="accent1">
+              <a:shade val="50000"/>
+            </a:schemeClr>
+          </a:lnRef>
+          <a:fillRef idx="1">
+            <a:schemeClr val="accent1"/>
+          </a:fillRef>
+          <a:effectRef idx="0">
+            <a:schemeClr val="accent1"/>
+          </a:effectRef>
+          <a:fontRef idx="minor">
+            <a:schemeClr val="lt1"/>
+          </a:fontRef>
+        </p:style>
+        <p:txBody>
+          <a:bodyPr rtlCol="0" anchor="ctr"/>
+          <a:lstStyle/>
+          <a:p>
+            <a:pPr algn="ctr"/>
+            <a:endParaRPr lang="ru-RU"/>
+          </a:p>
+        </p:txBody>
+      </p:sp>
+      <p:sp>
+        <p:nvSpPr>
+          <p:cNvPr id="10" name="Прямоугольник 9">
+            <a:extLst>
+              <a:ext uri="{FF2B5EF4-FFF2-40B4-BE49-F238E27FC236}">
+                <a16:creationId xmlns:a16="http://schemas.microsoft.com/office/drawing/2014/main" id="{A27EA8E5-22CD-4C65-8F9A-495C008730A4}"/>
+              </a:ext>
+            </a:extLst>
+          </p:cNvPr>
+          <p:cNvSpPr/>
+          <p:nvPr/>
+        </p:nvSpPr>
+        <p:spPr>
+          <a:xfrm>
+            <a:off x="8397572" y="1149291"/>
+            <a:ext cx="3794428" cy="1333850"/>
+          </a:xfrm>
+          <a:prstGeom prst="rect">
+            <a:avLst/>
+          </a:prstGeom>
+          <a:solidFill>
+            <a:srgbClr val="BEFF7D"/>
+          </a:solidFill>
+          <a:ln>
+            <a:noFill/>
+          </a:ln>
+        </p:spPr>
+        <p:style>
+          <a:lnRef idx="2">
+            <a:schemeClr val="accent1">
+              <a:shade val="50000"/>
+            </a:schemeClr>
+          </a:lnRef>
+          <a:fillRef idx="1">
+            <a:schemeClr val="accent1"/>
+          </a:fillRef>
+          <a:effectRef idx="0">
+            <a:schemeClr val="accent1"/>
+          </a:effectRef>
+          <a:fontRef idx="minor">
+            <a:schemeClr val="lt1"/>
+          </a:fontRef>
+        </p:style>
+        <p:txBody>
+          <a:bodyPr rtlCol="0" anchor="ctr"/>
+          <a:lstStyle/>
+          <a:p>
+            <a:pPr algn="ctr"/>
+            <a:endParaRPr lang="ru-RU" dirty="0"/>
+          </a:p>
+        </p:txBody>
+      </p:sp>
+      <p:sp>
+        <p:nvSpPr>
+          <p:cNvPr id="8" name="Прямоугольник 7">
+            <a:extLst>
+              <a:ext uri="{FF2B5EF4-FFF2-40B4-BE49-F238E27FC236}">
+                <a16:creationId xmlns:a16="http://schemas.microsoft.com/office/drawing/2014/main" id="{EC62E298-1569-422E-9AD0-C0762B79B0BC}"/>
+              </a:ext>
+            </a:extLst>
+          </p:cNvPr>
+          <p:cNvSpPr/>
+          <p:nvPr/>
+        </p:nvSpPr>
+        <p:spPr>
+          <a:xfrm rot="19634972">
+            <a:off x="4929678" y="2015655"/>
+            <a:ext cx="1388249" cy="1127199"/>
+          </a:xfrm>
+          <a:prstGeom prst="rect">
+            <a:avLst/>
+          </a:prstGeom>
+          <a:solidFill>
+            <a:srgbClr val="BEFF7D"/>
+          </a:solidFill>
+          <a:ln>
+            <a:noFill/>
+          </a:ln>
+        </p:spPr>
+        <p:style>
+          <a:lnRef idx="2">
+            <a:schemeClr val="accent1">
+              <a:shade val="50000"/>
+            </a:schemeClr>
+          </a:lnRef>
+          <a:fillRef idx="1">
+            <a:schemeClr val="accent1"/>
+          </a:fillRef>
+          <a:effectRef idx="0">
+            <a:schemeClr val="accent1"/>
+          </a:effectRef>
+          <a:fontRef idx="minor">
+            <a:schemeClr val="lt1"/>
+          </a:fontRef>
+        </p:style>
+        <p:txBody>
+          <a:bodyPr rtlCol="0" anchor="ctr"/>
+          <a:lstStyle/>
+          <a:p>
+            <a:pPr algn="ctr"/>
+            <a:endParaRPr lang="ru-RU"/>
+          </a:p>
+        </p:txBody>
+      </p:sp>
+      <p:sp>
+        <p:nvSpPr>
+          <p:cNvPr id="5" name="Прямоугольник 4">
+            <a:extLst>
+              <a:ext uri="{FF2B5EF4-FFF2-40B4-BE49-F238E27FC236}">
+                <a16:creationId xmlns:a16="http://schemas.microsoft.com/office/drawing/2014/main" id="{4C429200-CACA-4A13-BA3B-597FEDB287E4}"/>
+              </a:ext>
+            </a:extLst>
+          </p:cNvPr>
+          <p:cNvSpPr/>
+          <p:nvPr/>
+        </p:nvSpPr>
+        <p:spPr>
+          <a:xfrm>
+            <a:off x="0" y="2095150"/>
+            <a:ext cx="5343787" cy="1333850"/>
+          </a:xfrm>
+          <a:prstGeom prst="rect">
+            <a:avLst/>
+          </a:prstGeom>
+          <a:solidFill>
+            <a:srgbClr val="A5FF4B"/>
+          </a:solidFill>
+          <a:ln>
+            <a:noFill/>
+          </a:ln>
+        </p:spPr>
+        <p:style>
+          <a:lnRef idx="2">
+            <a:schemeClr val="accent1">
+              <a:shade val="50000"/>
+            </a:schemeClr>
+          </a:lnRef>
+          <a:fillRef idx="1">
+            <a:schemeClr val="accent1"/>
+          </a:fillRef>
+          <a:effectRef idx="0">
+            <a:schemeClr val="accent1"/>
+          </a:effectRef>
+          <a:fontRef idx="minor">
+            <a:schemeClr val="lt1"/>
+          </a:fontRef>
+        </p:style>
+        <p:txBody>
+          <a:bodyPr rtlCol="0" anchor="ctr"/>
+          <a:lstStyle/>
+          <a:p>
+            <a:pPr algn="ctr"/>
+            <a:endParaRPr lang="ru-RU" dirty="0"/>
+          </a:p>
+        </p:txBody>
+      </p:sp>
+      <p:sp>
+        <p:nvSpPr>
+          <p:cNvPr id="3" name="TextBox 2">
+            <a:extLst>
+              <a:ext uri="{FF2B5EF4-FFF2-40B4-BE49-F238E27FC236}">
+                <a16:creationId xmlns:a16="http://schemas.microsoft.com/office/drawing/2014/main" id="{7E1A64C4-FF42-4235-A9E9-1B3902D57D4A}"/>
               </a:ext>
             </a:extLst>
           </p:cNvPr>
@@ -3335,8 +3809,8 @@
         </p:nvSpPr>
         <p:spPr>
           <a:xfrm>
-            <a:off x="3026664" y="576072"/>
-            <a:ext cx="2728119" cy="646331"/>
+            <a:off x="50373" y="2373619"/>
+            <a:ext cx="5293414" cy="769441"/>
           </a:xfrm>
           <a:prstGeom prst="rect">
             <a:avLst/>
@@ -3344,30 +3818,536 @@
           <a:noFill/>
         </p:spPr>
         <p:txBody>
-          <a:bodyPr wrap="none" rtlCol="0">
+          <a:bodyPr wrap="square" rtlCol="0">
             <a:spAutoFit/>
           </a:bodyPr>
           <a:lstStyle/>
           <a:p>
             <a:r>
-              <a:rPr lang="ru-RU" dirty="0"/>
-              <a:t>Черновик презентации </a:t>
-            </a:r>
-          </a:p>
-          <a:p>
-            <a:r>
-              <a:rPr lang="ru-RU" dirty="0"/>
-              <a:t>Лес. Нечисть. Русский рок</a:t>
-            </a:r>
-          </a:p>
-        </p:txBody>
-      </p:sp>
-      <p:sp>
-        <p:nvSpPr>
-          <p:cNvPr id="5" name="TextBox 4">
-            <a:extLst>
-              <a:ext uri="{FF2B5EF4-FFF2-40B4-BE49-F238E27FC236}">
-                <a16:creationId xmlns:a16="http://schemas.microsoft.com/office/drawing/2014/main" id="{1E3D92CE-DE00-F6F0-5744-5ACB87435980}"/>
+              <a:rPr lang="en-US" sz="2400" i="1" dirty="0"/>
+              <a:t>“</a:t>
+            </a:r>
+            <a:r>
+              <a:rPr lang="ru-RU" sz="2400" b="1" i="1" dirty="0">
+                <a:solidFill>
+                  <a:srgbClr val="964B00"/>
+                </a:solidFill>
+                <a:effectLst/>
+                <a:ea typeface="Times New Roman" panose="02020603050405020304" pitchFamily="18" charset="0"/>
+              </a:rPr>
+              <a:t>Лес.</a:t>
+            </a:r>
+            <a:r>
+              <a:rPr lang="ru-RU" sz="2400" b="1" i="1" dirty="0">
+                <a:solidFill>
+                  <a:srgbClr val="009900"/>
+                </a:solidFill>
+                <a:effectLst/>
+                <a:ea typeface="Times New Roman" panose="02020603050405020304" pitchFamily="18" charset="0"/>
+              </a:rPr>
+              <a:t> </a:t>
+            </a:r>
+            <a:r>
+              <a:rPr lang="ru-RU" sz="2400" b="1" i="1" dirty="0">
+                <a:solidFill>
+                  <a:srgbClr val="767171"/>
+                </a:solidFill>
+                <a:effectLst/>
+                <a:ea typeface="Times New Roman" panose="02020603050405020304" pitchFamily="18" charset="0"/>
+              </a:rPr>
+              <a:t>Нечисть.</a:t>
+            </a:r>
+            <a:r>
+              <a:rPr lang="ru-RU" sz="2400" b="1" i="1" dirty="0">
+                <a:solidFill>
+                  <a:srgbClr val="009900"/>
+                </a:solidFill>
+                <a:effectLst/>
+                <a:ea typeface="Times New Roman" panose="02020603050405020304" pitchFamily="18" charset="0"/>
+              </a:rPr>
+              <a:t> Русский рок.</a:t>
+            </a:r>
+            <a:r>
+              <a:rPr lang="en-US" sz="2400" i="1" dirty="0"/>
+              <a:t>”</a:t>
+            </a:r>
+            <a:endParaRPr lang="ru-RU" sz="2400" i="1" dirty="0"/>
+          </a:p>
+          <a:p>
+            <a:r>
+              <a:rPr lang="ru-RU" sz="2000" b="1" dirty="0"/>
+              <a:t>—</a:t>
+            </a:r>
+            <a:r>
+              <a:rPr lang="ru-RU" sz="2000" b="1" dirty="0">
+                <a:solidFill>
+                  <a:srgbClr val="009900"/>
+                </a:solidFill>
+              </a:rPr>
+              <a:t> игра на </a:t>
+            </a:r>
+            <a:r>
+              <a:rPr lang="en-US" sz="2000" b="1" dirty="0">
+                <a:solidFill>
+                  <a:srgbClr val="009900"/>
+                </a:solidFill>
+              </a:rPr>
+              <a:t>Pygame</a:t>
+            </a:r>
+            <a:endParaRPr lang="ru-RU" sz="2000" b="1" dirty="0">
+              <a:solidFill>
+                <a:srgbClr val="6600FF"/>
+              </a:solidFill>
+            </a:endParaRPr>
+          </a:p>
+        </p:txBody>
+      </p:sp>
+      <p:pic>
+        <p:nvPicPr>
+          <p:cNvPr id="7" name="Рисунок 6">
+            <a:extLst>
+              <a:ext uri="{FF2B5EF4-FFF2-40B4-BE49-F238E27FC236}">
+                <a16:creationId xmlns:a16="http://schemas.microsoft.com/office/drawing/2014/main" id="{426913F1-7711-4A84-8422-807F2AB5F861}"/>
+              </a:ext>
+            </a:extLst>
+          </p:cNvPr>
+          <p:cNvPicPr>
+            <a:picLocks noChangeAspect="1"/>
+          </p:cNvPicPr>
+          <p:nvPr/>
+        </p:nvPicPr>
+        <p:blipFill>
+          <a:blip r:embed="rId2">
+            <a:extLst>
+              <a:ext uri="{28A0092B-C50C-407E-A947-70E740481C1C}">
+                <a14:useLocalDpi xmlns:a14="http://schemas.microsoft.com/office/drawing/2010/main" val="0"/>
+              </a:ext>
+            </a:extLst>
+          </a:blip>
+          <a:stretch>
+            <a:fillRect/>
+          </a:stretch>
+        </p:blipFill>
+        <p:spPr>
+          <a:xfrm>
+            <a:off x="5626691" y="790837"/>
+            <a:ext cx="6272594" cy="4704446"/>
+          </a:xfrm>
+          <a:prstGeom prst="rect">
+            <a:avLst/>
+          </a:prstGeom>
+          <a:ln w="76200">
+            <a:solidFill>
+              <a:srgbClr val="BEFF7D"/>
+            </a:solidFill>
+          </a:ln>
+        </p:spPr>
+      </p:pic>
+      <p:grpSp>
+        <p:nvGrpSpPr>
+          <p:cNvPr id="14" name="Группа 13">
+            <a:extLst>
+              <a:ext uri="{FF2B5EF4-FFF2-40B4-BE49-F238E27FC236}">
+                <a16:creationId xmlns:a16="http://schemas.microsoft.com/office/drawing/2014/main" id="{DC160D2D-2BEE-4858-B1B7-FB5F2FF089FE}"/>
+              </a:ext>
+            </a:extLst>
+          </p:cNvPr>
+          <p:cNvGrpSpPr/>
+          <p:nvPr/>
+        </p:nvGrpSpPr>
+        <p:grpSpPr>
+          <a:xfrm>
+            <a:off x="7761474" y="5783905"/>
+            <a:ext cx="5066624" cy="738664"/>
+            <a:chOff x="7755719" y="5833208"/>
+            <a:chExt cx="3972194" cy="821973"/>
+          </a:xfrm>
+        </p:grpSpPr>
+        <p:sp>
+          <p:nvSpPr>
+            <p:cNvPr id="11" name="TextBox 10">
+              <a:extLst>
+                <a:ext uri="{FF2B5EF4-FFF2-40B4-BE49-F238E27FC236}">
+                  <a16:creationId xmlns:a16="http://schemas.microsoft.com/office/drawing/2014/main" id="{3FD3ED76-93A0-4AF0-B54B-B18B2C313A9D}"/>
+                </a:ext>
+              </a:extLst>
+            </p:cNvPr>
+            <p:cNvSpPr txBox="1"/>
+            <p:nvPr/>
+          </p:nvSpPr>
+          <p:spPr>
+            <a:xfrm>
+              <a:off x="8314270" y="5833208"/>
+              <a:ext cx="3413643" cy="821973"/>
+            </a:xfrm>
+            <a:prstGeom prst="rect">
+              <a:avLst/>
+            </a:prstGeom>
+            <a:noFill/>
+          </p:spPr>
+          <p:txBody>
+            <a:bodyPr wrap="square" rtlCol="0">
+              <a:spAutoFit/>
+            </a:bodyPr>
+            <a:lstStyle/>
+            <a:p>
+              <a:r>
+                <a:rPr lang="ru-RU" sz="1400" b="1" dirty="0">
+                  <a:solidFill>
+                    <a:schemeClr val="bg1">
+                      <a:lumMod val="85000"/>
+                    </a:schemeClr>
+                  </a:solidFill>
+                </a:rPr>
+                <a:t>Гусевский Всеволод</a:t>
+              </a:r>
+            </a:p>
+            <a:p>
+              <a:r>
+                <a:rPr lang="ru-RU" sz="1400" b="1" dirty="0">
+                  <a:solidFill>
+                    <a:schemeClr val="bg1">
+                      <a:lumMod val="85000"/>
+                    </a:schemeClr>
+                  </a:solidFill>
+                </a:rPr>
+                <a:t>Ученик 10Т класса Лицея </a:t>
+              </a:r>
+              <a:r>
+                <a:rPr lang="en-US" sz="1400" b="1" dirty="0">
+                  <a:solidFill>
+                    <a:schemeClr val="bg1">
+                      <a:lumMod val="85000"/>
+                    </a:schemeClr>
+                  </a:solidFill>
+                </a:rPr>
+                <a:t>“</a:t>
+              </a:r>
+              <a:r>
+                <a:rPr lang="ru-RU" sz="1400" b="1" dirty="0">
+                  <a:solidFill>
+                    <a:schemeClr val="bg1">
+                      <a:lumMod val="85000"/>
+                    </a:schemeClr>
+                  </a:solidFill>
+                </a:rPr>
+                <a:t>Дубна</a:t>
+              </a:r>
+              <a:r>
+                <a:rPr lang="en-US" sz="1400" b="1" dirty="0">
+                  <a:solidFill>
+                    <a:schemeClr val="bg1">
+                      <a:lumMod val="85000"/>
+                    </a:schemeClr>
+                  </a:solidFill>
+                </a:rPr>
+                <a:t>”</a:t>
+              </a:r>
+              <a:endParaRPr lang="ru-RU" sz="1400" b="1" dirty="0">
+                <a:solidFill>
+                  <a:schemeClr val="bg1">
+                    <a:lumMod val="85000"/>
+                  </a:schemeClr>
+                </a:solidFill>
+              </a:endParaRPr>
+            </a:p>
+            <a:p>
+              <a:r>
+                <a:rPr lang="ru-RU" sz="1400" b="1" dirty="0">
+                  <a:solidFill>
+                    <a:schemeClr val="bg1">
+                      <a:lumMod val="85000"/>
+                    </a:schemeClr>
+                  </a:solidFill>
+                </a:rPr>
+                <a:t>Ученик Лицея академии Яндекса</a:t>
+              </a:r>
+            </a:p>
+          </p:txBody>
+        </p:sp>
+        <p:sp>
+          <p:nvSpPr>
+            <p:cNvPr id="13" name="TextBox 12">
+              <a:extLst>
+                <a:ext uri="{FF2B5EF4-FFF2-40B4-BE49-F238E27FC236}">
+                  <a16:creationId xmlns:a16="http://schemas.microsoft.com/office/drawing/2014/main" id="{3E2F1F90-F4C9-4630-AE75-C62B02F55BA4}"/>
+                </a:ext>
+              </a:extLst>
+            </p:cNvPr>
+            <p:cNvSpPr txBox="1"/>
+            <p:nvPr/>
+          </p:nvSpPr>
+          <p:spPr>
+            <a:xfrm>
+              <a:off x="7755719" y="5849599"/>
+              <a:ext cx="1007269" cy="342489"/>
+            </a:xfrm>
+            <a:prstGeom prst="rect">
+              <a:avLst/>
+            </a:prstGeom>
+            <a:noFill/>
+          </p:spPr>
+          <p:txBody>
+            <a:bodyPr wrap="square">
+              <a:spAutoFit/>
+            </a:bodyPr>
+            <a:lstStyle/>
+            <a:p>
+              <a:r>
+                <a:rPr lang="ru-RU" sz="1400" b="1" dirty="0">
+                  <a:solidFill>
+                    <a:schemeClr val="bg1">
+                      <a:lumMod val="85000"/>
+                    </a:schemeClr>
+                  </a:solidFill>
+                </a:rPr>
+                <a:t>Автор</a:t>
+              </a:r>
+              <a:r>
+                <a:rPr lang="en-US" sz="1400" b="1" dirty="0"/>
+                <a:t>: </a:t>
+              </a:r>
+              <a:endParaRPr lang="ru-RU" sz="1400" b="1" dirty="0"/>
+            </a:p>
+          </p:txBody>
+        </p:sp>
+      </p:grpSp>
+      <p:pic>
+        <p:nvPicPr>
+          <p:cNvPr id="18" name="Рисунок 17">
+            <a:extLst>
+              <a:ext uri="{FF2B5EF4-FFF2-40B4-BE49-F238E27FC236}">
+                <a16:creationId xmlns:a16="http://schemas.microsoft.com/office/drawing/2014/main" id="{54FF4FC5-ABD1-4B65-9A27-2A7CCFE3D904}"/>
+              </a:ext>
+            </a:extLst>
+          </p:cNvPr>
+          <p:cNvPicPr>
+            <a:picLocks noChangeAspect="1"/>
+          </p:cNvPicPr>
+          <p:nvPr/>
+        </p:nvPicPr>
+        <p:blipFill>
+          <a:blip r:embed="rId3">
+            <a:extLst>
+              <a:ext uri="{28A0092B-C50C-407E-A947-70E740481C1C}">
+                <a14:useLocalDpi xmlns:a14="http://schemas.microsoft.com/office/drawing/2010/main" val="0"/>
+              </a:ext>
+            </a:extLst>
+          </a:blip>
+          <a:stretch>
+            <a:fillRect/>
+          </a:stretch>
+        </p:blipFill>
+        <p:spPr>
+          <a:xfrm>
+            <a:off x="0" y="5300750"/>
+            <a:ext cx="1704975" cy="1704975"/>
+          </a:xfrm>
+          <a:prstGeom prst="rect">
+            <a:avLst/>
+          </a:prstGeom>
+        </p:spPr>
+      </p:pic>
+    </p:spTree>
+    <p:extLst>
+      <p:ext uri="{BB962C8B-B14F-4D97-AF65-F5344CB8AC3E}">
+        <p14:creationId xmlns:p14="http://schemas.microsoft.com/office/powerpoint/2010/main" val="2718285464"/>
+      </p:ext>
+    </p:extLst>
+  </p:cSld>
+  <p:clrMapOvr>
+    <a:masterClrMapping/>
+  </p:clrMapOvr>
+</p:sld>
+</file>
+
+<file path=ppt/slides/slide2.xml><?xml version="1.0" encoding="utf-8"?>
+<p:sld xmlns:a="http://schemas.openxmlformats.org/drawingml/2006/main" xmlns:r="http://schemas.openxmlformats.org/officeDocument/2006/relationships" xmlns:p="http://schemas.openxmlformats.org/presentationml/2006/main">
+  <p:cSld>
+    <p:spTree>
+      <p:nvGrpSpPr>
+        <p:cNvPr id="1" name=""/>
+        <p:cNvGrpSpPr/>
+        <p:nvPr/>
+      </p:nvGrpSpPr>
+      <p:grpSpPr>
+        <a:xfrm>
+          <a:off x="0" y="0"/>
+          <a:ext cx="0" cy="0"/>
+          <a:chOff x="0" y="0"/>
+          <a:chExt cx="0" cy="0"/>
+        </a:xfrm>
+      </p:grpSpPr>
+      <p:pic>
+        <p:nvPicPr>
+          <p:cNvPr id="28" name="Рисунок 27">
+            <a:extLst>
+              <a:ext uri="{FF2B5EF4-FFF2-40B4-BE49-F238E27FC236}">
+                <a16:creationId xmlns:a16="http://schemas.microsoft.com/office/drawing/2014/main" id="{7258D8BA-C617-4A7C-89B8-59096D5055BF}"/>
+              </a:ext>
+            </a:extLst>
+          </p:cNvPr>
+          <p:cNvPicPr>
+            <a:picLocks noChangeAspect="1"/>
+          </p:cNvPicPr>
+          <p:nvPr/>
+        </p:nvPicPr>
+        <p:blipFill>
+          <a:blip r:embed="rId2">
+            <a:extLst>
+              <a:ext uri="{BEBA8EAE-BF5A-486C-A8C5-ECC9F3942E4B}">
+                <a14:imgProps xmlns:a14="http://schemas.microsoft.com/office/drawing/2010/main">
+                  <a14:imgLayer r:embed="rId3">
+                    <a14:imgEffect>
+                      <a14:backgroundRemoval t="10000" b="90000" l="10000" r="90000">
+                        <a14:foregroundMark x1="49022" y1="79004" x2="49022" y2="79004"/>
+                        <a14:foregroundMark x1="74565" y1="21289" x2="74565" y2="21289"/>
+                        <a14:foregroundMark x1="61848" y1="34766" x2="61848" y2="34766"/>
+                        <a14:foregroundMark x1="42065" y1="57910" x2="42065" y2="57910"/>
+                        <a14:foregroundMark x1="71413" y1="18652" x2="71413" y2="18652"/>
+                        <a14:foregroundMark x1="76630" y1="24023" x2="76630" y2="24023"/>
+                        <a14:foregroundMark x1="24130" y1="25977" x2="24130" y2="25977"/>
+                        <a14:foregroundMark x1="49348" y1="87793" x2="49348" y2="87793"/>
+                        <a14:foregroundMark x1="77174" y1="44434" x2="77174" y2="44434"/>
+                        <a14:foregroundMark x1="38804" y1="25879" x2="38804" y2="25879"/>
+                      </a14:backgroundRemoval>
+                    </a14:imgEffect>
+                  </a14:imgLayer>
+                </a14:imgProps>
+              </a:ext>
+              <a:ext uri="{28A0092B-C50C-407E-A947-70E740481C1C}">
+                <a14:useLocalDpi xmlns:a14="http://schemas.microsoft.com/office/drawing/2010/main" val="0"/>
+              </a:ext>
+            </a:extLst>
+          </a:blip>
+          <a:stretch>
+            <a:fillRect/>
+          </a:stretch>
+        </p:blipFill>
+        <p:spPr>
+          <a:xfrm>
+            <a:off x="2304098" y="1423943"/>
+            <a:ext cx="4505325" cy="5014623"/>
+          </a:xfrm>
+          <a:prstGeom prst="rect">
+            <a:avLst/>
+          </a:prstGeom>
+        </p:spPr>
+      </p:pic>
+      <p:sp>
+        <p:nvSpPr>
+          <p:cNvPr id="12" name="Прямоугольник 11">
+            <a:extLst>
+              <a:ext uri="{FF2B5EF4-FFF2-40B4-BE49-F238E27FC236}">
+                <a16:creationId xmlns:a16="http://schemas.microsoft.com/office/drawing/2014/main" id="{A59F0528-1ED3-4DC2-9B82-4D0D4457EA6D}"/>
+              </a:ext>
+            </a:extLst>
+          </p:cNvPr>
+          <p:cNvSpPr/>
+          <p:nvPr/>
+        </p:nvSpPr>
+        <p:spPr>
+          <a:xfrm>
+            <a:off x="0" y="1423943"/>
+            <a:ext cx="4133850" cy="1039029"/>
+          </a:xfrm>
+          <a:prstGeom prst="rect">
+            <a:avLst/>
+          </a:prstGeom>
+          <a:solidFill>
+            <a:srgbClr val="BEFF7D"/>
+          </a:solidFill>
+          <a:ln>
+            <a:noFill/>
+          </a:ln>
+        </p:spPr>
+        <p:style>
+          <a:lnRef idx="2">
+            <a:schemeClr val="accent1">
+              <a:shade val="50000"/>
+            </a:schemeClr>
+          </a:lnRef>
+          <a:fillRef idx="1">
+            <a:schemeClr val="accent1"/>
+          </a:fillRef>
+          <a:effectRef idx="0">
+            <a:schemeClr val="accent1"/>
+          </a:effectRef>
+          <a:fontRef idx="minor">
+            <a:schemeClr val="lt1"/>
+          </a:fontRef>
+        </p:style>
+        <p:txBody>
+          <a:bodyPr rtlCol="0" anchor="ctr"/>
+          <a:lstStyle/>
+          <a:p>
+            <a:pPr algn="ctr"/>
+            <a:endParaRPr lang="ru-RU"/>
+          </a:p>
+        </p:txBody>
+      </p:sp>
+      <p:sp>
+        <p:nvSpPr>
+          <p:cNvPr id="3" name="Прямоугольник 2">
+            <a:extLst>
+              <a:ext uri="{FF2B5EF4-FFF2-40B4-BE49-F238E27FC236}">
+                <a16:creationId xmlns:a16="http://schemas.microsoft.com/office/drawing/2014/main" id="{E754B9D9-CFB4-4671-BC8A-F310F1ACDB4F}"/>
+              </a:ext>
+            </a:extLst>
+          </p:cNvPr>
+          <p:cNvSpPr/>
+          <p:nvPr/>
+        </p:nvSpPr>
+        <p:spPr>
+          <a:xfrm>
+            <a:off x="1266825" y="4910181"/>
+            <a:ext cx="2181225" cy="1947819"/>
+          </a:xfrm>
+          <a:prstGeom prst="rect">
+            <a:avLst/>
+          </a:prstGeom>
+          <a:solidFill>
+            <a:srgbClr val="767171"/>
+          </a:solidFill>
+          <a:ln>
+            <a:noFill/>
+          </a:ln>
+        </p:spPr>
+        <p:style>
+          <a:lnRef idx="2">
+            <a:schemeClr val="accent1">
+              <a:shade val="50000"/>
+            </a:schemeClr>
+          </a:lnRef>
+          <a:fillRef idx="1">
+            <a:schemeClr val="accent1"/>
+          </a:fillRef>
+          <a:effectRef idx="0">
+            <a:schemeClr val="accent1"/>
+          </a:effectRef>
+          <a:fontRef idx="minor">
+            <a:schemeClr val="lt1"/>
+          </a:fontRef>
+        </p:style>
+        <p:txBody>
+          <a:bodyPr rtlCol="0" anchor="ctr"/>
+          <a:lstStyle/>
+          <a:p>
+            <a:pPr algn="ctr"/>
+            <a:endParaRPr lang="ru-RU">
+              <a:solidFill>
+                <a:srgbClr val="767171"/>
+              </a:solidFill>
+            </a:endParaRPr>
+          </a:p>
+        </p:txBody>
+      </p:sp>
+      <p:sp>
+        <p:nvSpPr>
+          <p:cNvPr id="4" name="TextBox 3">
+            <a:extLst>
+              <a:ext uri="{FF2B5EF4-FFF2-40B4-BE49-F238E27FC236}">
+                <a16:creationId xmlns:a16="http://schemas.microsoft.com/office/drawing/2014/main" id="{8DEEEF40-22EE-4713-94A0-CF3F16F740E5}"/>
               </a:ext>
             </a:extLst>
           </p:cNvPr>
@@ -3376,8 +4356,8 @@
         </p:nvSpPr>
         <p:spPr>
           <a:xfrm>
-            <a:off x="3026664" y="2231136"/>
-            <a:ext cx="2396490" cy="369332"/>
+            <a:off x="523875" y="1466046"/>
+            <a:ext cx="3314700" cy="954107"/>
           </a:xfrm>
           <a:prstGeom prst="rect">
             <a:avLst/>
@@ -3385,24 +4365,76 @@
           <a:noFill/>
         </p:spPr>
         <p:txBody>
-          <a:bodyPr wrap="none" rtlCol="0">
+          <a:bodyPr wrap="square" rtlCol="0">
             <a:spAutoFit/>
           </a:bodyPr>
           <a:lstStyle/>
           <a:p>
             <a:r>
-              <a:rPr lang="ru-RU" dirty="0"/>
-              <a:t>Тут покажу что да как. </a:t>
-            </a:r>
-          </a:p>
-        </p:txBody>
-      </p:sp>
-      <p:sp>
-        <p:nvSpPr>
-          <p:cNvPr id="6" name="TextBox 5">
-            <a:extLst>
-              <a:ext uri="{FF2B5EF4-FFF2-40B4-BE49-F238E27FC236}">
-                <a16:creationId xmlns:a16="http://schemas.microsoft.com/office/drawing/2014/main" id="{28C0CA3E-458F-C7BF-996D-893C244F4925}"/>
+              <a:rPr lang="ru-RU" sz="2800" b="1" dirty="0"/>
+              <a:t>Как появилась идея?</a:t>
+            </a:r>
+          </a:p>
+        </p:txBody>
+      </p:sp>
+      <p:sp>
+        <p:nvSpPr>
+          <p:cNvPr id="5" name="Овал 4">
+            <a:extLst>
+              <a:ext uri="{FF2B5EF4-FFF2-40B4-BE49-F238E27FC236}">
+                <a16:creationId xmlns:a16="http://schemas.microsoft.com/office/drawing/2014/main" id="{02D49933-2970-420A-8BAA-E6B4643A91FC}"/>
+              </a:ext>
+            </a:extLst>
+          </p:cNvPr>
+          <p:cNvSpPr/>
+          <p:nvPr/>
+        </p:nvSpPr>
+        <p:spPr>
+          <a:xfrm>
+            <a:off x="0" y="3686175"/>
+            <a:ext cx="1485900" cy="1428750"/>
+          </a:xfrm>
+          <a:prstGeom prst="ellipse">
+            <a:avLst/>
+          </a:prstGeom>
+          <a:solidFill>
+            <a:srgbClr val="BEFF7D"/>
+          </a:solidFill>
+          <a:ln>
+            <a:noFill/>
+          </a:ln>
+        </p:spPr>
+        <p:style>
+          <a:lnRef idx="2">
+            <a:schemeClr val="accent1">
+              <a:shade val="50000"/>
+            </a:schemeClr>
+          </a:lnRef>
+          <a:fillRef idx="1">
+            <a:schemeClr val="accent1"/>
+          </a:fillRef>
+          <a:effectRef idx="0">
+            <a:schemeClr val="accent1"/>
+          </a:effectRef>
+          <a:fontRef idx="minor">
+            <a:schemeClr val="lt1"/>
+          </a:fontRef>
+        </p:style>
+        <p:txBody>
+          <a:bodyPr rtlCol="0" anchor="ctr"/>
+          <a:lstStyle/>
+          <a:p>
+            <a:pPr algn="ctr"/>
+            <a:endParaRPr lang="ru-RU"/>
+          </a:p>
+        </p:txBody>
+      </p:sp>
+      <p:sp>
+        <p:nvSpPr>
+          <p:cNvPr id="29" name="TextBox 28">
+            <a:extLst>
+              <a:ext uri="{FF2B5EF4-FFF2-40B4-BE49-F238E27FC236}">
+                <a16:creationId xmlns:a16="http://schemas.microsoft.com/office/drawing/2014/main" id="{B2888FBD-97C4-43DA-8C6C-0BF31E56923E}"/>
               </a:ext>
             </a:extLst>
           </p:cNvPr>
@@ -3411,8 +4443,918 @@
         </p:nvSpPr>
         <p:spPr>
           <a:xfrm>
-            <a:off x="1960023" y="4489704"/>
-            <a:ext cx="6315383" cy="646331"/>
+            <a:off x="5695950" y="2420153"/>
+            <a:ext cx="6496050" cy="2862322"/>
+          </a:xfrm>
+          <a:prstGeom prst="rect">
+            <a:avLst/>
+          </a:prstGeom>
+          <a:solidFill>
+            <a:srgbClr val="BEFF7D"/>
+          </a:solidFill>
+        </p:spPr>
+        <p:txBody>
+          <a:bodyPr wrap="square" rtlCol="0">
+            <a:spAutoFit/>
+          </a:bodyPr>
+          <a:lstStyle/>
+          <a:p>
+            <a:r>
+              <a:rPr lang="ru-RU" dirty="0"/>
+              <a:t>— Понял, что хочу написать что-то подобное играм в моём любимом жанре – </a:t>
+            </a:r>
+            <a:r>
+              <a:rPr lang="en-US" b="1" dirty="0"/>
+              <a:t>roguelike</a:t>
+            </a:r>
+          </a:p>
+          <a:p>
+            <a:endParaRPr lang="ru-RU" dirty="0"/>
+          </a:p>
+          <a:p>
+            <a:r>
+              <a:rPr lang="ru-RU" dirty="0"/>
+              <a:t>— Для идеи мне хотелось использовать популярную музыкальную группу. Выбор пал на </a:t>
+            </a:r>
+            <a:r>
+              <a:rPr lang="ru-RU" b="1" dirty="0"/>
+              <a:t>Король и Шут</a:t>
+            </a:r>
+          </a:p>
+          <a:p>
+            <a:endParaRPr lang="ru-RU" dirty="0"/>
+          </a:p>
+          <a:p>
+            <a:r>
+              <a:rPr lang="ru-RU" dirty="0"/>
+              <a:t>— На схожие механики в моей игре меня вдохновляли сыгранные мною недавно игры жанра </a:t>
+            </a:r>
+            <a:r>
+              <a:rPr lang="en-US" dirty="0"/>
+              <a:t>roguelike:</a:t>
+            </a:r>
+            <a:r>
+              <a:rPr lang="ru-RU" dirty="0"/>
+              <a:t> </a:t>
+            </a:r>
+            <a:r>
+              <a:rPr lang="en-US" dirty="0"/>
+              <a:t>“The binding of Isaac”, “Inscryption”, “Cult of the Lamb”</a:t>
+            </a:r>
+            <a:endParaRPr lang="ru-RU" dirty="0"/>
+          </a:p>
+        </p:txBody>
+      </p:sp>
+      <p:sp>
+        <p:nvSpPr>
+          <p:cNvPr id="30" name="Прямоугольник 29">
+            <a:extLst>
+              <a:ext uri="{FF2B5EF4-FFF2-40B4-BE49-F238E27FC236}">
+                <a16:creationId xmlns:a16="http://schemas.microsoft.com/office/drawing/2014/main" id="{5B3F3101-BFCB-48E4-9B08-6096FB4A1DB7}"/>
+              </a:ext>
+            </a:extLst>
+          </p:cNvPr>
+          <p:cNvSpPr/>
+          <p:nvPr/>
+        </p:nvSpPr>
+        <p:spPr>
+          <a:xfrm>
+            <a:off x="7224711" y="0"/>
+            <a:ext cx="4710113" cy="973909"/>
+          </a:xfrm>
+          <a:prstGeom prst="rect">
+            <a:avLst/>
+          </a:prstGeom>
+          <a:solidFill>
+            <a:srgbClr val="767171"/>
+          </a:solidFill>
+          <a:ln>
+            <a:noFill/>
+          </a:ln>
+        </p:spPr>
+        <p:style>
+          <a:lnRef idx="2">
+            <a:schemeClr val="accent1">
+              <a:shade val="50000"/>
+            </a:schemeClr>
+          </a:lnRef>
+          <a:fillRef idx="1">
+            <a:schemeClr val="accent1"/>
+          </a:fillRef>
+          <a:effectRef idx="0">
+            <a:schemeClr val="accent1"/>
+          </a:effectRef>
+          <a:fontRef idx="minor">
+            <a:schemeClr val="lt1"/>
+          </a:fontRef>
+        </p:style>
+        <p:txBody>
+          <a:bodyPr rtlCol="0" anchor="ctr"/>
+          <a:lstStyle/>
+          <a:p>
+            <a:pPr algn="ctr"/>
+            <a:endParaRPr lang="ru-RU">
+              <a:solidFill>
+                <a:srgbClr val="767171"/>
+              </a:solidFill>
+            </a:endParaRPr>
+          </a:p>
+        </p:txBody>
+      </p:sp>
+      <p:sp>
+        <p:nvSpPr>
+          <p:cNvPr id="32" name="Овал 31">
+            <a:extLst>
+              <a:ext uri="{FF2B5EF4-FFF2-40B4-BE49-F238E27FC236}">
+                <a16:creationId xmlns:a16="http://schemas.microsoft.com/office/drawing/2014/main" id="{FEFBE75D-1095-47A8-97C3-B03202295EB4}"/>
+              </a:ext>
+            </a:extLst>
+          </p:cNvPr>
+          <p:cNvSpPr/>
+          <p:nvPr/>
+        </p:nvSpPr>
+        <p:spPr>
+          <a:xfrm>
+            <a:off x="11191874" y="5884090"/>
+            <a:ext cx="1485900" cy="1428750"/>
+          </a:xfrm>
+          <a:prstGeom prst="ellipse">
+            <a:avLst/>
+          </a:prstGeom>
+          <a:solidFill>
+            <a:srgbClr val="BEFF7D"/>
+          </a:solidFill>
+          <a:ln>
+            <a:noFill/>
+          </a:ln>
+        </p:spPr>
+        <p:style>
+          <a:lnRef idx="2">
+            <a:schemeClr val="accent1">
+              <a:shade val="50000"/>
+            </a:schemeClr>
+          </a:lnRef>
+          <a:fillRef idx="1">
+            <a:schemeClr val="accent1"/>
+          </a:fillRef>
+          <a:effectRef idx="0">
+            <a:schemeClr val="accent1"/>
+          </a:effectRef>
+          <a:fontRef idx="minor">
+            <a:schemeClr val="lt1"/>
+          </a:fontRef>
+        </p:style>
+        <p:txBody>
+          <a:bodyPr rtlCol="0" anchor="ctr"/>
+          <a:lstStyle/>
+          <a:p>
+            <a:pPr algn="ctr"/>
+            <a:endParaRPr lang="ru-RU"/>
+          </a:p>
+        </p:txBody>
+      </p:sp>
+    </p:spTree>
+    <p:extLst>
+      <p:ext uri="{BB962C8B-B14F-4D97-AF65-F5344CB8AC3E}">
+        <p14:creationId xmlns:p14="http://schemas.microsoft.com/office/powerpoint/2010/main" val="1088146841"/>
+      </p:ext>
+    </p:extLst>
+  </p:cSld>
+  <p:clrMapOvr>
+    <a:masterClrMapping/>
+  </p:clrMapOvr>
+  <p:timing>
+    <p:tnLst>
+      <p:par>
+        <p:cTn id="1" dur="indefinite" restart="never" nodeType="tmRoot">
+          <p:childTnLst>
+            <p:seq concurrent="1" nextAc="seek">
+              <p:cTn id="2" dur="indefinite" nodeType="mainSeq">
+                <p:childTnLst>
+                  <p:par>
+                    <p:cTn id="3" fill="hold">
+                      <p:stCondLst>
+                        <p:cond delay="indefinite"/>
+                      </p:stCondLst>
+                      <p:childTnLst>
+                        <p:par>
+                          <p:cTn id="4" fill="hold">
+                            <p:stCondLst>
+                              <p:cond delay="0"/>
+                            </p:stCondLst>
+                            <p:childTnLst>
+                              <p:par>
+                                <p:cTn id="5" presetID="26" presetClass="entr" presetSubtype="0" fill="hold" nodeType="clickEffect">
+                                  <p:stCondLst>
+                                    <p:cond delay="0"/>
+                                  </p:stCondLst>
+                                  <p:childTnLst>
+                                    <p:set>
+                                      <p:cBhvr>
+                                        <p:cTn id="6" dur="1" fill="hold">
+                                          <p:stCondLst>
+                                            <p:cond delay="0"/>
+                                          </p:stCondLst>
+                                        </p:cTn>
+                                        <p:tgtEl>
+                                          <p:spTgt spid="28"/>
+                                        </p:tgtEl>
+                                        <p:attrNameLst>
+                                          <p:attrName>style.visibility</p:attrName>
+                                        </p:attrNameLst>
+                                      </p:cBhvr>
+                                      <p:to>
+                                        <p:strVal val="visible"/>
+                                      </p:to>
+                                    </p:set>
+                                    <p:animEffect transition="in" filter="wipe(down)">
+                                      <p:cBhvr>
+                                        <p:cTn id="7" dur="580">
+                                          <p:stCondLst>
+                                            <p:cond delay="0"/>
+                                          </p:stCondLst>
+                                        </p:cTn>
+                                        <p:tgtEl>
+                                          <p:spTgt spid="28"/>
+                                        </p:tgtEl>
+                                      </p:cBhvr>
+                                    </p:animEffect>
+                                    <p:anim calcmode="lin" valueType="num">
+                                      <p:cBhvr>
+                                        <p:cTn id="8" dur="1822" tmFilter="0,0; 0.14,0.36; 0.43,0.73; 0.71,0.91; 1.0,1.0">
+                                          <p:stCondLst>
+                                            <p:cond delay="0"/>
+                                          </p:stCondLst>
+                                        </p:cTn>
+                                        <p:tgtEl>
+                                          <p:spTgt spid="28"/>
+                                        </p:tgtEl>
+                                        <p:attrNameLst>
+                                          <p:attrName>ppt_x</p:attrName>
+                                        </p:attrNameLst>
+                                      </p:cBhvr>
+                                      <p:tavLst>
+                                        <p:tav tm="0">
+                                          <p:val>
+                                            <p:strVal val="#ppt_x-0.25"/>
+                                          </p:val>
+                                        </p:tav>
+                                        <p:tav tm="100000">
+                                          <p:val>
+                                            <p:strVal val="#ppt_x"/>
+                                          </p:val>
+                                        </p:tav>
+                                      </p:tavLst>
+                                    </p:anim>
+                                    <p:anim calcmode="lin" valueType="num">
+                                      <p:cBhvr>
+                                        <p:cTn id="9" dur="664" tmFilter="0.0,0.0; 0.25,0.07; 0.50,0.2; 0.75,0.467; 1.0,1.0">
+                                          <p:stCondLst>
+                                            <p:cond delay="0"/>
+                                          </p:stCondLst>
+                                        </p:cTn>
+                                        <p:tgtEl>
+                                          <p:spTgt spid="28"/>
+                                        </p:tgtEl>
+                                        <p:attrNameLst>
+                                          <p:attrName>ppt_y</p:attrName>
+                                        </p:attrNameLst>
+                                      </p:cBhvr>
+                                      <p:tavLst>
+                                        <p:tav tm="0" fmla="#ppt_y-sin(pi*$)/3">
+                                          <p:val>
+                                            <p:fltVal val="0.5"/>
+                                          </p:val>
+                                        </p:tav>
+                                        <p:tav tm="100000">
+                                          <p:val>
+                                            <p:fltVal val="1"/>
+                                          </p:val>
+                                        </p:tav>
+                                      </p:tavLst>
+                                    </p:anim>
+                                    <p:anim calcmode="lin" valueType="num">
+                                      <p:cBhvr>
+                                        <p:cTn id="10" dur="664" tmFilter="0, 0; 0.125,0.2665; 0.25,0.4; 0.375,0.465; 0.5,0.5;  0.625,0.535; 0.75,0.6; 0.875,0.7335; 1,1">
+                                          <p:stCondLst>
+                                            <p:cond delay="664"/>
+                                          </p:stCondLst>
+                                        </p:cTn>
+                                        <p:tgtEl>
+                                          <p:spTgt spid="28"/>
+                                        </p:tgtEl>
+                                        <p:attrNameLst>
+                                          <p:attrName>ppt_y</p:attrName>
+                                        </p:attrNameLst>
+                                      </p:cBhvr>
+                                      <p:tavLst>
+                                        <p:tav tm="0" fmla="#ppt_y-sin(pi*$)/9">
+                                          <p:val>
+                                            <p:fltVal val="0"/>
+                                          </p:val>
+                                        </p:tav>
+                                        <p:tav tm="100000">
+                                          <p:val>
+                                            <p:fltVal val="1"/>
+                                          </p:val>
+                                        </p:tav>
+                                      </p:tavLst>
+                                    </p:anim>
+                                    <p:anim calcmode="lin" valueType="num">
+                                      <p:cBhvr>
+                                        <p:cTn id="11" dur="332" tmFilter="0, 0; 0.125,0.2665; 0.25,0.4; 0.375,0.465; 0.5,0.5;  0.625,0.535; 0.75,0.6; 0.875,0.7335; 1,1">
+                                          <p:stCondLst>
+                                            <p:cond delay="1324"/>
+                                          </p:stCondLst>
+                                        </p:cTn>
+                                        <p:tgtEl>
+                                          <p:spTgt spid="28"/>
+                                        </p:tgtEl>
+                                        <p:attrNameLst>
+                                          <p:attrName>ppt_y</p:attrName>
+                                        </p:attrNameLst>
+                                      </p:cBhvr>
+                                      <p:tavLst>
+                                        <p:tav tm="0" fmla="#ppt_y-sin(pi*$)/27">
+                                          <p:val>
+                                            <p:fltVal val="0"/>
+                                          </p:val>
+                                        </p:tav>
+                                        <p:tav tm="100000">
+                                          <p:val>
+                                            <p:fltVal val="1"/>
+                                          </p:val>
+                                        </p:tav>
+                                      </p:tavLst>
+                                    </p:anim>
+                                    <p:anim calcmode="lin" valueType="num">
+                                      <p:cBhvr>
+                                        <p:cTn id="12" dur="164" tmFilter="0, 0; 0.125,0.2665; 0.25,0.4; 0.375,0.465; 0.5,0.5;  0.625,0.535; 0.75,0.6; 0.875,0.7335; 1,1">
+                                          <p:stCondLst>
+                                            <p:cond delay="1656"/>
+                                          </p:stCondLst>
+                                        </p:cTn>
+                                        <p:tgtEl>
+                                          <p:spTgt spid="28"/>
+                                        </p:tgtEl>
+                                        <p:attrNameLst>
+                                          <p:attrName>ppt_y</p:attrName>
+                                        </p:attrNameLst>
+                                      </p:cBhvr>
+                                      <p:tavLst>
+                                        <p:tav tm="0" fmla="#ppt_y-sin(pi*$)/81">
+                                          <p:val>
+                                            <p:fltVal val="0"/>
+                                          </p:val>
+                                        </p:tav>
+                                        <p:tav tm="100000">
+                                          <p:val>
+                                            <p:fltVal val="1"/>
+                                          </p:val>
+                                        </p:tav>
+                                      </p:tavLst>
+                                    </p:anim>
+                                    <p:animScale>
+                                      <p:cBhvr>
+                                        <p:cTn id="13" dur="26">
+                                          <p:stCondLst>
+                                            <p:cond delay="650"/>
+                                          </p:stCondLst>
+                                        </p:cTn>
+                                        <p:tgtEl>
+                                          <p:spTgt spid="28"/>
+                                        </p:tgtEl>
+                                      </p:cBhvr>
+                                      <p:to x="100000" y="60000"/>
+                                    </p:animScale>
+                                    <p:animScale>
+                                      <p:cBhvr>
+                                        <p:cTn id="14" dur="166" decel="50000">
+                                          <p:stCondLst>
+                                            <p:cond delay="676"/>
+                                          </p:stCondLst>
+                                        </p:cTn>
+                                        <p:tgtEl>
+                                          <p:spTgt spid="28"/>
+                                        </p:tgtEl>
+                                      </p:cBhvr>
+                                      <p:to x="100000" y="100000"/>
+                                    </p:animScale>
+                                    <p:animScale>
+                                      <p:cBhvr>
+                                        <p:cTn id="15" dur="26">
+                                          <p:stCondLst>
+                                            <p:cond delay="1312"/>
+                                          </p:stCondLst>
+                                        </p:cTn>
+                                        <p:tgtEl>
+                                          <p:spTgt spid="28"/>
+                                        </p:tgtEl>
+                                      </p:cBhvr>
+                                      <p:to x="100000" y="80000"/>
+                                    </p:animScale>
+                                    <p:animScale>
+                                      <p:cBhvr>
+                                        <p:cTn id="16" dur="166" decel="50000">
+                                          <p:stCondLst>
+                                            <p:cond delay="1338"/>
+                                          </p:stCondLst>
+                                        </p:cTn>
+                                        <p:tgtEl>
+                                          <p:spTgt spid="28"/>
+                                        </p:tgtEl>
+                                      </p:cBhvr>
+                                      <p:to x="100000" y="100000"/>
+                                    </p:animScale>
+                                    <p:animScale>
+                                      <p:cBhvr>
+                                        <p:cTn id="17" dur="26">
+                                          <p:stCondLst>
+                                            <p:cond delay="1642"/>
+                                          </p:stCondLst>
+                                        </p:cTn>
+                                        <p:tgtEl>
+                                          <p:spTgt spid="28"/>
+                                        </p:tgtEl>
+                                      </p:cBhvr>
+                                      <p:to x="100000" y="90000"/>
+                                    </p:animScale>
+                                    <p:animScale>
+                                      <p:cBhvr>
+                                        <p:cTn id="18" dur="166" decel="50000">
+                                          <p:stCondLst>
+                                            <p:cond delay="1668"/>
+                                          </p:stCondLst>
+                                        </p:cTn>
+                                        <p:tgtEl>
+                                          <p:spTgt spid="28"/>
+                                        </p:tgtEl>
+                                      </p:cBhvr>
+                                      <p:to x="100000" y="100000"/>
+                                    </p:animScale>
+                                    <p:animScale>
+                                      <p:cBhvr>
+                                        <p:cTn id="19" dur="26">
+                                          <p:stCondLst>
+                                            <p:cond delay="1808"/>
+                                          </p:stCondLst>
+                                        </p:cTn>
+                                        <p:tgtEl>
+                                          <p:spTgt spid="28"/>
+                                        </p:tgtEl>
+                                      </p:cBhvr>
+                                      <p:to x="100000" y="95000"/>
+                                    </p:animScale>
+                                    <p:animScale>
+                                      <p:cBhvr>
+                                        <p:cTn id="20" dur="166" decel="50000">
+                                          <p:stCondLst>
+                                            <p:cond delay="1834"/>
+                                          </p:stCondLst>
+                                        </p:cTn>
+                                        <p:tgtEl>
+                                          <p:spTgt spid="28"/>
+                                        </p:tgtEl>
+                                      </p:cBhvr>
+                                      <p:to x="100000" y="100000"/>
+                                    </p:animScale>
+                                  </p:childTnLst>
+                                </p:cTn>
+                              </p:par>
+                              <p:par>
+                                <p:cTn id="21" presetID="2" presetClass="entr" presetSubtype="2" fill="hold" grpId="0" nodeType="withEffect">
+                                  <p:stCondLst>
+                                    <p:cond delay="0"/>
+                                  </p:stCondLst>
+                                  <p:childTnLst>
+                                    <p:set>
+                                      <p:cBhvr>
+                                        <p:cTn id="22" dur="1" fill="hold">
+                                          <p:stCondLst>
+                                            <p:cond delay="0"/>
+                                          </p:stCondLst>
+                                        </p:cTn>
+                                        <p:tgtEl>
+                                          <p:spTgt spid="29"/>
+                                        </p:tgtEl>
+                                        <p:attrNameLst>
+                                          <p:attrName>style.visibility</p:attrName>
+                                        </p:attrNameLst>
+                                      </p:cBhvr>
+                                      <p:to>
+                                        <p:strVal val="visible"/>
+                                      </p:to>
+                                    </p:set>
+                                    <p:anim calcmode="lin" valueType="num">
+                                      <p:cBhvr additive="base">
+                                        <p:cTn id="23" dur="1250" fill="hold"/>
+                                        <p:tgtEl>
+                                          <p:spTgt spid="29"/>
+                                        </p:tgtEl>
+                                        <p:attrNameLst>
+                                          <p:attrName>ppt_x</p:attrName>
+                                        </p:attrNameLst>
+                                      </p:cBhvr>
+                                      <p:tavLst>
+                                        <p:tav tm="0">
+                                          <p:val>
+                                            <p:strVal val="1+#ppt_w/2"/>
+                                          </p:val>
+                                        </p:tav>
+                                        <p:tav tm="100000">
+                                          <p:val>
+                                            <p:strVal val="#ppt_x"/>
+                                          </p:val>
+                                        </p:tav>
+                                      </p:tavLst>
+                                    </p:anim>
+                                    <p:anim calcmode="lin" valueType="num">
+                                      <p:cBhvr additive="base">
+                                        <p:cTn id="24" dur="1250" fill="hold"/>
+                                        <p:tgtEl>
+                                          <p:spTgt spid="29"/>
+                                        </p:tgtEl>
+                                        <p:attrNameLst>
+                                          <p:attrName>ppt_y</p:attrName>
+                                        </p:attrNameLst>
+                                      </p:cBhvr>
+                                      <p:tavLst>
+                                        <p:tav tm="0">
+                                          <p:val>
+                                            <p:strVal val="#ppt_y"/>
+                                          </p:val>
+                                        </p:tav>
+                                        <p:tav tm="100000">
+                                          <p:val>
+                                            <p:strVal val="#ppt_y"/>
+                                          </p:val>
+                                        </p:tav>
+                                      </p:tavLst>
+                                    </p:anim>
+                                  </p:childTnLst>
+                                </p:cTn>
+                              </p:par>
+                            </p:childTnLst>
+                          </p:cTn>
+                        </p:par>
+                      </p:childTnLst>
+                    </p:cTn>
+                  </p:par>
+                </p:childTnLst>
+              </p:cTn>
+              <p:prevCondLst>
+                <p:cond evt="onPrev" delay="0">
+                  <p:tgtEl>
+                    <p:sldTgt/>
+                  </p:tgtEl>
+                </p:cond>
+              </p:prevCondLst>
+              <p:nextCondLst>
+                <p:cond evt="onNext" delay="0">
+                  <p:tgtEl>
+                    <p:sldTgt/>
+                  </p:tgtEl>
+                </p:cond>
+              </p:nextCondLst>
+            </p:seq>
+          </p:childTnLst>
+        </p:cTn>
+      </p:par>
+    </p:tnLst>
+    <p:bldLst>
+      <p:bldP spid="29" grpId="0" animBg="1"/>
+    </p:bldLst>
+  </p:timing>
+</p:sld>
+</file>
+
+<file path=ppt/slides/slide3.xml><?xml version="1.0" encoding="utf-8"?>
+<p:sld xmlns:a="http://schemas.openxmlformats.org/drawingml/2006/main" xmlns:r="http://schemas.openxmlformats.org/officeDocument/2006/relationships" xmlns:p="http://schemas.openxmlformats.org/presentationml/2006/main">
+  <p:cSld>
+    <p:spTree>
+      <p:nvGrpSpPr>
+        <p:cNvPr id="1" name=""/>
+        <p:cNvGrpSpPr/>
+        <p:nvPr/>
+      </p:nvGrpSpPr>
+      <p:grpSpPr>
+        <a:xfrm>
+          <a:off x="0" y="0"/>
+          <a:ext cx="0" cy="0"/>
+          <a:chOff x="0" y="0"/>
+          <a:chExt cx="0" cy="0"/>
+        </a:xfrm>
+      </p:grpSpPr>
+      <p:cxnSp>
+        <p:nvCxnSpPr>
+          <p:cNvPr id="20" name="Прямая соединительная линия 19">
+            <a:extLst>
+              <a:ext uri="{FF2B5EF4-FFF2-40B4-BE49-F238E27FC236}">
+                <a16:creationId xmlns:a16="http://schemas.microsoft.com/office/drawing/2014/main" id="{5440B172-C39C-4067-AED8-8935F0655E13}"/>
+              </a:ext>
+            </a:extLst>
+          </p:cNvPr>
+          <p:cNvCxnSpPr>
+            <a:cxnSpLocks/>
+          </p:cNvCxnSpPr>
+          <p:nvPr/>
+        </p:nvCxnSpPr>
+        <p:spPr>
+          <a:xfrm flipV="1">
+            <a:off x="3360533" y="4042698"/>
+            <a:ext cx="0" cy="1704340"/>
+          </a:xfrm>
+          <a:prstGeom prst="line">
+            <a:avLst/>
+          </a:prstGeom>
+          <a:ln w="57150">
+            <a:solidFill>
+              <a:srgbClr val="767171"/>
+            </a:solidFill>
+          </a:ln>
+        </p:spPr>
+        <p:style>
+          <a:lnRef idx="1">
+            <a:schemeClr val="accent1"/>
+          </a:lnRef>
+          <a:fillRef idx="0">
+            <a:schemeClr val="accent1"/>
+          </a:fillRef>
+          <a:effectRef idx="0">
+            <a:schemeClr val="accent1"/>
+          </a:effectRef>
+          <a:fontRef idx="minor">
+            <a:schemeClr val="tx1"/>
+          </a:fontRef>
+        </p:style>
+      </p:cxnSp>
+      <p:cxnSp>
+        <p:nvCxnSpPr>
+          <p:cNvPr id="19" name="Прямая соединительная линия 18">
+            <a:extLst>
+              <a:ext uri="{FF2B5EF4-FFF2-40B4-BE49-F238E27FC236}">
+                <a16:creationId xmlns:a16="http://schemas.microsoft.com/office/drawing/2014/main" id="{A0222827-52C1-4F1B-BD3E-2201622402D4}"/>
+              </a:ext>
+            </a:extLst>
+          </p:cNvPr>
+          <p:cNvCxnSpPr>
+            <a:cxnSpLocks/>
+          </p:cNvCxnSpPr>
+          <p:nvPr/>
+        </p:nvCxnSpPr>
+        <p:spPr>
+          <a:xfrm flipV="1">
+            <a:off x="2914650" y="2227997"/>
+            <a:ext cx="0" cy="1704340"/>
+          </a:xfrm>
+          <a:prstGeom prst="line">
+            <a:avLst/>
+          </a:prstGeom>
+          <a:ln w="57150">
+            <a:solidFill>
+              <a:srgbClr val="767171"/>
+            </a:solidFill>
+          </a:ln>
+        </p:spPr>
+        <p:style>
+          <a:lnRef idx="1">
+            <a:schemeClr val="accent1"/>
+          </a:lnRef>
+          <a:fillRef idx="0">
+            <a:schemeClr val="accent1"/>
+          </a:fillRef>
+          <a:effectRef idx="0">
+            <a:schemeClr val="accent1"/>
+          </a:effectRef>
+          <a:fontRef idx="minor">
+            <a:schemeClr val="tx1"/>
+          </a:fontRef>
+        </p:style>
+      </p:cxnSp>
+      <p:sp>
+        <p:nvSpPr>
+          <p:cNvPr id="11" name="Прямоугольник: скругленные углы 10">
+            <a:extLst>
+              <a:ext uri="{FF2B5EF4-FFF2-40B4-BE49-F238E27FC236}">
+                <a16:creationId xmlns:a16="http://schemas.microsoft.com/office/drawing/2014/main" id="{A576CCD7-1FA1-4E8E-8B12-F7378CD9B297}"/>
+              </a:ext>
+            </a:extLst>
+          </p:cNvPr>
+          <p:cNvSpPr/>
+          <p:nvPr/>
+        </p:nvSpPr>
+        <p:spPr>
+          <a:xfrm>
+            <a:off x="1897380" y="4894868"/>
+            <a:ext cx="2987040" cy="1501140"/>
+          </a:xfrm>
+          <a:prstGeom prst="roundRect">
+            <a:avLst/>
+          </a:prstGeom>
+          <a:solidFill>
+            <a:srgbClr val="BEFF7D"/>
+          </a:solidFill>
+          <a:ln>
+            <a:noFill/>
+          </a:ln>
+        </p:spPr>
+        <p:style>
+          <a:lnRef idx="2">
+            <a:schemeClr val="accent1">
+              <a:shade val="50000"/>
+            </a:schemeClr>
+          </a:lnRef>
+          <a:fillRef idx="1">
+            <a:schemeClr val="accent1"/>
+          </a:fillRef>
+          <a:effectRef idx="0">
+            <a:schemeClr val="accent1"/>
+          </a:effectRef>
+          <a:fontRef idx="minor">
+            <a:schemeClr val="lt1"/>
+          </a:fontRef>
+        </p:style>
+        <p:txBody>
+          <a:bodyPr rtlCol="0" anchor="ctr"/>
+          <a:lstStyle/>
+          <a:p>
+            <a:pPr algn="ctr"/>
+            <a:endParaRPr lang="ru-RU"/>
+          </a:p>
+        </p:txBody>
+      </p:sp>
+      <p:sp>
+        <p:nvSpPr>
+          <p:cNvPr id="10" name="Прямоугольник: скругленные углы 9">
+            <a:extLst>
+              <a:ext uri="{FF2B5EF4-FFF2-40B4-BE49-F238E27FC236}">
+                <a16:creationId xmlns:a16="http://schemas.microsoft.com/office/drawing/2014/main" id="{873127D1-D51A-4BDA-9539-4A084F7EE3AB}"/>
+              </a:ext>
+            </a:extLst>
+          </p:cNvPr>
+          <p:cNvSpPr/>
+          <p:nvPr/>
+        </p:nvSpPr>
+        <p:spPr>
+          <a:xfrm>
+            <a:off x="1867013" y="1663328"/>
+            <a:ext cx="2987040" cy="1289179"/>
+          </a:xfrm>
+          <a:prstGeom prst="roundRect">
+            <a:avLst/>
+          </a:prstGeom>
+          <a:solidFill>
+            <a:srgbClr val="BEFF7D"/>
+          </a:solidFill>
+          <a:ln>
+            <a:noFill/>
+          </a:ln>
+        </p:spPr>
+        <p:style>
+          <a:lnRef idx="2">
+            <a:schemeClr val="accent1">
+              <a:shade val="50000"/>
+            </a:schemeClr>
+          </a:lnRef>
+          <a:fillRef idx="1">
+            <a:schemeClr val="accent1"/>
+          </a:fillRef>
+          <a:effectRef idx="0">
+            <a:schemeClr val="accent1"/>
+          </a:effectRef>
+          <a:fontRef idx="minor">
+            <a:schemeClr val="lt1"/>
+          </a:fontRef>
+        </p:style>
+        <p:txBody>
+          <a:bodyPr rtlCol="0" anchor="ctr"/>
+          <a:lstStyle/>
+          <a:p>
+            <a:pPr algn="ctr"/>
+            <a:endParaRPr lang="ru-RU"/>
+          </a:p>
+        </p:txBody>
+      </p:sp>
+      <p:sp>
+        <p:nvSpPr>
+          <p:cNvPr id="9" name="Прямоугольник: скругленные углы 8">
+            <a:extLst>
+              <a:ext uri="{FF2B5EF4-FFF2-40B4-BE49-F238E27FC236}">
+                <a16:creationId xmlns:a16="http://schemas.microsoft.com/office/drawing/2014/main" id="{4F7A1BA8-A4CD-464E-BD00-658B6A10CD88}"/>
+              </a:ext>
+            </a:extLst>
+          </p:cNvPr>
+          <p:cNvSpPr/>
+          <p:nvPr/>
+        </p:nvSpPr>
+        <p:spPr>
+          <a:xfrm>
+            <a:off x="543553" y="3181767"/>
+            <a:ext cx="3537559" cy="1501140"/>
+          </a:xfrm>
+          <a:prstGeom prst="roundRect">
+            <a:avLst/>
+          </a:prstGeom>
+          <a:solidFill>
+            <a:srgbClr val="BEFF7D"/>
+          </a:solidFill>
+          <a:ln>
+            <a:noFill/>
+          </a:ln>
+        </p:spPr>
+        <p:style>
+          <a:lnRef idx="2">
+            <a:schemeClr val="accent1">
+              <a:shade val="50000"/>
+            </a:schemeClr>
+          </a:lnRef>
+          <a:fillRef idx="1">
+            <a:schemeClr val="accent1"/>
+          </a:fillRef>
+          <a:effectRef idx="0">
+            <a:schemeClr val="accent1"/>
+          </a:effectRef>
+          <a:fontRef idx="minor">
+            <a:schemeClr val="lt1"/>
+          </a:fontRef>
+        </p:style>
+        <p:txBody>
+          <a:bodyPr rtlCol="0" anchor="ctr"/>
+          <a:lstStyle/>
+          <a:p>
+            <a:pPr algn="ctr"/>
+            <a:endParaRPr lang="ru-RU"/>
+          </a:p>
+        </p:txBody>
+      </p:sp>
+      <p:sp>
+        <p:nvSpPr>
+          <p:cNvPr id="3" name="Прямоугольник 2">
+            <a:extLst>
+              <a:ext uri="{FF2B5EF4-FFF2-40B4-BE49-F238E27FC236}">
+                <a16:creationId xmlns:a16="http://schemas.microsoft.com/office/drawing/2014/main" id="{BF15F404-4E86-4AC7-A109-3B97D38E3FE9}"/>
+              </a:ext>
+            </a:extLst>
+          </p:cNvPr>
+          <p:cNvSpPr/>
+          <p:nvPr/>
+        </p:nvSpPr>
+        <p:spPr>
+          <a:xfrm>
+            <a:off x="7310947" y="0"/>
+            <a:ext cx="4509568" cy="1335978"/>
+          </a:xfrm>
+          <a:prstGeom prst="rect">
+            <a:avLst/>
+          </a:prstGeom>
+          <a:solidFill>
+            <a:srgbClr val="BEFF7D"/>
+          </a:solidFill>
+          <a:ln>
+            <a:noFill/>
+          </a:ln>
+        </p:spPr>
+        <p:style>
+          <a:lnRef idx="2">
+            <a:schemeClr val="accent1">
+              <a:shade val="50000"/>
+            </a:schemeClr>
+          </a:lnRef>
+          <a:fillRef idx="1">
+            <a:schemeClr val="accent1"/>
+          </a:fillRef>
+          <a:effectRef idx="0">
+            <a:schemeClr val="accent1"/>
+          </a:effectRef>
+          <a:fontRef idx="minor">
+            <a:schemeClr val="lt1"/>
+          </a:fontRef>
+        </p:style>
+        <p:txBody>
+          <a:bodyPr rtlCol="0" anchor="ctr"/>
+          <a:lstStyle/>
+          <a:p>
+            <a:pPr algn="ctr"/>
+            <a:endParaRPr lang="ru-RU"/>
+          </a:p>
+        </p:txBody>
+      </p:sp>
+      <p:sp>
+        <p:nvSpPr>
+          <p:cNvPr id="2" name="TextBox 1">
+            <a:extLst>
+              <a:ext uri="{FF2B5EF4-FFF2-40B4-BE49-F238E27FC236}">
+                <a16:creationId xmlns:a16="http://schemas.microsoft.com/office/drawing/2014/main" id="{606DA5B2-3BB9-41A1-9B59-B157F3F25B59}"/>
+              </a:ext>
+            </a:extLst>
+          </p:cNvPr>
+          <p:cNvSpPr txBox="1"/>
+          <p:nvPr/>
+        </p:nvSpPr>
+        <p:spPr>
+          <a:xfrm>
+            <a:off x="7945736" y="314046"/>
+            <a:ext cx="3239990" cy="707886"/>
           </a:xfrm>
           <a:prstGeom prst="rect">
             <a:avLst/>
@@ -3426,28 +5368,3394 @@
           <a:lstStyle/>
           <a:p>
             <a:r>
+              <a:rPr lang="ru-RU" sz="2000" b="1" dirty="0"/>
+              <a:t>Что можно делать в </a:t>
+            </a:r>
+          </a:p>
+          <a:p>
+            <a:r>
+              <a:rPr lang="ru-RU" sz="2000" b="1" dirty="0"/>
+              <a:t>моей игре?</a:t>
+            </a:r>
+          </a:p>
+        </p:txBody>
+      </p:sp>
+      <p:sp>
+        <p:nvSpPr>
+          <p:cNvPr id="6" name="TextBox 5">
+            <a:extLst>
+              <a:ext uri="{FF2B5EF4-FFF2-40B4-BE49-F238E27FC236}">
+                <a16:creationId xmlns:a16="http://schemas.microsoft.com/office/drawing/2014/main" id="{E7D98DF6-45F4-435C-9A95-37827E712F84}"/>
+              </a:ext>
+            </a:extLst>
+          </p:cNvPr>
+          <p:cNvSpPr txBox="1"/>
+          <p:nvPr/>
+        </p:nvSpPr>
+        <p:spPr>
+          <a:xfrm>
+            <a:off x="1845991" y="1858327"/>
+            <a:ext cx="3047773" cy="830997"/>
+          </a:xfrm>
+          <a:prstGeom prst="rect">
+            <a:avLst/>
+          </a:prstGeom>
+          <a:noFill/>
+        </p:spPr>
+        <p:txBody>
+          <a:bodyPr wrap="square">
+            <a:spAutoFit/>
+          </a:bodyPr>
+          <a:lstStyle/>
+          <a:p>
+            <a:pPr algn="ctr"/>
+            <a:r>
+              <a:rPr lang="ru-RU" sz="1600" dirty="0">
+                <a:solidFill>
+                  <a:schemeClr val="tx1"/>
+                </a:solidFill>
+              </a:rPr>
+              <a:t>Ходить по уровню, </a:t>
+            </a:r>
+            <a:r>
+              <a:rPr lang="ru-RU" sz="1600" b="1" dirty="0">
+                <a:solidFill>
+                  <a:schemeClr val="tx1"/>
+                </a:solidFill>
+              </a:rPr>
+              <a:t>собирая</a:t>
+            </a:r>
+            <a:r>
+              <a:rPr lang="ru-RU" sz="1600" dirty="0">
+                <a:solidFill>
+                  <a:schemeClr val="tx1"/>
+                </a:solidFill>
+              </a:rPr>
+              <a:t> предметы, </a:t>
+            </a:r>
+            <a:r>
+              <a:rPr lang="ru-RU" sz="1600" b="1" dirty="0">
+                <a:solidFill>
+                  <a:schemeClr val="tx1"/>
+                </a:solidFill>
+              </a:rPr>
+              <a:t>сражаясь</a:t>
+            </a:r>
+            <a:r>
+              <a:rPr lang="ru-RU" sz="1600" dirty="0">
+                <a:solidFill>
+                  <a:schemeClr val="tx1"/>
+                </a:solidFill>
+              </a:rPr>
+              <a:t> с врагами</a:t>
+            </a:r>
+          </a:p>
+        </p:txBody>
+      </p:sp>
+      <p:sp>
+        <p:nvSpPr>
+          <p:cNvPr id="8" name="TextBox 7">
+            <a:extLst>
+              <a:ext uri="{FF2B5EF4-FFF2-40B4-BE49-F238E27FC236}">
+                <a16:creationId xmlns:a16="http://schemas.microsoft.com/office/drawing/2014/main" id="{B67DFD52-3EEB-4868-8162-0E35C847382C}"/>
+              </a:ext>
+            </a:extLst>
+          </p:cNvPr>
+          <p:cNvSpPr txBox="1"/>
+          <p:nvPr/>
+        </p:nvSpPr>
+        <p:spPr>
+          <a:xfrm>
+            <a:off x="543553" y="3508189"/>
+            <a:ext cx="3537559" cy="830997"/>
+          </a:xfrm>
+          <a:prstGeom prst="rect">
+            <a:avLst/>
+          </a:prstGeom>
+          <a:noFill/>
+        </p:spPr>
+        <p:txBody>
+          <a:bodyPr wrap="square">
+            <a:spAutoFit/>
+          </a:bodyPr>
+          <a:lstStyle/>
+          <a:p>
+            <a:pPr lvl="0" algn="ctr"/>
+            <a:r>
+              <a:rPr lang="ru-RU" sz="1600" dirty="0"/>
+              <a:t>Переходить на новые уровни, предварительно </a:t>
+            </a:r>
+            <a:r>
+              <a:rPr lang="ru-RU" sz="1600" b="1" dirty="0"/>
+              <a:t>улучшив</a:t>
+            </a:r>
+            <a:r>
+              <a:rPr lang="ru-RU" sz="1600" dirty="0"/>
+              <a:t> свои характеристики</a:t>
+            </a:r>
+          </a:p>
+        </p:txBody>
+      </p:sp>
+      <p:sp>
+        <p:nvSpPr>
+          <p:cNvPr id="13" name="TextBox 12">
+            <a:extLst>
+              <a:ext uri="{FF2B5EF4-FFF2-40B4-BE49-F238E27FC236}">
+                <a16:creationId xmlns:a16="http://schemas.microsoft.com/office/drawing/2014/main" id="{68BF87AE-50B1-4EE9-BC5A-4FF464328650}"/>
+              </a:ext>
+            </a:extLst>
+          </p:cNvPr>
+          <p:cNvSpPr txBox="1"/>
+          <p:nvPr/>
+        </p:nvSpPr>
+        <p:spPr>
+          <a:xfrm>
+            <a:off x="2069956" y="5133975"/>
+            <a:ext cx="2641887" cy="923330"/>
+          </a:xfrm>
+          <a:prstGeom prst="rect">
+            <a:avLst/>
+          </a:prstGeom>
+          <a:noFill/>
+        </p:spPr>
+        <p:txBody>
+          <a:bodyPr wrap="square">
+            <a:spAutoFit/>
+          </a:bodyPr>
+          <a:lstStyle/>
+          <a:p>
+            <a:pPr lvl="0" algn="ctr"/>
+            <a:r>
               <a:rPr lang="ru-RU" dirty="0"/>
-              <a:t>Расскажу о состоянии игры на данный момент. Упомяну о том</a:t>
-            </a:r>
-          </a:p>
-          <a:p>
-            <a:r>
-              <a:rPr lang="ru-RU" dirty="0"/>
-              <a:t>Как всё было сложно</a:t>
-            </a:r>
+              <a:t>Сражаться с главным врагом уровня (боссом)</a:t>
+            </a:r>
+          </a:p>
+        </p:txBody>
+      </p:sp>
+      <p:cxnSp>
+        <p:nvCxnSpPr>
+          <p:cNvPr id="15" name="Прямая соединительная линия 14">
+            <a:extLst>
+              <a:ext uri="{FF2B5EF4-FFF2-40B4-BE49-F238E27FC236}">
+                <a16:creationId xmlns:a16="http://schemas.microsoft.com/office/drawing/2014/main" id="{C7B3EB22-36E2-4A4D-AA41-2624B1D53BB1}"/>
+              </a:ext>
+            </a:extLst>
+          </p:cNvPr>
+          <p:cNvCxnSpPr>
+            <a:cxnSpLocks/>
+          </p:cNvCxnSpPr>
+          <p:nvPr/>
+        </p:nvCxnSpPr>
+        <p:spPr>
+          <a:xfrm flipV="1">
+            <a:off x="3369878" y="-49213"/>
+            <a:ext cx="0" cy="1704340"/>
+          </a:xfrm>
+          <a:prstGeom prst="line">
+            <a:avLst/>
+          </a:prstGeom>
+          <a:ln w="57150">
+            <a:solidFill>
+              <a:srgbClr val="767171"/>
+            </a:solidFill>
+          </a:ln>
+        </p:spPr>
+        <p:style>
+          <a:lnRef idx="1">
+            <a:schemeClr val="accent1"/>
+          </a:lnRef>
+          <a:fillRef idx="0">
+            <a:schemeClr val="accent1"/>
+          </a:fillRef>
+          <a:effectRef idx="0">
+            <a:schemeClr val="accent1"/>
+          </a:effectRef>
+          <a:fontRef idx="minor">
+            <a:schemeClr val="tx1"/>
+          </a:fontRef>
+        </p:style>
+      </p:cxnSp>
+      <p:sp>
+        <p:nvSpPr>
+          <p:cNvPr id="21" name="Прямоугольник: скругленные углы 20">
+            <a:extLst>
+              <a:ext uri="{FF2B5EF4-FFF2-40B4-BE49-F238E27FC236}">
+                <a16:creationId xmlns:a16="http://schemas.microsoft.com/office/drawing/2014/main" id="{9FAA5B8A-CD0F-4FD4-BA1F-0A2E99B7A5D4}"/>
+              </a:ext>
+            </a:extLst>
+          </p:cNvPr>
+          <p:cNvSpPr/>
+          <p:nvPr/>
+        </p:nvSpPr>
+        <p:spPr>
+          <a:xfrm>
+            <a:off x="6791439" y="3632835"/>
+            <a:ext cx="2987040" cy="1501140"/>
+          </a:xfrm>
+          <a:prstGeom prst="roundRect">
+            <a:avLst/>
+          </a:prstGeom>
+          <a:solidFill>
+            <a:srgbClr val="BEFF7D"/>
+          </a:solidFill>
+          <a:ln>
+            <a:noFill/>
+          </a:ln>
+        </p:spPr>
+        <p:style>
+          <a:lnRef idx="2">
+            <a:schemeClr val="accent1">
+              <a:shade val="50000"/>
+            </a:schemeClr>
+          </a:lnRef>
+          <a:fillRef idx="1">
+            <a:schemeClr val="accent1"/>
+          </a:fillRef>
+          <a:effectRef idx="0">
+            <a:schemeClr val="accent1"/>
+          </a:effectRef>
+          <a:fontRef idx="minor">
+            <a:schemeClr val="lt1"/>
+          </a:fontRef>
+        </p:style>
+        <p:txBody>
+          <a:bodyPr rtlCol="0" anchor="ctr"/>
+          <a:lstStyle/>
+          <a:p>
+            <a:pPr algn="ctr"/>
+            <a:endParaRPr lang="ru-RU"/>
+          </a:p>
+        </p:txBody>
+      </p:sp>
+      <p:sp>
+        <p:nvSpPr>
+          <p:cNvPr id="22" name="TextBox 21">
+            <a:extLst>
+              <a:ext uri="{FF2B5EF4-FFF2-40B4-BE49-F238E27FC236}">
+                <a16:creationId xmlns:a16="http://schemas.microsoft.com/office/drawing/2014/main" id="{56919C88-F545-44E3-B02D-98DA5BB1B6F4}"/>
+              </a:ext>
+            </a:extLst>
+          </p:cNvPr>
+          <p:cNvSpPr txBox="1"/>
+          <p:nvPr/>
+        </p:nvSpPr>
+        <p:spPr>
+          <a:xfrm>
+            <a:off x="6761072" y="4214128"/>
+            <a:ext cx="3047773" cy="338554"/>
+          </a:xfrm>
+          <a:prstGeom prst="rect">
+            <a:avLst/>
+          </a:prstGeom>
+          <a:noFill/>
+        </p:spPr>
+        <p:txBody>
+          <a:bodyPr wrap="square">
+            <a:spAutoFit/>
+          </a:bodyPr>
+          <a:lstStyle/>
+          <a:p>
+            <a:pPr algn="ctr"/>
+            <a:r>
+              <a:rPr lang="ru-RU" sz="1600" b="1" dirty="0"/>
+              <a:t>Находить баги</a:t>
+            </a:r>
+            <a:endParaRPr lang="ru-RU" sz="1600" b="1" dirty="0">
+              <a:solidFill>
+                <a:schemeClr val="tx1"/>
+              </a:solidFill>
+            </a:endParaRPr>
+          </a:p>
+        </p:txBody>
+      </p:sp>
+      <p:sp>
+        <p:nvSpPr>
+          <p:cNvPr id="23" name="Прямоугольник 22">
+            <a:extLst>
+              <a:ext uri="{FF2B5EF4-FFF2-40B4-BE49-F238E27FC236}">
+                <a16:creationId xmlns:a16="http://schemas.microsoft.com/office/drawing/2014/main" id="{BFE179E6-5AD8-450B-B70D-1B5973B624C9}"/>
+              </a:ext>
+            </a:extLst>
+          </p:cNvPr>
+          <p:cNvSpPr/>
+          <p:nvPr/>
+        </p:nvSpPr>
+        <p:spPr>
+          <a:xfrm>
+            <a:off x="11504068" y="2214831"/>
+            <a:ext cx="687932" cy="1704340"/>
+          </a:xfrm>
+          <a:prstGeom prst="rect">
+            <a:avLst/>
+          </a:prstGeom>
+          <a:solidFill>
+            <a:srgbClr val="BEFF7D"/>
+          </a:solidFill>
+          <a:ln>
+            <a:noFill/>
+          </a:ln>
+        </p:spPr>
+        <p:style>
+          <a:lnRef idx="2">
+            <a:schemeClr val="accent1">
+              <a:shade val="50000"/>
+            </a:schemeClr>
+          </a:lnRef>
+          <a:fillRef idx="1">
+            <a:schemeClr val="accent1"/>
+          </a:fillRef>
+          <a:effectRef idx="0">
+            <a:schemeClr val="accent1"/>
+          </a:effectRef>
+          <a:fontRef idx="minor">
+            <a:schemeClr val="lt1"/>
+          </a:fontRef>
+        </p:style>
+        <p:txBody>
+          <a:bodyPr rtlCol="0" anchor="ctr"/>
+          <a:lstStyle/>
+          <a:p>
+            <a:pPr algn="ctr"/>
+            <a:endParaRPr lang="ru-RU"/>
+          </a:p>
+        </p:txBody>
+      </p:sp>
+      <p:sp>
+        <p:nvSpPr>
+          <p:cNvPr id="24" name="Овал 23">
+            <a:extLst>
+              <a:ext uri="{FF2B5EF4-FFF2-40B4-BE49-F238E27FC236}">
+                <a16:creationId xmlns:a16="http://schemas.microsoft.com/office/drawing/2014/main" id="{C9FA583E-E2F7-4A71-9F01-D45254A1D4AA}"/>
+              </a:ext>
+            </a:extLst>
+          </p:cNvPr>
+          <p:cNvSpPr/>
+          <p:nvPr/>
+        </p:nvSpPr>
+        <p:spPr>
+          <a:xfrm>
+            <a:off x="10774453" y="5522022"/>
+            <a:ext cx="1417547" cy="1335978"/>
+          </a:xfrm>
+          <a:prstGeom prst="ellipse">
+            <a:avLst/>
+          </a:prstGeom>
+          <a:solidFill>
+            <a:srgbClr val="964B00"/>
+          </a:solidFill>
+          <a:ln>
+            <a:noFill/>
+          </a:ln>
+        </p:spPr>
+        <p:style>
+          <a:lnRef idx="2">
+            <a:schemeClr val="accent1">
+              <a:shade val="50000"/>
+            </a:schemeClr>
+          </a:lnRef>
+          <a:fillRef idx="1">
+            <a:schemeClr val="accent1"/>
+          </a:fillRef>
+          <a:effectRef idx="0">
+            <a:schemeClr val="accent1"/>
+          </a:effectRef>
+          <a:fontRef idx="minor">
+            <a:schemeClr val="lt1"/>
+          </a:fontRef>
+        </p:style>
+        <p:txBody>
+          <a:bodyPr rtlCol="0" anchor="ctr"/>
+          <a:lstStyle/>
+          <a:p>
+            <a:pPr algn="ctr"/>
+            <a:endParaRPr lang="ru-RU"/>
           </a:p>
         </p:txBody>
       </p:sp>
     </p:spTree>
     <p:extLst>
       <p:ext uri="{BB962C8B-B14F-4D97-AF65-F5344CB8AC3E}">
-        <p14:creationId xmlns:p14="http://schemas.microsoft.com/office/powerpoint/2010/main" val="2755731810"/>
+        <p14:creationId xmlns:p14="http://schemas.microsoft.com/office/powerpoint/2010/main" val="2586259101"/>
       </p:ext>
     </p:extLst>
   </p:cSld>
   <p:clrMapOvr>
     <a:masterClrMapping/>
   </p:clrMapOvr>
+  <p:timing>
+    <p:tnLst>
+      <p:par>
+        <p:cTn id="1" dur="indefinite" restart="never" nodeType="tmRoot">
+          <p:childTnLst>
+            <p:seq concurrent="1" nextAc="seek">
+              <p:cTn id="2" dur="indefinite" nodeType="mainSeq">
+                <p:childTnLst>
+                  <p:par>
+                    <p:cTn id="3" fill="hold">
+                      <p:stCondLst>
+                        <p:cond delay="indefinite"/>
+                      </p:stCondLst>
+                      <p:childTnLst>
+                        <p:par>
+                          <p:cTn id="4" fill="hold">
+                            <p:stCondLst>
+                              <p:cond delay="0"/>
+                            </p:stCondLst>
+                            <p:childTnLst>
+                              <p:par>
+                                <p:cTn id="5" presetID="42" presetClass="entr" presetSubtype="0" fill="hold" grpId="0" nodeType="clickEffect">
+                                  <p:stCondLst>
+                                    <p:cond delay="0"/>
+                                  </p:stCondLst>
+                                  <p:childTnLst>
+                                    <p:set>
+                                      <p:cBhvr>
+                                        <p:cTn id="6" dur="1" fill="hold">
+                                          <p:stCondLst>
+                                            <p:cond delay="0"/>
+                                          </p:stCondLst>
+                                        </p:cTn>
+                                        <p:tgtEl>
+                                          <p:spTgt spid="21"/>
+                                        </p:tgtEl>
+                                        <p:attrNameLst>
+                                          <p:attrName>style.visibility</p:attrName>
+                                        </p:attrNameLst>
+                                      </p:cBhvr>
+                                      <p:to>
+                                        <p:strVal val="visible"/>
+                                      </p:to>
+                                    </p:set>
+                                    <p:animEffect transition="in" filter="fade">
+                                      <p:cBhvr>
+                                        <p:cTn id="7" dur="1000"/>
+                                        <p:tgtEl>
+                                          <p:spTgt spid="21"/>
+                                        </p:tgtEl>
+                                      </p:cBhvr>
+                                    </p:animEffect>
+                                    <p:anim calcmode="lin" valueType="num">
+                                      <p:cBhvr>
+                                        <p:cTn id="8" dur="1000" fill="hold"/>
+                                        <p:tgtEl>
+                                          <p:spTgt spid="21"/>
+                                        </p:tgtEl>
+                                        <p:attrNameLst>
+                                          <p:attrName>ppt_x</p:attrName>
+                                        </p:attrNameLst>
+                                      </p:cBhvr>
+                                      <p:tavLst>
+                                        <p:tav tm="0">
+                                          <p:val>
+                                            <p:strVal val="#ppt_x"/>
+                                          </p:val>
+                                        </p:tav>
+                                        <p:tav tm="100000">
+                                          <p:val>
+                                            <p:strVal val="#ppt_x"/>
+                                          </p:val>
+                                        </p:tav>
+                                      </p:tavLst>
+                                    </p:anim>
+                                    <p:anim calcmode="lin" valueType="num">
+                                      <p:cBhvr>
+                                        <p:cTn id="9" dur="1000" fill="hold"/>
+                                        <p:tgtEl>
+                                          <p:spTgt spid="21"/>
+                                        </p:tgtEl>
+                                        <p:attrNameLst>
+                                          <p:attrName>ppt_y</p:attrName>
+                                        </p:attrNameLst>
+                                      </p:cBhvr>
+                                      <p:tavLst>
+                                        <p:tav tm="0">
+                                          <p:val>
+                                            <p:strVal val="#ppt_y+.1"/>
+                                          </p:val>
+                                        </p:tav>
+                                        <p:tav tm="100000">
+                                          <p:val>
+                                            <p:strVal val="#ppt_y"/>
+                                          </p:val>
+                                        </p:tav>
+                                      </p:tavLst>
+                                    </p:anim>
+                                  </p:childTnLst>
+                                </p:cTn>
+                              </p:par>
+                              <p:par>
+                                <p:cTn id="10" presetID="42" presetClass="entr" presetSubtype="0" fill="hold" grpId="0" nodeType="withEffect">
+                                  <p:stCondLst>
+                                    <p:cond delay="0"/>
+                                  </p:stCondLst>
+                                  <p:childTnLst>
+                                    <p:set>
+                                      <p:cBhvr>
+                                        <p:cTn id="11" dur="1" fill="hold">
+                                          <p:stCondLst>
+                                            <p:cond delay="0"/>
+                                          </p:stCondLst>
+                                        </p:cTn>
+                                        <p:tgtEl>
+                                          <p:spTgt spid="22"/>
+                                        </p:tgtEl>
+                                        <p:attrNameLst>
+                                          <p:attrName>style.visibility</p:attrName>
+                                        </p:attrNameLst>
+                                      </p:cBhvr>
+                                      <p:to>
+                                        <p:strVal val="visible"/>
+                                      </p:to>
+                                    </p:set>
+                                    <p:animEffect transition="in" filter="fade">
+                                      <p:cBhvr>
+                                        <p:cTn id="12" dur="1000"/>
+                                        <p:tgtEl>
+                                          <p:spTgt spid="22"/>
+                                        </p:tgtEl>
+                                      </p:cBhvr>
+                                    </p:animEffect>
+                                    <p:anim calcmode="lin" valueType="num">
+                                      <p:cBhvr>
+                                        <p:cTn id="13" dur="1000" fill="hold"/>
+                                        <p:tgtEl>
+                                          <p:spTgt spid="22"/>
+                                        </p:tgtEl>
+                                        <p:attrNameLst>
+                                          <p:attrName>ppt_x</p:attrName>
+                                        </p:attrNameLst>
+                                      </p:cBhvr>
+                                      <p:tavLst>
+                                        <p:tav tm="0">
+                                          <p:val>
+                                            <p:strVal val="#ppt_x"/>
+                                          </p:val>
+                                        </p:tav>
+                                        <p:tav tm="100000">
+                                          <p:val>
+                                            <p:strVal val="#ppt_x"/>
+                                          </p:val>
+                                        </p:tav>
+                                      </p:tavLst>
+                                    </p:anim>
+                                    <p:anim calcmode="lin" valueType="num">
+                                      <p:cBhvr>
+                                        <p:cTn id="14" dur="1000" fill="hold"/>
+                                        <p:tgtEl>
+                                          <p:spTgt spid="22"/>
+                                        </p:tgtEl>
+                                        <p:attrNameLst>
+                                          <p:attrName>ppt_y</p:attrName>
+                                        </p:attrNameLst>
+                                      </p:cBhvr>
+                                      <p:tavLst>
+                                        <p:tav tm="0">
+                                          <p:val>
+                                            <p:strVal val="#ppt_y+.1"/>
+                                          </p:val>
+                                        </p:tav>
+                                        <p:tav tm="100000">
+                                          <p:val>
+                                            <p:strVal val="#ppt_y"/>
+                                          </p:val>
+                                        </p:tav>
+                                      </p:tavLst>
+                                    </p:anim>
+                                  </p:childTnLst>
+                                </p:cTn>
+                              </p:par>
+                            </p:childTnLst>
+                          </p:cTn>
+                        </p:par>
+                      </p:childTnLst>
+                    </p:cTn>
+                  </p:par>
+                  <p:par>
+                    <p:cTn id="15" fill="hold">
+                      <p:stCondLst>
+                        <p:cond delay="indefinite"/>
+                      </p:stCondLst>
+                      <p:childTnLst>
+                        <p:par>
+                          <p:cTn id="16" fill="hold">
+                            <p:stCondLst>
+                              <p:cond delay="0"/>
+                            </p:stCondLst>
+                            <p:childTnLst>
+                              <p:par>
+                                <p:cTn id="17" presetID="2" presetClass="exit" presetSubtype="2" fill="hold" grpId="1" nodeType="clickEffect">
+                                  <p:stCondLst>
+                                    <p:cond delay="0"/>
+                                  </p:stCondLst>
+                                  <p:childTnLst>
+                                    <p:anim calcmode="lin" valueType="num">
+                                      <p:cBhvr additive="base">
+                                        <p:cTn id="18" dur="500"/>
+                                        <p:tgtEl>
+                                          <p:spTgt spid="21"/>
+                                        </p:tgtEl>
+                                        <p:attrNameLst>
+                                          <p:attrName>ppt_x</p:attrName>
+                                        </p:attrNameLst>
+                                      </p:cBhvr>
+                                      <p:tavLst>
+                                        <p:tav tm="0">
+                                          <p:val>
+                                            <p:strVal val="ppt_x"/>
+                                          </p:val>
+                                        </p:tav>
+                                        <p:tav tm="100000">
+                                          <p:val>
+                                            <p:strVal val="1+ppt_w/2"/>
+                                          </p:val>
+                                        </p:tav>
+                                      </p:tavLst>
+                                    </p:anim>
+                                    <p:anim calcmode="lin" valueType="num">
+                                      <p:cBhvr additive="base">
+                                        <p:cTn id="19" dur="500"/>
+                                        <p:tgtEl>
+                                          <p:spTgt spid="21"/>
+                                        </p:tgtEl>
+                                        <p:attrNameLst>
+                                          <p:attrName>ppt_y</p:attrName>
+                                        </p:attrNameLst>
+                                      </p:cBhvr>
+                                      <p:tavLst>
+                                        <p:tav tm="0">
+                                          <p:val>
+                                            <p:strVal val="ppt_y"/>
+                                          </p:val>
+                                        </p:tav>
+                                        <p:tav tm="100000">
+                                          <p:val>
+                                            <p:strVal val="ppt_y"/>
+                                          </p:val>
+                                        </p:tav>
+                                      </p:tavLst>
+                                    </p:anim>
+                                    <p:set>
+                                      <p:cBhvr>
+                                        <p:cTn id="20" dur="1" fill="hold">
+                                          <p:stCondLst>
+                                            <p:cond delay="499"/>
+                                          </p:stCondLst>
+                                        </p:cTn>
+                                        <p:tgtEl>
+                                          <p:spTgt spid="21"/>
+                                        </p:tgtEl>
+                                        <p:attrNameLst>
+                                          <p:attrName>style.visibility</p:attrName>
+                                        </p:attrNameLst>
+                                      </p:cBhvr>
+                                      <p:to>
+                                        <p:strVal val="hidden"/>
+                                      </p:to>
+                                    </p:set>
+                                  </p:childTnLst>
+                                </p:cTn>
+                              </p:par>
+                              <p:par>
+                                <p:cTn id="21" presetID="2" presetClass="exit" presetSubtype="2" fill="hold" grpId="1" nodeType="withEffect">
+                                  <p:stCondLst>
+                                    <p:cond delay="0"/>
+                                  </p:stCondLst>
+                                  <p:childTnLst>
+                                    <p:anim calcmode="lin" valueType="num">
+                                      <p:cBhvr additive="base">
+                                        <p:cTn id="22" dur="500"/>
+                                        <p:tgtEl>
+                                          <p:spTgt spid="22"/>
+                                        </p:tgtEl>
+                                        <p:attrNameLst>
+                                          <p:attrName>ppt_x</p:attrName>
+                                        </p:attrNameLst>
+                                      </p:cBhvr>
+                                      <p:tavLst>
+                                        <p:tav tm="0">
+                                          <p:val>
+                                            <p:strVal val="ppt_x"/>
+                                          </p:val>
+                                        </p:tav>
+                                        <p:tav tm="100000">
+                                          <p:val>
+                                            <p:strVal val="1+ppt_w/2"/>
+                                          </p:val>
+                                        </p:tav>
+                                      </p:tavLst>
+                                    </p:anim>
+                                    <p:anim calcmode="lin" valueType="num">
+                                      <p:cBhvr additive="base">
+                                        <p:cTn id="23" dur="500"/>
+                                        <p:tgtEl>
+                                          <p:spTgt spid="22"/>
+                                        </p:tgtEl>
+                                        <p:attrNameLst>
+                                          <p:attrName>ppt_y</p:attrName>
+                                        </p:attrNameLst>
+                                      </p:cBhvr>
+                                      <p:tavLst>
+                                        <p:tav tm="0">
+                                          <p:val>
+                                            <p:strVal val="ppt_y"/>
+                                          </p:val>
+                                        </p:tav>
+                                        <p:tav tm="100000">
+                                          <p:val>
+                                            <p:strVal val="ppt_y"/>
+                                          </p:val>
+                                        </p:tav>
+                                      </p:tavLst>
+                                    </p:anim>
+                                    <p:set>
+                                      <p:cBhvr>
+                                        <p:cTn id="24" dur="1" fill="hold">
+                                          <p:stCondLst>
+                                            <p:cond delay="499"/>
+                                          </p:stCondLst>
+                                        </p:cTn>
+                                        <p:tgtEl>
+                                          <p:spTgt spid="22"/>
+                                        </p:tgtEl>
+                                        <p:attrNameLst>
+                                          <p:attrName>style.visibility</p:attrName>
+                                        </p:attrNameLst>
+                                      </p:cBhvr>
+                                      <p:to>
+                                        <p:strVal val="hidden"/>
+                                      </p:to>
+                                    </p:set>
+                                  </p:childTnLst>
+                                </p:cTn>
+                              </p:par>
+                            </p:childTnLst>
+                          </p:cTn>
+                        </p:par>
+                      </p:childTnLst>
+                    </p:cTn>
+                  </p:par>
+                </p:childTnLst>
+              </p:cTn>
+              <p:prevCondLst>
+                <p:cond evt="onPrev" delay="0">
+                  <p:tgtEl>
+                    <p:sldTgt/>
+                  </p:tgtEl>
+                </p:cond>
+              </p:prevCondLst>
+              <p:nextCondLst>
+                <p:cond evt="onNext" delay="0">
+                  <p:tgtEl>
+                    <p:sldTgt/>
+                  </p:tgtEl>
+                </p:cond>
+              </p:nextCondLst>
+            </p:seq>
+          </p:childTnLst>
+        </p:cTn>
+      </p:par>
+    </p:tnLst>
+    <p:bldLst>
+      <p:bldP spid="21" grpId="0" animBg="1"/>
+      <p:bldP spid="21" grpId="1" animBg="1"/>
+      <p:bldP spid="22" grpId="0"/>
+      <p:bldP spid="22" grpId="1"/>
+    </p:bldLst>
+  </p:timing>
+</p:sld>
+</file>
+
+<file path=ppt/slides/slide4.xml><?xml version="1.0" encoding="utf-8"?>
+<p:sld xmlns:a="http://schemas.openxmlformats.org/drawingml/2006/main" xmlns:r="http://schemas.openxmlformats.org/officeDocument/2006/relationships" xmlns:p="http://schemas.openxmlformats.org/presentationml/2006/main">
+  <p:cSld>
+    <p:spTree>
+      <p:nvGrpSpPr>
+        <p:cNvPr id="1" name=""/>
+        <p:cNvGrpSpPr/>
+        <p:nvPr/>
+      </p:nvGrpSpPr>
+      <p:grpSpPr>
+        <a:xfrm>
+          <a:off x="0" y="0"/>
+          <a:ext cx="0" cy="0"/>
+          <a:chOff x="0" y="0"/>
+          <a:chExt cx="0" cy="0"/>
+        </a:xfrm>
+      </p:grpSpPr>
+      <p:sp>
+        <p:nvSpPr>
+          <p:cNvPr id="6" name="Прямоугольник 5">
+            <a:extLst>
+              <a:ext uri="{FF2B5EF4-FFF2-40B4-BE49-F238E27FC236}">
+                <a16:creationId xmlns:a16="http://schemas.microsoft.com/office/drawing/2014/main" id="{65827D1E-3B6C-4CC8-93C6-7831C1D01F94}"/>
+              </a:ext>
+            </a:extLst>
+          </p:cNvPr>
+          <p:cNvSpPr/>
+          <p:nvPr/>
+        </p:nvSpPr>
+        <p:spPr>
+          <a:xfrm rot="5400000">
+            <a:off x="4136682" y="-4136682"/>
+            <a:ext cx="251936" cy="8525299"/>
+          </a:xfrm>
+          <a:prstGeom prst="rect">
+            <a:avLst/>
+          </a:prstGeom>
+          <a:solidFill>
+            <a:srgbClr val="BEFF7D"/>
+          </a:solidFill>
+          <a:ln>
+            <a:noFill/>
+          </a:ln>
+        </p:spPr>
+        <p:style>
+          <a:lnRef idx="2">
+            <a:schemeClr val="accent1">
+              <a:shade val="50000"/>
+            </a:schemeClr>
+          </a:lnRef>
+          <a:fillRef idx="1">
+            <a:schemeClr val="accent1"/>
+          </a:fillRef>
+          <a:effectRef idx="0">
+            <a:schemeClr val="accent1"/>
+          </a:effectRef>
+          <a:fontRef idx="minor">
+            <a:schemeClr val="lt1"/>
+          </a:fontRef>
+        </p:style>
+        <p:txBody>
+          <a:bodyPr rtlCol="0" anchor="ctr"/>
+          <a:lstStyle/>
+          <a:p>
+            <a:pPr algn="ctr"/>
+            <a:endParaRPr lang="ru-RU"/>
+          </a:p>
+        </p:txBody>
+      </p:sp>
+      <p:sp>
+        <p:nvSpPr>
+          <p:cNvPr id="5" name="Прямоугольник 4">
+            <a:extLst>
+              <a:ext uri="{FF2B5EF4-FFF2-40B4-BE49-F238E27FC236}">
+                <a16:creationId xmlns:a16="http://schemas.microsoft.com/office/drawing/2014/main" id="{12695665-3261-4873-AB6E-6D1228E16D5D}"/>
+              </a:ext>
+            </a:extLst>
+          </p:cNvPr>
+          <p:cNvSpPr/>
+          <p:nvPr/>
+        </p:nvSpPr>
+        <p:spPr>
+          <a:xfrm>
+            <a:off x="8815174" y="251936"/>
+            <a:ext cx="3139125" cy="4656903"/>
+          </a:xfrm>
+          <a:prstGeom prst="rect">
+            <a:avLst/>
+          </a:prstGeom>
+          <a:solidFill>
+            <a:srgbClr val="767171"/>
+          </a:solidFill>
+          <a:ln w="28575">
+            <a:solidFill>
+              <a:schemeClr val="tx1"/>
+            </a:solidFill>
+          </a:ln>
+        </p:spPr>
+        <p:style>
+          <a:lnRef idx="2">
+            <a:schemeClr val="accent1">
+              <a:shade val="50000"/>
+            </a:schemeClr>
+          </a:lnRef>
+          <a:fillRef idx="1">
+            <a:schemeClr val="accent1"/>
+          </a:fillRef>
+          <a:effectRef idx="0">
+            <a:schemeClr val="accent1"/>
+          </a:effectRef>
+          <a:fontRef idx="minor">
+            <a:schemeClr val="lt1"/>
+          </a:fontRef>
+        </p:style>
+        <p:txBody>
+          <a:bodyPr rtlCol="0" anchor="ctr"/>
+          <a:lstStyle/>
+          <a:p>
+            <a:pPr algn="ctr"/>
+            <a:endParaRPr lang="ru-RU" sz="1600"/>
+          </a:p>
+        </p:txBody>
+      </p:sp>
+      <p:sp>
+        <p:nvSpPr>
+          <p:cNvPr id="4" name="TextBox 3">
+            <a:extLst>
+              <a:ext uri="{FF2B5EF4-FFF2-40B4-BE49-F238E27FC236}">
+                <a16:creationId xmlns:a16="http://schemas.microsoft.com/office/drawing/2014/main" id="{823411C6-9786-43DE-A24C-1847B689817C}"/>
+              </a:ext>
+            </a:extLst>
+          </p:cNvPr>
+          <p:cNvSpPr txBox="1"/>
+          <p:nvPr/>
+        </p:nvSpPr>
+        <p:spPr>
+          <a:xfrm>
+            <a:off x="8867351" y="376993"/>
+            <a:ext cx="3086948" cy="4278094"/>
+          </a:xfrm>
+          <a:prstGeom prst="rect">
+            <a:avLst/>
+          </a:prstGeom>
+          <a:noFill/>
+        </p:spPr>
+        <p:txBody>
+          <a:bodyPr wrap="square" rtlCol="0">
+            <a:spAutoFit/>
+          </a:bodyPr>
+          <a:lstStyle/>
+          <a:p>
+            <a:pPr marL="342900" indent="-342900">
+              <a:buAutoNum type="arabicPeriod"/>
+            </a:pPr>
+            <a:r>
+              <a:rPr lang="ru-RU" sz="1600" b="1" dirty="0">
+                <a:solidFill>
+                  <a:srgbClr val="FC2828"/>
+                </a:solidFill>
+              </a:rPr>
+              <a:t>О</a:t>
+            </a:r>
+            <a:r>
+              <a:rPr lang="ru-RU" sz="1600" b="1" dirty="0"/>
+              <a:t>трисовка персонажа</a:t>
+            </a:r>
+          </a:p>
+          <a:p>
+            <a:pPr marL="342900" indent="-342900">
+              <a:buAutoNum type="arabicPeriod"/>
+            </a:pPr>
+            <a:endParaRPr lang="ru-RU" sz="1600" b="1" dirty="0">
+              <a:solidFill>
+                <a:srgbClr val="FC2828"/>
+              </a:solidFill>
+            </a:endParaRPr>
+          </a:p>
+          <a:p>
+            <a:r>
+              <a:rPr lang="ru-RU" sz="1600" b="1" dirty="0">
+                <a:solidFill>
+                  <a:srgbClr val="FC2828"/>
+                </a:solidFill>
+              </a:rPr>
+              <a:t>2. </a:t>
+            </a:r>
+            <a:r>
+              <a:rPr lang="ru-RU" sz="1600" b="1" dirty="0"/>
+              <a:t>Отрисовка препятствий-булыжников</a:t>
+            </a:r>
+          </a:p>
+          <a:p>
+            <a:endParaRPr lang="ru-RU" sz="1600" b="1" dirty="0">
+              <a:solidFill>
+                <a:srgbClr val="FC2828"/>
+              </a:solidFill>
+            </a:endParaRPr>
+          </a:p>
+          <a:p>
+            <a:r>
+              <a:rPr lang="ru-RU" sz="1600" b="1" dirty="0">
+                <a:solidFill>
+                  <a:srgbClr val="FC2828"/>
+                </a:solidFill>
+              </a:rPr>
+              <a:t>3. О</a:t>
+            </a:r>
+            <a:r>
+              <a:rPr lang="ru-RU" sz="1600" b="1" dirty="0"/>
+              <a:t>трисовка границ и одного из выхода</a:t>
+            </a:r>
+            <a:r>
+              <a:rPr lang="en-US" sz="1600" b="1" dirty="0"/>
+              <a:t>/</a:t>
+            </a:r>
+            <a:r>
+              <a:rPr lang="ru-RU" sz="1600" b="1" dirty="0"/>
+              <a:t>ов комнаты</a:t>
+            </a:r>
+          </a:p>
+          <a:p>
+            <a:endParaRPr lang="ru-RU" sz="1600" b="1" dirty="0">
+              <a:solidFill>
+                <a:srgbClr val="FC2828"/>
+              </a:solidFill>
+            </a:endParaRPr>
+          </a:p>
+          <a:p>
+            <a:r>
+              <a:rPr lang="ru-RU" sz="1600" b="1" dirty="0">
+                <a:solidFill>
+                  <a:srgbClr val="FC2828"/>
+                </a:solidFill>
+              </a:rPr>
+              <a:t>4. О</a:t>
+            </a:r>
+            <a:r>
+              <a:rPr lang="ru-RU" sz="1600" b="1" dirty="0"/>
+              <a:t>трисовка характеристик персонажа</a:t>
+            </a:r>
+          </a:p>
+          <a:p>
+            <a:endParaRPr lang="ru-RU" sz="1600" b="1" dirty="0">
+              <a:solidFill>
+                <a:srgbClr val="FC2828"/>
+              </a:solidFill>
+            </a:endParaRPr>
+          </a:p>
+          <a:p>
+            <a:r>
+              <a:rPr lang="ru-RU" sz="1600" b="1" dirty="0">
+                <a:solidFill>
+                  <a:srgbClr val="FC2828"/>
+                </a:solidFill>
+              </a:rPr>
+              <a:t>5. О</a:t>
+            </a:r>
+            <a:r>
+              <a:rPr lang="ru-RU" sz="1600" b="1" dirty="0"/>
+              <a:t>трисовка поверхности комнаты</a:t>
+            </a:r>
+          </a:p>
+        </p:txBody>
+      </p:sp>
+      <p:sp>
+        <p:nvSpPr>
+          <p:cNvPr id="7" name="Прямоугольник 6">
+            <a:extLst>
+              <a:ext uri="{FF2B5EF4-FFF2-40B4-BE49-F238E27FC236}">
+                <a16:creationId xmlns:a16="http://schemas.microsoft.com/office/drawing/2014/main" id="{65627677-4562-4AB9-A608-D213684CB880}"/>
+              </a:ext>
+            </a:extLst>
+          </p:cNvPr>
+          <p:cNvSpPr/>
+          <p:nvPr/>
+        </p:nvSpPr>
+        <p:spPr>
+          <a:xfrm rot="10800000">
+            <a:off x="0" y="0"/>
+            <a:ext cx="251936" cy="4908839"/>
+          </a:xfrm>
+          <a:prstGeom prst="rect">
+            <a:avLst/>
+          </a:prstGeom>
+          <a:solidFill>
+            <a:srgbClr val="BEFF7D"/>
+          </a:solidFill>
+          <a:ln>
+            <a:noFill/>
+          </a:ln>
+        </p:spPr>
+        <p:style>
+          <a:lnRef idx="2">
+            <a:schemeClr val="accent1">
+              <a:shade val="50000"/>
+            </a:schemeClr>
+          </a:lnRef>
+          <a:fillRef idx="1">
+            <a:schemeClr val="accent1"/>
+          </a:fillRef>
+          <a:effectRef idx="0">
+            <a:schemeClr val="accent1"/>
+          </a:effectRef>
+          <a:fontRef idx="minor">
+            <a:schemeClr val="lt1"/>
+          </a:fontRef>
+        </p:style>
+        <p:txBody>
+          <a:bodyPr rtlCol="0" anchor="ctr"/>
+          <a:lstStyle/>
+          <a:p>
+            <a:pPr algn="ctr"/>
+            <a:endParaRPr lang="ru-RU"/>
+          </a:p>
+        </p:txBody>
+      </p:sp>
+      <p:sp>
+        <p:nvSpPr>
+          <p:cNvPr id="8" name="Прямоугольник: скругленные углы 7">
+            <a:extLst>
+              <a:ext uri="{FF2B5EF4-FFF2-40B4-BE49-F238E27FC236}">
+                <a16:creationId xmlns:a16="http://schemas.microsoft.com/office/drawing/2014/main" id="{3192B2BA-20D9-4CDD-83FF-1630B8365340}"/>
+              </a:ext>
+            </a:extLst>
+          </p:cNvPr>
+          <p:cNvSpPr/>
+          <p:nvPr/>
+        </p:nvSpPr>
+        <p:spPr>
+          <a:xfrm>
+            <a:off x="251937" y="5450032"/>
+            <a:ext cx="8187213" cy="866775"/>
+          </a:xfrm>
+          <a:prstGeom prst="roundRect">
+            <a:avLst/>
+          </a:prstGeom>
+          <a:solidFill>
+            <a:srgbClr val="BEFF7D"/>
+          </a:solidFill>
+          <a:ln>
+            <a:noFill/>
+          </a:ln>
+        </p:spPr>
+        <p:style>
+          <a:lnRef idx="2">
+            <a:schemeClr val="accent1">
+              <a:shade val="50000"/>
+            </a:schemeClr>
+          </a:lnRef>
+          <a:fillRef idx="1">
+            <a:schemeClr val="accent1"/>
+          </a:fillRef>
+          <a:effectRef idx="0">
+            <a:schemeClr val="accent1"/>
+          </a:effectRef>
+          <a:fontRef idx="minor">
+            <a:schemeClr val="lt1"/>
+          </a:fontRef>
+        </p:style>
+        <p:txBody>
+          <a:bodyPr rtlCol="0" anchor="ctr"/>
+          <a:lstStyle/>
+          <a:p>
+            <a:pPr algn="ctr"/>
+            <a:endParaRPr lang="ru-RU"/>
+          </a:p>
+        </p:txBody>
+      </p:sp>
+      <p:sp>
+        <p:nvSpPr>
+          <p:cNvPr id="9" name="TextBox 8">
+            <a:extLst>
+              <a:ext uri="{FF2B5EF4-FFF2-40B4-BE49-F238E27FC236}">
+                <a16:creationId xmlns:a16="http://schemas.microsoft.com/office/drawing/2014/main" id="{FFAD9E52-2130-4C98-AB90-9A0D59B8FC1A}"/>
+              </a:ext>
+            </a:extLst>
+          </p:cNvPr>
+          <p:cNvSpPr txBox="1"/>
+          <p:nvPr/>
+        </p:nvSpPr>
+        <p:spPr>
+          <a:xfrm>
+            <a:off x="377906" y="5726120"/>
+            <a:ext cx="3010856" cy="338554"/>
+          </a:xfrm>
+          <a:prstGeom prst="rect">
+            <a:avLst/>
+          </a:prstGeom>
+          <a:noFill/>
+        </p:spPr>
+        <p:txBody>
+          <a:bodyPr wrap="square">
+            <a:spAutoFit/>
+          </a:bodyPr>
+          <a:lstStyle/>
+          <a:p>
+            <a:pPr algn="ctr"/>
+            <a:r>
+              <a:rPr lang="ru-RU" sz="1600" b="1" dirty="0">
+                <a:solidFill>
+                  <a:schemeClr val="tx1"/>
+                </a:solidFill>
+              </a:rPr>
+              <a:t>Элементы интерфейса</a:t>
+            </a:r>
+          </a:p>
+        </p:txBody>
+      </p:sp>
+      <p:pic>
+        <p:nvPicPr>
+          <p:cNvPr id="10" name="Рисунок 9">
+            <a:extLst>
+              <a:ext uri="{FF2B5EF4-FFF2-40B4-BE49-F238E27FC236}">
+                <a16:creationId xmlns:a16="http://schemas.microsoft.com/office/drawing/2014/main" id="{21C0362F-6736-BCCA-AF2E-904EB783E2C7}"/>
+              </a:ext>
+            </a:extLst>
+          </p:cNvPr>
+          <p:cNvPicPr>
+            <a:picLocks noChangeAspect="1"/>
+          </p:cNvPicPr>
+          <p:nvPr/>
+        </p:nvPicPr>
+        <p:blipFill>
+          <a:blip r:embed="rId2"/>
+          <a:stretch>
+            <a:fillRect/>
+          </a:stretch>
+        </p:blipFill>
+        <p:spPr>
+          <a:xfrm>
+            <a:off x="252674" y="251936"/>
+            <a:ext cx="8380362" cy="4624124"/>
+          </a:xfrm>
+          <a:prstGeom prst="rect">
+            <a:avLst/>
+          </a:prstGeom>
+        </p:spPr>
+      </p:pic>
+      <p:grpSp>
+        <p:nvGrpSpPr>
+          <p:cNvPr id="15" name="Группа 14">
+            <a:extLst>
+              <a:ext uri="{FF2B5EF4-FFF2-40B4-BE49-F238E27FC236}">
+                <a16:creationId xmlns:a16="http://schemas.microsoft.com/office/drawing/2014/main" id="{63C211C0-DC92-4A99-4006-6AC4E8D1BFBD}"/>
+              </a:ext>
+            </a:extLst>
+          </p:cNvPr>
+          <p:cNvGrpSpPr/>
+          <p:nvPr/>
+        </p:nvGrpSpPr>
+        <p:grpSpPr>
+          <a:xfrm>
+            <a:off x="4109552" y="2516040"/>
+            <a:ext cx="96840" cy="217800"/>
+            <a:chOff x="4109552" y="2516040"/>
+            <a:chExt cx="96840" cy="217800"/>
+          </a:xfrm>
+        </p:grpSpPr>
+        <mc:AlternateContent xmlns:mc="http://schemas.openxmlformats.org/markup-compatibility/2006">
+          <mc:Choice xmlns:p14="http://schemas.microsoft.com/office/powerpoint/2010/main" Requires="p14">
+            <p:contentPart p14:bwMode="auto" r:id="rId3">
+              <p14:nvContentPartPr>
+                <p14:cNvPr id="11" name="Рукописный ввод 10">
+                  <a:extLst>
+                    <a:ext uri="{FF2B5EF4-FFF2-40B4-BE49-F238E27FC236}">
+                      <a16:creationId xmlns:a16="http://schemas.microsoft.com/office/drawing/2014/main" id="{B290E068-44C7-E5A0-DE8F-5A69B4B5C5F6}"/>
+                    </a:ext>
+                  </a:extLst>
+                </p14:cNvPr>
+                <p14:cNvContentPartPr/>
+                <p14:nvPr/>
+              </p14:nvContentPartPr>
+              <p14:xfrm>
+                <a:off x="4109552" y="2516040"/>
+                <a:ext cx="58680" cy="207360"/>
+              </p14:xfrm>
+            </p:contentPart>
+          </mc:Choice>
+          <mc:Fallback>
+            <p:pic>
+              <p:nvPicPr>
+                <p:cNvPr id="11" name="Рукописный ввод 10">
+                  <a:extLst>
+                    <a:ext uri="{FF2B5EF4-FFF2-40B4-BE49-F238E27FC236}">
+                      <a16:creationId xmlns:a16="http://schemas.microsoft.com/office/drawing/2014/main" id="{B290E068-44C7-E5A0-DE8F-5A69B4B5C5F6}"/>
+                    </a:ext>
+                  </a:extLst>
+                </p:cNvPr>
+                <p:cNvPicPr/>
+                <p:nvPr/>
+              </p:nvPicPr>
+              <p:blipFill>
+                <a:blip r:embed="rId4"/>
+                <a:stretch>
+                  <a:fillRect/>
+                </a:stretch>
+              </p:blipFill>
+              <p:spPr>
+                <a:xfrm>
+                  <a:off x="4100912" y="2507400"/>
+                  <a:ext cx="76320" cy="225000"/>
+                </a:xfrm>
+                <a:prstGeom prst="rect">
+                  <a:avLst/>
+                </a:prstGeom>
+              </p:spPr>
+            </p:pic>
+          </mc:Fallback>
+        </mc:AlternateContent>
+        <mc:AlternateContent xmlns:mc="http://schemas.openxmlformats.org/markup-compatibility/2006">
+          <mc:Choice xmlns:p14="http://schemas.microsoft.com/office/powerpoint/2010/main" Requires="p14">
+            <p:contentPart p14:bwMode="auto" r:id="rId5">
+              <p14:nvContentPartPr>
+                <p14:cNvPr id="13" name="Рукописный ввод 12">
+                  <a:extLst>
+                    <a:ext uri="{FF2B5EF4-FFF2-40B4-BE49-F238E27FC236}">
+                      <a16:creationId xmlns:a16="http://schemas.microsoft.com/office/drawing/2014/main" id="{58635D88-F3E3-DBAA-5C5C-DCF7B9F46C1D}"/>
+                    </a:ext>
+                  </a:extLst>
+                </p14:cNvPr>
+                <p14:cNvContentPartPr/>
+                <p14:nvPr/>
+              </p14:nvContentPartPr>
+              <p14:xfrm>
+                <a:off x="4196312" y="2733480"/>
+                <a:ext cx="10080" cy="360"/>
+              </p14:xfrm>
+            </p:contentPart>
+          </mc:Choice>
+          <mc:Fallback>
+            <p:pic>
+              <p:nvPicPr>
+                <p:cNvPr id="13" name="Рукописный ввод 12">
+                  <a:extLst>
+                    <a:ext uri="{FF2B5EF4-FFF2-40B4-BE49-F238E27FC236}">
+                      <a16:creationId xmlns:a16="http://schemas.microsoft.com/office/drawing/2014/main" id="{58635D88-F3E3-DBAA-5C5C-DCF7B9F46C1D}"/>
+                    </a:ext>
+                  </a:extLst>
+                </p:cNvPr>
+                <p:cNvPicPr/>
+                <p:nvPr/>
+              </p:nvPicPr>
+              <p:blipFill>
+                <a:blip r:embed="rId6"/>
+                <a:stretch>
+                  <a:fillRect/>
+                </a:stretch>
+              </p:blipFill>
+              <p:spPr>
+                <a:xfrm>
+                  <a:off x="4187312" y="2724480"/>
+                  <a:ext cx="27720" cy="18000"/>
+                </a:xfrm>
+                <a:prstGeom prst="rect">
+                  <a:avLst/>
+                </a:prstGeom>
+              </p:spPr>
+            </p:pic>
+          </mc:Fallback>
+        </mc:AlternateContent>
+      </p:grpSp>
+      <p:grpSp>
+        <p:nvGrpSpPr>
+          <p:cNvPr id="19" name="Группа 18">
+            <a:extLst>
+              <a:ext uri="{FF2B5EF4-FFF2-40B4-BE49-F238E27FC236}">
+                <a16:creationId xmlns:a16="http://schemas.microsoft.com/office/drawing/2014/main" id="{D6DA7E43-AEDC-F8D0-F321-F53894F2D5FA}"/>
+              </a:ext>
+            </a:extLst>
+          </p:cNvPr>
+          <p:cNvGrpSpPr/>
+          <p:nvPr/>
+        </p:nvGrpSpPr>
+        <p:grpSpPr>
+          <a:xfrm>
+            <a:off x="2745872" y="1579320"/>
+            <a:ext cx="235080" cy="202680"/>
+            <a:chOff x="2745872" y="1579320"/>
+            <a:chExt cx="235080" cy="202680"/>
+          </a:xfrm>
+        </p:grpSpPr>
+        <mc:AlternateContent xmlns:mc="http://schemas.openxmlformats.org/markup-compatibility/2006">
+          <mc:Choice xmlns:p14="http://schemas.microsoft.com/office/powerpoint/2010/main" Requires="p14">
+            <p:contentPart p14:bwMode="auto" r:id="rId7">
+              <p14:nvContentPartPr>
+                <p14:cNvPr id="17" name="Рукописный ввод 16">
+                  <a:extLst>
+                    <a:ext uri="{FF2B5EF4-FFF2-40B4-BE49-F238E27FC236}">
+                      <a16:creationId xmlns:a16="http://schemas.microsoft.com/office/drawing/2014/main" id="{0438B6F6-3FE3-EE8B-A7AE-71749C7ACC70}"/>
+                    </a:ext>
+                  </a:extLst>
+                </p14:cNvPr>
+                <p14:cNvContentPartPr/>
+                <p14:nvPr/>
+              </p14:nvContentPartPr>
+              <p14:xfrm>
+                <a:off x="2745872" y="1579320"/>
+                <a:ext cx="235080" cy="202680"/>
+              </p14:xfrm>
+            </p:contentPart>
+          </mc:Choice>
+          <mc:Fallback>
+            <p:pic>
+              <p:nvPicPr>
+                <p:cNvPr id="17" name="Рукописный ввод 16">
+                  <a:extLst>
+                    <a:ext uri="{FF2B5EF4-FFF2-40B4-BE49-F238E27FC236}">
+                      <a16:creationId xmlns:a16="http://schemas.microsoft.com/office/drawing/2014/main" id="{0438B6F6-3FE3-EE8B-A7AE-71749C7ACC70}"/>
+                    </a:ext>
+                  </a:extLst>
+                </p:cNvPr>
+                <p:cNvPicPr/>
+                <p:nvPr/>
+              </p:nvPicPr>
+              <p:blipFill>
+                <a:blip r:embed="rId8"/>
+                <a:stretch>
+                  <a:fillRect/>
+                </a:stretch>
+              </p:blipFill>
+              <p:spPr>
+                <a:xfrm>
+                  <a:off x="2737232" y="1570320"/>
+                  <a:ext cx="252720" cy="220320"/>
+                </a:xfrm>
+                <a:prstGeom prst="rect">
+                  <a:avLst/>
+                </a:prstGeom>
+              </p:spPr>
+            </p:pic>
+          </mc:Fallback>
+        </mc:AlternateContent>
+        <mc:AlternateContent xmlns:mc="http://schemas.openxmlformats.org/markup-compatibility/2006">
+          <mc:Choice xmlns:p14="http://schemas.microsoft.com/office/powerpoint/2010/main" Requires="p14">
+            <p:contentPart p14:bwMode="auto" r:id="rId9">
+              <p14:nvContentPartPr>
+                <p14:cNvPr id="18" name="Рукописный ввод 17">
+                  <a:extLst>
+                    <a:ext uri="{FF2B5EF4-FFF2-40B4-BE49-F238E27FC236}">
+                      <a16:creationId xmlns:a16="http://schemas.microsoft.com/office/drawing/2014/main" id="{44ED088A-7645-0D61-86E9-3A038B8381A8}"/>
+                    </a:ext>
+                  </a:extLst>
+                </p14:cNvPr>
+                <p14:cNvContentPartPr/>
+                <p14:nvPr/>
+              </p14:nvContentPartPr>
+              <p14:xfrm>
+                <a:off x="2954672" y="1780200"/>
+                <a:ext cx="360" cy="360"/>
+              </p14:xfrm>
+            </p:contentPart>
+          </mc:Choice>
+          <mc:Fallback>
+            <p:pic>
+              <p:nvPicPr>
+                <p:cNvPr id="18" name="Рукописный ввод 17">
+                  <a:extLst>
+                    <a:ext uri="{FF2B5EF4-FFF2-40B4-BE49-F238E27FC236}">
+                      <a16:creationId xmlns:a16="http://schemas.microsoft.com/office/drawing/2014/main" id="{44ED088A-7645-0D61-86E9-3A038B8381A8}"/>
+                    </a:ext>
+                  </a:extLst>
+                </p:cNvPr>
+                <p:cNvPicPr/>
+                <p:nvPr/>
+              </p:nvPicPr>
+              <p:blipFill>
+                <a:blip r:embed="rId10"/>
+                <a:stretch>
+                  <a:fillRect/>
+                </a:stretch>
+              </p:blipFill>
+              <p:spPr>
+                <a:xfrm>
+                  <a:off x="2945672" y="1771560"/>
+                  <a:ext cx="18000" cy="18000"/>
+                </a:xfrm>
+                <a:prstGeom prst="rect">
+                  <a:avLst/>
+                </a:prstGeom>
+              </p:spPr>
+            </p:pic>
+          </mc:Fallback>
+        </mc:AlternateContent>
+      </p:grpSp>
+      <p:grpSp>
+        <p:nvGrpSpPr>
+          <p:cNvPr id="22" name="Группа 21">
+            <a:extLst>
+              <a:ext uri="{FF2B5EF4-FFF2-40B4-BE49-F238E27FC236}">
+                <a16:creationId xmlns:a16="http://schemas.microsoft.com/office/drawing/2014/main" id="{38C74FB5-2828-AFFB-CFED-E6DCC3D6806A}"/>
+              </a:ext>
+            </a:extLst>
+          </p:cNvPr>
+          <p:cNvGrpSpPr/>
+          <p:nvPr/>
+        </p:nvGrpSpPr>
+        <p:grpSpPr>
+          <a:xfrm>
+            <a:off x="3839912" y="518760"/>
+            <a:ext cx="260640" cy="118080"/>
+            <a:chOff x="3839912" y="518760"/>
+            <a:chExt cx="260640" cy="118080"/>
+          </a:xfrm>
+        </p:grpSpPr>
+        <mc:AlternateContent xmlns:mc="http://schemas.openxmlformats.org/markup-compatibility/2006">
+          <mc:Choice xmlns:p14="http://schemas.microsoft.com/office/powerpoint/2010/main" Requires="p14">
+            <p:contentPart p14:bwMode="auto" r:id="rId11">
+              <p14:nvContentPartPr>
+                <p14:cNvPr id="20" name="Рукописный ввод 19">
+                  <a:extLst>
+                    <a:ext uri="{FF2B5EF4-FFF2-40B4-BE49-F238E27FC236}">
+                      <a16:creationId xmlns:a16="http://schemas.microsoft.com/office/drawing/2014/main" id="{531CB90B-A6EE-59D5-31FB-DD1ADCCFC0F2}"/>
+                    </a:ext>
+                  </a:extLst>
+                </p14:cNvPr>
+                <p14:cNvContentPartPr/>
+                <p14:nvPr/>
+              </p14:nvContentPartPr>
+              <p14:xfrm>
+                <a:off x="3839912" y="518760"/>
+                <a:ext cx="172080" cy="118080"/>
+              </p14:xfrm>
+            </p:contentPart>
+          </mc:Choice>
+          <mc:Fallback>
+            <p:pic>
+              <p:nvPicPr>
+                <p:cNvPr id="20" name="Рукописный ввод 19">
+                  <a:extLst>
+                    <a:ext uri="{FF2B5EF4-FFF2-40B4-BE49-F238E27FC236}">
+                      <a16:creationId xmlns:a16="http://schemas.microsoft.com/office/drawing/2014/main" id="{531CB90B-A6EE-59D5-31FB-DD1ADCCFC0F2}"/>
+                    </a:ext>
+                  </a:extLst>
+                </p:cNvPr>
+                <p:cNvPicPr/>
+                <p:nvPr/>
+              </p:nvPicPr>
+              <p:blipFill>
+                <a:blip r:embed="rId12"/>
+                <a:stretch>
+                  <a:fillRect/>
+                </a:stretch>
+              </p:blipFill>
+              <p:spPr>
+                <a:xfrm>
+                  <a:off x="3831272" y="509760"/>
+                  <a:ext cx="189720" cy="135720"/>
+                </a:xfrm>
+                <a:prstGeom prst="rect">
+                  <a:avLst/>
+                </a:prstGeom>
+              </p:spPr>
+            </p:pic>
+          </mc:Fallback>
+        </mc:AlternateContent>
+        <mc:AlternateContent xmlns:mc="http://schemas.openxmlformats.org/markup-compatibility/2006">
+          <mc:Choice xmlns:p14="http://schemas.microsoft.com/office/powerpoint/2010/main" Requires="p14">
+            <p:contentPart p14:bwMode="auto" r:id="rId13">
+              <p14:nvContentPartPr>
+                <p14:cNvPr id="21" name="Рукописный ввод 20">
+                  <a:extLst>
+                    <a:ext uri="{FF2B5EF4-FFF2-40B4-BE49-F238E27FC236}">
+                      <a16:creationId xmlns:a16="http://schemas.microsoft.com/office/drawing/2014/main" id="{DAFE8B68-1195-4963-514A-C76C6CC95450}"/>
+                    </a:ext>
+                  </a:extLst>
+                </p14:cNvPr>
+                <p14:cNvContentPartPr/>
+                <p14:nvPr/>
+              </p14:nvContentPartPr>
+              <p14:xfrm>
+                <a:off x="4100192" y="615600"/>
+                <a:ext cx="360" cy="360"/>
+              </p14:xfrm>
+            </p:contentPart>
+          </mc:Choice>
+          <mc:Fallback>
+            <p:pic>
+              <p:nvPicPr>
+                <p:cNvPr id="21" name="Рукописный ввод 20">
+                  <a:extLst>
+                    <a:ext uri="{FF2B5EF4-FFF2-40B4-BE49-F238E27FC236}">
+                      <a16:creationId xmlns:a16="http://schemas.microsoft.com/office/drawing/2014/main" id="{DAFE8B68-1195-4963-514A-C76C6CC95450}"/>
+                    </a:ext>
+                  </a:extLst>
+                </p:cNvPr>
+                <p:cNvPicPr/>
+                <p:nvPr/>
+              </p:nvPicPr>
+              <p:blipFill>
+                <a:blip r:embed="rId10"/>
+                <a:stretch>
+                  <a:fillRect/>
+                </a:stretch>
+              </p:blipFill>
+              <p:spPr>
+                <a:xfrm>
+                  <a:off x="4091192" y="606960"/>
+                  <a:ext cx="18000" cy="18000"/>
+                </a:xfrm>
+                <a:prstGeom prst="rect">
+                  <a:avLst/>
+                </a:prstGeom>
+              </p:spPr>
+            </p:pic>
+          </mc:Fallback>
+        </mc:AlternateContent>
+      </p:grpSp>
+      <mc:AlternateContent xmlns:mc="http://schemas.openxmlformats.org/markup-compatibility/2006">
+        <mc:Choice xmlns:p14="http://schemas.microsoft.com/office/powerpoint/2010/main" Requires="p14">
+          <p:contentPart p14:bwMode="auto" r:id="rId14">
+            <p14:nvContentPartPr>
+              <p14:cNvPr id="24" name="Рукописный ввод 23">
+                <a:extLst>
+                  <a:ext uri="{FF2B5EF4-FFF2-40B4-BE49-F238E27FC236}">
+                    <a16:creationId xmlns:a16="http://schemas.microsoft.com/office/drawing/2014/main" id="{6408153B-98DD-F883-5E25-1D897279A960}"/>
+                  </a:ext>
+                </a:extLst>
+              </p14:cNvPr>
+              <p14:cNvContentPartPr/>
+              <p14:nvPr/>
+            </p14:nvContentPartPr>
+            <p14:xfrm>
+              <a:off x="307592" y="490680"/>
+              <a:ext cx="108360" cy="231120"/>
+            </p14:xfrm>
+          </p:contentPart>
+        </mc:Choice>
+        <mc:Fallback>
+          <p:pic>
+            <p:nvPicPr>
+              <p:cNvPr id="24" name="Рукописный ввод 23">
+                <a:extLst>
+                  <a:ext uri="{FF2B5EF4-FFF2-40B4-BE49-F238E27FC236}">
+                    <a16:creationId xmlns:a16="http://schemas.microsoft.com/office/drawing/2014/main" id="{6408153B-98DD-F883-5E25-1D897279A960}"/>
+                  </a:ext>
+                </a:extLst>
+              </p:cNvPr>
+              <p:cNvPicPr/>
+              <p:nvPr/>
+            </p:nvPicPr>
+            <p:blipFill>
+              <a:blip r:embed="rId15"/>
+              <a:stretch>
+                <a:fillRect/>
+              </a:stretch>
+            </p:blipFill>
+            <p:spPr>
+              <a:xfrm>
+                <a:off x="298592" y="481680"/>
+                <a:ext cx="126000" cy="248760"/>
+              </a:xfrm>
+              <a:prstGeom prst="rect">
+                <a:avLst/>
+              </a:prstGeom>
+            </p:spPr>
+          </p:pic>
+        </mc:Fallback>
+      </mc:AlternateContent>
+      <p:grpSp>
+        <p:nvGrpSpPr>
+          <p:cNvPr id="27" name="Группа 26">
+            <a:extLst>
+              <a:ext uri="{FF2B5EF4-FFF2-40B4-BE49-F238E27FC236}">
+                <a16:creationId xmlns:a16="http://schemas.microsoft.com/office/drawing/2014/main" id="{8C934E43-2604-818F-98FD-94E71D224A5B}"/>
+              </a:ext>
+            </a:extLst>
+          </p:cNvPr>
+          <p:cNvGrpSpPr/>
+          <p:nvPr/>
+        </p:nvGrpSpPr>
+        <p:grpSpPr>
+          <a:xfrm>
+            <a:off x="7087112" y="2723400"/>
+            <a:ext cx="129960" cy="176040"/>
+            <a:chOff x="7087112" y="2723400"/>
+            <a:chExt cx="129960" cy="176040"/>
+          </a:xfrm>
+        </p:grpSpPr>
+        <mc:AlternateContent xmlns:mc="http://schemas.openxmlformats.org/markup-compatibility/2006">
+          <mc:Choice xmlns:p14="http://schemas.microsoft.com/office/powerpoint/2010/main" Requires="p14">
+            <p:contentPart p14:bwMode="auto" r:id="rId16">
+              <p14:nvContentPartPr>
+                <p14:cNvPr id="25" name="Рукописный ввод 24">
+                  <a:extLst>
+                    <a:ext uri="{FF2B5EF4-FFF2-40B4-BE49-F238E27FC236}">
+                      <a16:creationId xmlns:a16="http://schemas.microsoft.com/office/drawing/2014/main" id="{EEF43601-1D89-9256-0FEC-5F2DA6238B36}"/>
+                    </a:ext>
+                  </a:extLst>
+                </p14:cNvPr>
+                <p14:cNvContentPartPr/>
+                <p14:nvPr/>
+              </p14:nvContentPartPr>
+              <p14:xfrm>
+                <a:off x="7087112" y="2733480"/>
+                <a:ext cx="106560" cy="165960"/>
+              </p14:xfrm>
+            </p:contentPart>
+          </mc:Choice>
+          <mc:Fallback>
+            <p:pic>
+              <p:nvPicPr>
+                <p:cNvPr id="25" name="Рукописный ввод 24">
+                  <a:extLst>
+                    <a:ext uri="{FF2B5EF4-FFF2-40B4-BE49-F238E27FC236}">
+                      <a16:creationId xmlns:a16="http://schemas.microsoft.com/office/drawing/2014/main" id="{EEF43601-1D89-9256-0FEC-5F2DA6238B36}"/>
+                    </a:ext>
+                  </a:extLst>
+                </p:cNvPr>
+                <p:cNvPicPr/>
+                <p:nvPr/>
+              </p:nvPicPr>
+              <p:blipFill>
+                <a:blip r:embed="rId17"/>
+                <a:stretch>
+                  <a:fillRect/>
+                </a:stretch>
+              </p:blipFill>
+              <p:spPr>
+                <a:xfrm>
+                  <a:off x="7078112" y="2724480"/>
+                  <a:ext cx="124200" cy="183600"/>
+                </a:xfrm>
+                <a:prstGeom prst="rect">
+                  <a:avLst/>
+                </a:prstGeom>
+              </p:spPr>
+            </p:pic>
+          </mc:Fallback>
+        </mc:AlternateContent>
+        <mc:AlternateContent xmlns:mc="http://schemas.openxmlformats.org/markup-compatibility/2006">
+          <mc:Choice xmlns:p14="http://schemas.microsoft.com/office/powerpoint/2010/main" Requires="p14">
+            <p:contentPart p14:bwMode="auto" r:id="rId18">
+              <p14:nvContentPartPr>
+                <p14:cNvPr id="26" name="Рукописный ввод 25">
+                  <a:extLst>
+                    <a:ext uri="{FF2B5EF4-FFF2-40B4-BE49-F238E27FC236}">
+                      <a16:creationId xmlns:a16="http://schemas.microsoft.com/office/drawing/2014/main" id="{642A36C1-CFA5-DC2B-6FA5-B0450BB0C958}"/>
+                    </a:ext>
+                  </a:extLst>
+                </p14:cNvPr>
+                <p14:cNvContentPartPr/>
+                <p14:nvPr/>
+              </p14:nvContentPartPr>
+              <p14:xfrm>
+                <a:off x="7151192" y="2723400"/>
+                <a:ext cx="65880" cy="360"/>
+              </p14:xfrm>
+            </p:contentPart>
+          </mc:Choice>
+          <mc:Fallback>
+            <p:pic>
+              <p:nvPicPr>
+                <p:cNvPr id="26" name="Рукописный ввод 25">
+                  <a:extLst>
+                    <a:ext uri="{FF2B5EF4-FFF2-40B4-BE49-F238E27FC236}">
+                      <a16:creationId xmlns:a16="http://schemas.microsoft.com/office/drawing/2014/main" id="{642A36C1-CFA5-DC2B-6FA5-B0450BB0C958}"/>
+                    </a:ext>
+                  </a:extLst>
+                </p:cNvPr>
+                <p:cNvPicPr/>
+                <p:nvPr/>
+              </p:nvPicPr>
+              <p:blipFill>
+                <a:blip r:embed="rId19"/>
+                <a:stretch>
+                  <a:fillRect/>
+                </a:stretch>
+              </p:blipFill>
+              <p:spPr>
+                <a:xfrm>
+                  <a:off x="7142552" y="2714760"/>
+                  <a:ext cx="83520" cy="18000"/>
+                </a:xfrm>
+                <a:prstGeom prst="rect">
+                  <a:avLst/>
+                </a:prstGeom>
+              </p:spPr>
+            </p:pic>
+          </mc:Fallback>
+        </mc:AlternateContent>
+      </p:grpSp>
+    </p:spTree>
+    <p:extLst>
+      <p:ext uri="{BB962C8B-B14F-4D97-AF65-F5344CB8AC3E}">
+        <p14:creationId xmlns:p14="http://schemas.microsoft.com/office/powerpoint/2010/main" val="1656913008"/>
+      </p:ext>
+    </p:extLst>
+  </p:cSld>
+  <p:clrMapOvr>
+    <a:masterClrMapping/>
+  </p:clrMapOvr>
+</p:sld>
+</file>
+
+<file path=ppt/slides/slide5.xml><?xml version="1.0" encoding="utf-8"?>
+<p:sld xmlns:a="http://schemas.openxmlformats.org/drawingml/2006/main" xmlns:r="http://schemas.openxmlformats.org/officeDocument/2006/relationships" xmlns:p="http://schemas.openxmlformats.org/presentationml/2006/main">
+  <p:cSld>
+    <p:spTree>
+      <p:nvGrpSpPr>
+        <p:cNvPr id="1" name=""/>
+        <p:cNvGrpSpPr/>
+        <p:nvPr/>
+      </p:nvGrpSpPr>
+      <p:grpSpPr>
+        <a:xfrm>
+          <a:off x="0" y="0"/>
+          <a:ext cx="0" cy="0"/>
+          <a:chOff x="0" y="0"/>
+          <a:chExt cx="0" cy="0"/>
+        </a:xfrm>
+      </p:grpSpPr>
+      <p:sp>
+        <p:nvSpPr>
+          <p:cNvPr id="7" name="Прямоугольник 6">
+            <a:extLst>
+              <a:ext uri="{FF2B5EF4-FFF2-40B4-BE49-F238E27FC236}">
+                <a16:creationId xmlns:a16="http://schemas.microsoft.com/office/drawing/2014/main" id="{AA90CD0C-FCA2-420C-A2BB-26E51F573E33}"/>
+              </a:ext>
+            </a:extLst>
+          </p:cNvPr>
+          <p:cNvSpPr/>
+          <p:nvPr/>
+        </p:nvSpPr>
+        <p:spPr>
+          <a:xfrm>
+            <a:off x="1738310" y="2255881"/>
+            <a:ext cx="2181225" cy="3078119"/>
+          </a:xfrm>
+          <a:prstGeom prst="rect">
+            <a:avLst/>
+          </a:prstGeom>
+          <a:solidFill>
+            <a:srgbClr val="964B00"/>
+          </a:solidFill>
+          <a:ln>
+            <a:noFill/>
+          </a:ln>
+        </p:spPr>
+        <p:style>
+          <a:lnRef idx="2">
+            <a:schemeClr val="accent1">
+              <a:shade val="50000"/>
+            </a:schemeClr>
+          </a:lnRef>
+          <a:fillRef idx="1">
+            <a:schemeClr val="accent1"/>
+          </a:fillRef>
+          <a:effectRef idx="0">
+            <a:schemeClr val="accent1"/>
+          </a:effectRef>
+          <a:fontRef idx="minor">
+            <a:schemeClr val="lt1"/>
+          </a:fontRef>
+        </p:style>
+        <p:txBody>
+          <a:bodyPr rtlCol="0" anchor="ctr"/>
+          <a:lstStyle/>
+          <a:p>
+            <a:pPr algn="ctr"/>
+            <a:endParaRPr lang="ru-RU"/>
+          </a:p>
+        </p:txBody>
+      </p:sp>
+      <p:sp>
+        <p:nvSpPr>
+          <p:cNvPr id="6" name="Овал 5">
+            <a:extLst>
+              <a:ext uri="{FF2B5EF4-FFF2-40B4-BE49-F238E27FC236}">
+                <a16:creationId xmlns:a16="http://schemas.microsoft.com/office/drawing/2014/main" id="{594BF894-7E8C-40C6-80FD-2037B4C97F19}"/>
+              </a:ext>
+            </a:extLst>
+          </p:cNvPr>
+          <p:cNvSpPr/>
+          <p:nvPr/>
+        </p:nvSpPr>
+        <p:spPr>
+          <a:xfrm>
+            <a:off x="-2576515" y="-3505200"/>
+            <a:ext cx="11710989" cy="5391150"/>
+          </a:xfrm>
+          <a:prstGeom prst="ellipse">
+            <a:avLst/>
+          </a:prstGeom>
+          <a:solidFill>
+            <a:srgbClr val="BEFF7D"/>
+          </a:solidFill>
+          <a:ln>
+            <a:noFill/>
+          </a:ln>
+        </p:spPr>
+        <p:style>
+          <a:lnRef idx="2">
+            <a:schemeClr val="accent1">
+              <a:shade val="50000"/>
+            </a:schemeClr>
+          </a:lnRef>
+          <a:fillRef idx="1">
+            <a:schemeClr val="accent1"/>
+          </a:fillRef>
+          <a:effectRef idx="0">
+            <a:schemeClr val="accent1"/>
+          </a:effectRef>
+          <a:fontRef idx="minor">
+            <a:schemeClr val="lt1"/>
+          </a:fontRef>
+        </p:style>
+        <p:txBody>
+          <a:bodyPr rtlCol="0" anchor="ctr"/>
+          <a:lstStyle/>
+          <a:p>
+            <a:pPr algn="ctr"/>
+            <a:endParaRPr lang="ru-RU"/>
+          </a:p>
+        </p:txBody>
+      </p:sp>
+      <p:sp>
+        <p:nvSpPr>
+          <p:cNvPr id="3" name="TextBox 2">
+            <a:extLst>
+              <a:ext uri="{FF2B5EF4-FFF2-40B4-BE49-F238E27FC236}">
+                <a16:creationId xmlns:a16="http://schemas.microsoft.com/office/drawing/2014/main" id="{1AE036C0-062B-4444-8E0B-7F3FE1F83B63}"/>
+              </a:ext>
+            </a:extLst>
+          </p:cNvPr>
+          <p:cNvSpPr txBox="1"/>
+          <p:nvPr/>
+        </p:nvSpPr>
+        <p:spPr>
+          <a:xfrm>
+            <a:off x="1857373" y="2616317"/>
+            <a:ext cx="1943101" cy="2357248"/>
+          </a:xfrm>
+          <a:prstGeom prst="rect">
+            <a:avLst/>
+          </a:prstGeom>
+          <a:noFill/>
+        </p:spPr>
+        <p:txBody>
+          <a:bodyPr wrap="square">
+            <a:spAutoFit/>
+          </a:bodyPr>
+          <a:lstStyle/>
+          <a:p>
+            <a:pPr marL="342900" lvl="0" indent="-342900" algn="just">
+              <a:lnSpc>
+                <a:spcPct val="107000"/>
+              </a:lnSpc>
+              <a:spcAft>
+                <a:spcPts val="800"/>
+              </a:spcAft>
+              <a:buFont typeface="Wingdings" panose="05000000000000000000" pitchFamily="2" charset="2"/>
+              <a:buChar char="§"/>
+            </a:pPr>
+            <a:r>
+              <a:rPr lang="en-US" sz="1800" b="1" dirty="0">
+                <a:effectLst/>
+                <a:latin typeface="Verdana" panose="020B0604030504040204" pitchFamily="34" charset="0"/>
+                <a:ea typeface="Verdana" panose="020B0604030504040204" pitchFamily="34" charset="0"/>
+                <a:cs typeface="Times New Roman" panose="02020603050405020304" pitchFamily="18" charset="0"/>
+              </a:rPr>
+              <a:t>Pygame</a:t>
+            </a:r>
+            <a:endParaRPr lang="ru-RU" sz="1800" b="1" dirty="0">
+              <a:effectLst/>
+              <a:latin typeface="Verdana" panose="020B0604030504040204" pitchFamily="34" charset="0"/>
+              <a:ea typeface="Verdana" panose="020B0604030504040204" pitchFamily="34" charset="0"/>
+              <a:cs typeface="Times New Roman" panose="02020603050405020304" pitchFamily="18" charset="0"/>
+            </a:endParaRPr>
+          </a:p>
+          <a:p>
+            <a:pPr marL="342900" lvl="0" indent="-342900" algn="just">
+              <a:lnSpc>
+                <a:spcPct val="107000"/>
+              </a:lnSpc>
+              <a:spcAft>
+                <a:spcPts val="800"/>
+              </a:spcAft>
+              <a:buFont typeface="Wingdings" panose="05000000000000000000" pitchFamily="2" charset="2"/>
+              <a:buChar char="§"/>
+            </a:pPr>
+            <a:r>
+              <a:rPr lang="en-US" sz="1800" b="1" dirty="0">
+                <a:effectLst/>
+                <a:latin typeface="Verdana" panose="020B0604030504040204" pitchFamily="34" charset="0"/>
+                <a:ea typeface="Verdana" panose="020B0604030504040204" pitchFamily="34" charset="0"/>
+                <a:cs typeface="Times New Roman" panose="02020603050405020304" pitchFamily="18" charset="0"/>
+              </a:rPr>
+              <a:t>sys </a:t>
+            </a:r>
+            <a:r>
+              <a:rPr lang="ru-RU" sz="1800" b="1" dirty="0">
+                <a:effectLst/>
+                <a:latin typeface="Verdana" panose="020B0604030504040204" pitchFamily="34" charset="0"/>
+                <a:ea typeface="Verdana" panose="020B0604030504040204" pitchFamily="34" charset="0"/>
+                <a:cs typeface="Times New Roman" panose="02020603050405020304" pitchFamily="18" charset="0"/>
+              </a:rPr>
+              <a:t> </a:t>
+            </a:r>
+          </a:p>
+          <a:p>
+            <a:pPr marL="342900" lvl="0" indent="-342900" algn="just">
+              <a:lnSpc>
+                <a:spcPct val="107000"/>
+              </a:lnSpc>
+              <a:spcAft>
+                <a:spcPts val="800"/>
+              </a:spcAft>
+              <a:buFont typeface="Wingdings" panose="05000000000000000000" pitchFamily="2" charset="2"/>
+              <a:buChar char="§"/>
+            </a:pPr>
+            <a:r>
+              <a:rPr lang="ru-RU" sz="1800" b="1" dirty="0">
+                <a:effectLst/>
+                <a:latin typeface="Verdana" panose="020B0604030504040204" pitchFamily="34" charset="0"/>
+                <a:ea typeface="Verdana" panose="020B0604030504040204" pitchFamily="34" charset="0"/>
+                <a:cs typeface="Times New Roman" panose="02020603050405020304" pitchFamily="18" charset="0"/>
+              </a:rPr>
+              <a:t>sqlite3 </a:t>
+            </a:r>
+          </a:p>
+          <a:p>
+            <a:pPr marL="342900" lvl="0" indent="-342900" algn="just">
+              <a:lnSpc>
+                <a:spcPct val="107000"/>
+              </a:lnSpc>
+              <a:spcAft>
+                <a:spcPts val="800"/>
+              </a:spcAft>
+              <a:buFont typeface="Wingdings" panose="05000000000000000000" pitchFamily="2" charset="2"/>
+              <a:buChar char="§"/>
+            </a:pPr>
+            <a:r>
+              <a:rPr lang="en-US" b="1" dirty="0">
+                <a:latin typeface="Verdana" panose="020B0604030504040204" pitchFamily="34" charset="0"/>
+                <a:ea typeface="Verdana" panose="020B0604030504040204" pitchFamily="34" charset="0"/>
+                <a:cs typeface="Times New Roman" panose="02020603050405020304" pitchFamily="18" charset="0"/>
+              </a:rPr>
+              <a:t>Random</a:t>
+            </a:r>
+            <a:r>
+              <a:rPr lang="en-US" sz="1800" b="1" dirty="0">
+                <a:effectLst/>
+                <a:latin typeface="Verdana" panose="020B0604030504040204" pitchFamily="34" charset="0"/>
+                <a:ea typeface="Verdana" panose="020B0604030504040204" pitchFamily="34" charset="0"/>
+                <a:cs typeface="Times New Roman" panose="02020603050405020304" pitchFamily="18" charset="0"/>
+              </a:rPr>
+              <a:t> </a:t>
+            </a:r>
+            <a:endParaRPr lang="ru-RU" sz="1800" b="1" dirty="0">
+              <a:effectLst/>
+              <a:latin typeface="Verdana" panose="020B0604030504040204" pitchFamily="34" charset="0"/>
+              <a:ea typeface="Verdana" panose="020B0604030504040204" pitchFamily="34" charset="0"/>
+              <a:cs typeface="Times New Roman" panose="02020603050405020304" pitchFamily="18" charset="0"/>
+            </a:endParaRPr>
+          </a:p>
+          <a:p>
+            <a:pPr marL="342900" lvl="0" indent="-342900" algn="just">
+              <a:lnSpc>
+                <a:spcPct val="107000"/>
+              </a:lnSpc>
+              <a:spcAft>
+                <a:spcPts val="800"/>
+              </a:spcAft>
+              <a:buFont typeface="Wingdings" panose="05000000000000000000" pitchFamily="2" charset="2"/>
+              <a:buChar char="§"/>
+            </a:pPr>
+            <a:r>
+              <a:rPr lang="ru-RU" sz="1800" b="1" dirty="0">
+                <a:effectLst/>
+                <a:ea typeface="Calibri" panose="020F0502020204030204" pitchFamily="34" charset="0"/>
+              </a:rPr>
+              <a:t>Pathlib</a:t>
+            </a:r>
+            <a:r>
+              <a:rPr lang="ru-RU" sz="1800" dirty="0">
+                <a:effectLst/>
+                <a:latin typeface="Times New Roman" panose="02020603050405020304" pitchFamily="18" charset="0"/>
+                <a:ea typeface="Calibri" panose="020F0502020204030204" pitchFamily="34" charset="0"/>
+              </a:rPr>
+              <a:t> </a:t>
+            </a:r>
+            <a:r>
+              <a:rPr lang="en-US" sz="1800" b="1" dirty="0">
+                <a:effectLst/>
+                <a:latin typeface="Verdana" panose="020B0604030504040204" pitchFamily="34" charset="0"/>
+                <a:ea typeface="Verdana" panose="020B0604030504040204" pitchFamily="34" charset="0"/>
+                <a:cs typeface="Times New Roman" panose="02020603050405020304" pitchFamily="18" charset="0"/>
+              </a:rPr>
+              <a:t> </a:t>
+            </a:r>
+            <a:endParaRPr lang="ru-RU" sz="1800" b="1" dirty="0">
+              <a:effectLst/>
+              <a:latin typeface="Verdana" panose="020B0604030504040204" pitchFamily="34" charset="0"/>
+              <a:ea typeface="Verdana" panose="020B0604030504040204" pitchFamily="34" charset="0"/>
+              <a:cs typeface="Times New Roman" panose="02020603050405020304" pitchFamily="18" charset="0"/>
+            </a:endParaRPr>
+          </a:p>
+          <a:p>
+            <a:pPr marL="342900" lvl="0" indent="-342900" algn="just">
+              <a:lnSpc>
+                <a:spcPct val="107000"/>
+              </a:lnSpc>
+              <a:spcAft>
+                <a:spcPts val="800"/>
+              </a:spcAft>
+              <a:buFont typeface="Wingdings" panose="05000000000000000000" pitchFamily="2" charset="2"/>
+              <a:buChar char="§"/>
+            </a:pPr>
+            <a:r>
+              <a:rPr lang="en-US" sz="1800" b="1" dirty="0">
+                <a:effectLst/>
+                <a:latin typeface="Verdana" panose="020B0604030504040204" pitchFamily="34" charset="0"/>
+                <a:ea typeface="Verdana" panose="020B0604030504040204" pitchFamily="34" charset="0"/>
+                <a:cs typeface="Times New Roman" panose="02020603050405020304" pitchFamily="18" charset="0"/>
+              </a:rPr>
+              <a:t>csv </a:t>
+            </a:r>
+            <a:endParaRPr lang="ru-RU" sz="1400" b="1" dirty="0">
+              <a:effectLst/>
+              <a:latin typeface="Verdana" panose="020B0604030504040204" pitchFamily="34" charset="0"/>
+              <a:ea typeface="Verdana" panose="020B0604030504040204" pitchFamily="34" charset="0"/>
+              <a:cs typeface="Times New Roman" panose="02020603050405020304" pitchFamily="18" charset="0"/>
+            </a:endParaRPr>
+          </a:p>
+        </p:txBody>
+      </p:sp>
+      <p:sp>
+        <p:nvSpPr>
+          <p:cNvPr id="4" name="TextBox 3">
+            <a:extLst>
+              <a:ext uri="{FF2B5EF4-FFF2-40B4-BE49-F238E27FC236}">
+                <a16:creationId xmlns:a16="http://schemas.microsoft.com/office/drawing/2014/main" id="{A210E93B-1E69-4C1E-8BFF-C818C2D60FAB}"/>
+              </a:ext>
+            </a:extLst>
+          </p:cNvPr>
+          <p:cNvSpPr txBox="1"/>
+          <p:nvPr/>
+        </p:nvSpPr>
+        <p:spPr>
+          <a:xfrm>
+            <a:off x="437214" y="628650"/>
+            <a:ext cx="6726521" cy="461665"/>
+          </a:xfrm>
+          <a:prstGeom prst="rect">
+            <a:avLst/>
+          </a:prstGeom>
+          <a:noFill/>
+        </p:spPr>
+        <p:txBody>
+          <a:bodyPr wrap="none" rtlCol="0">
+            <a:spAutoFit/>
+          </a:bodyPr>
+          <a:lstStyle/>
+          <a:p>
+            <a:r>
+              <a:rPr lang="ru-RU" sz="2400" b="1" dirty="0"/>
+              <a:t>Библиотеки, которые я использовал</a:t>
+            </a:r>
+          </a:p>
+        </p:txBody>
+      </p:sp>
+      <p:sp>
+        <p:nvSpPr>
+          <p:cNvPr id="8" name="Прямоугольник 7">
+            <a:extLst>
+              <a:ext uri="{FF2B5EF4-FFF2-40B4-BE49-F238E27FC236}">
+                <a16:creationId xmlns:a16="http://schemas.microsoft.com/office/drawing/2014/main" id="{053CAFCE-2DD5-4A0F-9B42-BCF6E841D66D}"/>
+              </a:ext>
+            </a:extLst>
+          </p:cNvPr>
+          <p:cNvSpPr/>
+          <p:nvPr/>
+        </p:nvSpPr>
+        <p:spPr>
+          <a:xfrm>
+            <a:off x="3086101" y="5334000"/>
+            <a:ext cx="3009900" cy="1524000"/>
+          </a:xfrm>
+          <a:prstGeom prst="rect">
+            <a:avLst/>
+          </a:prstGeom>
+          <a:solidFill>
+            <a:srgbClr val="BEFF7D"/>
+          </a:solidFill>
+          <a:ln>
+            <a:noFill/>
+          </a:ln>
+        </p:spPr>
+        <p:style>
+          <a:lnRef idx="2">
+            <a:schemeClr val="accent1">
+              <a:shade val="50000"/>
+            </a:schemeClr>
+          </a:lnRef>
+          <a:fillRef idx="1">
+            <a:schemeClr val="accent1"/>
+          </a:fillRef>
+          <a:effectRef idx="0">
+            <a:schemeClr val="accent1"/>
+          </a:effectRef>
+          <a:fontRef idx="minor">
+            <a:schemeClr val="lt1"/>
+          </a:fontRef>
+        </p:style>
+        <p:txBody>
+          <a:bodyPr rtlCol="0" anchor="ctr"/>
+          <a:lstStyle/>
+          <a:p>
+            <a:pPr algn="ctr"/>
+            <a:endParaRPr lang="ru-RU"/>
+          </a:p>
+        </p:txBody>
+      </p:sp>
+      <p:sp>
+        <p:nvSpPr>
+          <p:cNvPr id="9" name="Овал 8">
+            <a:extLst>
+              <a:ext uri="{FF2B5EF4-FFF2-40B4-BE49-F238E27FC236}">
+                <a16:creationId xmlns:a16="http://schemas.microsoft.com/office/drawing/2014/main" id="{7084EDFC-0591-44D0-A24A-1F58BCD03371}"/>
+              </a:ext>
+            </a:extLst>
+          </p:cNvPr>
+          <p:cNvSpPr/>
+          <p:nvPr/>
+        </p:nvSpPr>
+        <p:spPr>
+          <a:xfrm>
+            <a:off x="1498600" y="5334000"/>
+            <a:ext cx="1587501" cy="1524000"/>
+          </a:xfrm>
+          <a:prstGeom prst="ellipse">
+            <a:avLst/>
+          </a:prstGeom>
+          <a:solidFill>
+            <a:srgbClr val="964B00"/>
+          </a:solidFill>
+          <a:ln>
+            <a:noFill/>
+          </a:ln>
+        </p:spPr>
+        <p:style>
+          <a:lnRef idx="2">
+            <a:schemeClr val="accent1">
+              <a:shade val="50000"/>
+            </a:schemeClr>
+          </a:lnRef>
+          <a:fillRef idx="1">
+            <a:schemeClr val="accent1"/>
+          </a:fillRef>
+          <a:effectRef idx="0">
+            <a:schemeClr val="accent1"/>
+          </a:effectRef>
+          <a:fontRef idx="minor">
+            <a:schemeClr val="lt1"/>
+          </a:fontRef>
+        </p:style>
+        <p:txBody>
+          <a:bodyPr rtlCol="0" anchor="ctr"/>
+          <a:lstStyle/>
+          <a:p>
+            <a:pPr algn="ctr"/>
+            <a:endParaRPr lang="ru-RU"/>
+          </a:p>
+        </p:txBody>
+      </p:sp>
+      <p:sp>
+        <p:nvSpPr>
+          <p:cNvPr id="10" name="TextBox 9">
+            <a:extLst>
+              <a:ext uri="{FF2B5EF4-FFF2-40B4-BE49-F238E27FC236}">
+                <a16:creationId xmlns:a16="http://schemas.microsoft.com/office/drawing/2014/main" id="{48E63A57-FDC4-4265-9405-B445BA9632E4}"/>
+              </a:ext>
+            </a:extLst>
+          </p:cNvPr>
+          <p:cNvSpPr txBox="1"/>
+          <p:nvPr/>
+        </p:nvSpPr>
+        <p:spPr>
+          <a:xfrm>
+            <a:off x="7464424" y="3429000"/>
+            <a:ext cx="2870203" cy="646331"/>
+          </a:xfrm>
+          <a:prstGeom prst="rect">
+            <a:avLst/>
+          </a:prstGeom>
+          <a:solidFill>
+            <a:srgbClr val="BEFF7D"/>
+          </a:solidFill>
+        </p:spPr>
+        <p:txBody>
+          <a:bodyPr wrap="square" rtlCol="0">
+            <a:spAutoFit/>
+          </a:bodyPr>
+          <a:lstStyle/>
+          <a:p>
+            <a:r>
+              <a:rPr lang="ru-RU" b="1" dirty="0"/>
+              <a:t>Основой, конечно, являлся </a:t>
+            </a:r>
+            <a:r>
+              <a:rPr lang="en-US" b="1" dirty="0"/>
+              <a:t>Pygame</a:t>
+            </a:r>
+            <a:endParaRPr lang="ru-RU" b="1" dirty="0"/>
+          </a:p>
+        </p:txBody>
+      </p:sp>
+    </p:spTree>
+    <p:extLst>
+      <p:ext uri="{BB962C8B-B14F-4D97-AF65-F5344CB8AC3E}">
+        <p14:creationId xmlns:p14="http://schemas.microsoft.com/office/powerpoint/2010/main" val="3924087084"/>
+      </p:ext>
+    </p:extLst>
+  </p:cSld>
+  <p:clrMapOvr>
+    <a:masterClrMapping/>
+  </p:clrMapOvr>
+  <p:timing>
+    <p:tnLst>
+      <p:par>
+        <p:cTn id="1" dur="indefinite" restart="never" nodeType="tmRoot">
+          <p:childTnLst>
+            <p:seq concurrent="1" nextAc="seek">
+              <p:cTn id="2" dur="indefinite" nodeType="mainSeq">
+                <p:childTnLst>
+                  <p:par>
+                    <p:cTn id="3" fill="hold">
+                      <p:stCondLst>
+                        <p:cond delay="indefinite"/>
+                      </p:stCondLst>
+                      <p:childTnLst>
+                        <p:par>
+                          <p:cTn id="4" fill="hold">
+                            <p:stCondLst>
+                              <p:cond delay="0"/>
+                            </p:stCondLst>
+                            <p:childTnLst>
+                              <p:par>
+                                <p:cTn id="5" presetID="47" presetClass="entr" presetSubtype="0" fill="hold" grpId="0" nodeType="clickEffect">
+                                  <p:stCondLst>
+                                    <p:cond delay="0"/>
+                                  </p:stCondLst>
+                                  <p:childTnLst>
+                                    <p:set>
+                                      <p:cBhvr>
+                                        <p:cTn id="6" dur="1" fill="hold">
+                                          <p:stCondLst>
+                                            <p:cond delay="0"/>
+                                          </p:stCondLst>
+                                        </p:cTn>
+                                        <p:tgtEl>
+                                          <p:spTgt spid="10"/>
+                                        </p:tgtEl>
+                                        <p:attrNameLst>
+                                          <p:attrName>style.visibility</p:attrName>
+                                        </p:attrNameLst>
+                                      </p:cBhvr>
+                                      <p:to>
+                                        <p:strVal val="visible"/>
+                                      </p:to>
+                                    </p:set>
+                                    <p:animEffect transition="in" filter="fade">
+                                      <p:cBhvr>
+                                        <p:cTn id="7" dur="1000"/>
+                                        <p:tgtEl>
+                                          <p:spTgt spid="10"/>
+                                        </p:tgtEl>
+                                      </p:cBhvr>
+                                    </p:animEffect>
+                                    <p:anim calcmode="lin" valueType="num">
+                                      <p:cBhvr>
+                                        <p:cTn id="8" dur="1000" fill="hold"/>
+                                        <p:tgtEl>
+                                          <p:spTgt spid="10"/>
+                                        </p:tgtEl>
+                                        <p:attrNameLst>
+                                          <p:attrName>ppt_x</p:attrName>
+                                        </p:attrNameLst>
+                                      </p:cBhvr>
+                                      <p:tavLst>
+                                        <p:tav tm="0">
+                                          <p:val>
+                                            <p:strVal val="#ppt_x"/>
+                                          </p:val>
+                                        </p:tav>
+                                        <p:tav tm="100000">
+                                          <p:val>
+                                            <p:strVal val="#ppt_x"/>
+                                          </p:val>
+                                        </p:tav>
+                                      </p:tavLst>
+                                    </p:anim>
+                                    <p:anim calcmode="lin" valueType="num">
+                                      <p:cBhvr>
+                                        <p:cTn id="9" dur="1000" fill="hold"/>
+                                        <p:tgtEl>
+                                          <p:spTgt spid="10"/>
+                                        </p:tgtEl>
+                                        <p:attrNameLst>
+                                          <p:attrName>ppt_y</p:attrName>
+                                        </p:attrNameLst>
+                                      </p:cBhvr>
+                                      <p:tavLst>
+                                        <p:tav tm="0">
+                                          <p:val>
+                                            <p:strVal val="#ppt_y-.1"/>
+                                          </p:val>
+                                        </p:tav>
+                                        <p:tav tm="100000">
+                                          <p:val>
+                                            <p:strVal val="#ppt_y"/>
+                                          </p:val>
+                                        </p:tav>
+                                      </p:tavLst>
+                                    </p:anim>
+                                  </p:childTnLst>
+                                </p:cTn>
+                              </p:par>
+                            </p:childTnLst>
+                          </p:cTn>
+                        </p:par>
+                      </p:childTnLst>
+                    </p:cTn>
+                  </p:par>
+                </p:childTnLst>
+              </p:cTn>
+              <p:prevCondLst>
+                <p:cond evt="onPrev" delay="0">
+                  <p:tgtEl>
+                    <p:sldTgt/>
+                  </p:tgtEl>
+                </p:cond>
+              </p:prevCondLst>
+              <p:nextCondLst>
+                <p:cond evt="onNext" delay="0">
+                  <p:tgtEl>
+                    <p:sldTgt/>
+                  </p:tgtEl>
+                </p:cond>
+              </p:nextCondLst>
+            </p:seq>
+          </p:childTnLst>
+        </p:cTn>
+      </p:par>
+    </p:tnLst>
+    <p:bldLst>
+      <p:bldP spid="10" grpId="0" animBg="1"/>
+    </p:bldLst>
+  </p:timing>
+</p:sld>
+</file>
+
+<file path=ppt/slides/slide6.xml><?xml version="1.0" encoding="utf-8"?>
+<p:sld xmlns:a="http://schemas.openxmlformats.org/drawingml/2006/main" xmlns:r="http://schemas.openxmlformats.org/officeDocument/2006/relationships" xmlns:p="http://schemas.openxmlformats.org/presentationml/2006/main">
+  <p:cSld>
+    <p:spTree>
+      <p:nvGrpSpPr>
+        <p:cNvPr id="1" name=""/>
+        <p:cNvGrpSpPr/>
+        <p:nvPr/>
+      </p:nvGrpSpPr>
+      <p:grpSpPr>
+        <a:xfrm>
+          <a:off x="0" y="0"/>
+          <a:ext cx="0" cy="0"/>
+          <a:chOff x="0" y="0"/>
+          <a:chExt cx="0" cy="0"/>
+        </a:xfrm>
+      </p:grpSpPr>
+      <p:sp>
+        <p:nvSpPr>
+          <p:cNvPr id="11" name="Прямоугольник: скругленные углы 10">
+            <a:extLst>
+              <a:ext uri="{FF2B5EF4-FFF2-40B4-BE49-F238E27FC236}">
+                <a16:creationId xmlns:a16="http://schemas.microsoft.com/office/drawing/2014/main" id="{B38FEB0F-743E-4DEC-9D83-E802510E19ED}"/>
+              </a:ext>
+            </a:extLst>
+          </p:cNvPr>
+          <p:cNvSpPr/>
+          <p:nvPr/>
+        </p:nvSpPr>
+        <p:spPr>
+          <a:xfrm>
+            <a:off x="206504" y="4520425"/>
+            <a:ext cx="10918696" cy="2245499"/>
+          </a:xfrm>
+          <a:prstGeom prst="roundRect">
+            <a:avLst/>
+          </a:prstGeom>
+          <a:solidFill>
+            <a:srgbClr val="BEFF7D"/>
+          </a:solidFill>
+          <a:ln>
+            <a:noFill/>
+          </a:ln>
+        </p:spPr>
+        <p:style>
+          <a:lnRef idx="2">
+            <a:schemeClr val="accent1">
+              <a:shade val="50000"/>
+            </a:schemeClr>
+          </a:lnRef>
+          <a:fillRef idx="1">
+            <a:schemeClr val="accent1"/>
+          </a:fillRef>
+          <a:effectRef idx="0">
+            <a:schemeClr val="accent1"/>
+          </a:effectRef>
+          <a:fontRef idx="minor">
+            <a:schemeClr val="lt1"/>
+          </a:fontRef>
+        </p:style>
+        <p:txBody>
+          <a:bodyPr rtlCol="0" anchor="ctr"/>
+          <a:lstStyle/>
+          <a:p>
+            <a:pPr algn="ctr"/>
+            <a:endParaRPr lang="ru-RU"/>
+          </a:p>
+        </p:txBody>
+      </p:sp>
+      <p:sp>
+        <p:nvSpPr>
+          <p:cNvPr id="10" name="Прямоугольник: скругленные углы 9">
+            <a:extLst>
+              <a:ext uri="{FF2B5EF4-FFF2-40B4-BE49-F238E27FC236}">
+                <a16:creationId xmlns:a16="http://schemas.microsoft.com/office/drawing/2014/main" id="{1CF4CED0-FDEF-48F3-8C3C-03269D782B09}"/>
+              </a:ext>
+            </a:extLst>
+          </p:cNvPr>
+          <p:cNvSpPr/>
+          <p:nvPr/>
+        </p:nvSpPr>
+        <p:spPr>
+          <a:xfrm>
+            <a:off x="206504" y="2061714"/>
+            <a:ext cx="11639292" cy="2376580"/>
+          </a:xfrm>
+          <a:prstGeom prst="roundRect">
+            <a:avLst/>
+          </a:prstGeom>
+          <a:solidFill>
+            <a:srgbClr val="767171"/>
+          </a:solidFill>
+          <a:ln>
+            <a:noFill/>
+          </a:ln>
+        </p:spPr>
+        <p:style>
+          <a:lnRef idx="2">
+            <a:schemeClr val="accent1">
+              <a:shade val="50000"/>
+            </a:schemeClr>
+          </a:lnRef>
+          <a:fillRef idx="1">
+            <a:schemeClr val="accent1"/>
+          </a:fillRef>
+          <a:effectRef idx="0">
+            <a:schemeClr val="accent1"/>
+          </a:effectRef>
+          <a:fontRef idx="minor">
+            <a:schemeClr val="lt1"/>
+          </a:fontRef>
+        </p:style>
+        <p:txBody>
+          <a:bodyPr rtlCol="0" anchor="ctr"/>
+          <a:lstStyle/>
+          <a:p>
+            <a:pPr algn="ctr"/>
+            <a:endParaRPr lang="ru-RU"/>
+          </a:p>
+        </p:txBody>
+      </p:sp>
+      <p:sp>
+        <p:nvSpPr>
+          <p:cNvPr id="5" name="Прямоугольный треугольник 4">
+            <a:extLst>
+              <a:ext uri="{FF2B5EF4-FFF2-40B4-BE49-F238E27FC236}">
+                <a16:creationId xmlns:a16="http://schemas.microsoft.com/office/drawing/2014/main" id="{1A400C52-1DE7-4FB9-A5F9-B8573E401B03}"/>
+              </a:ext>
+            </a:extLst>
+          </p:cNvPr>
+          <p:cNvSpPr/>
+          <p:nvPr/>
+        </p:nvSpPr>
+        <p:spPr>
+          <a:xfrm flipV="1">
+            <a:off x="0" y="0"/>
+            <a:ext cx="9283700" cy="2197100"/>
+          </a:xfrm>
+          <a:prstGeom prst="rtTriangle">
+            <a:avLst/>
+          </a:prstGeom>
+          <a:solidFill>
+            <a:srgbClr val="BEFF7D"/>
+          </a:solidFill>
+          <a:ln>
+            <a:noFill/>
+          </a:ln>
+        </p:spPr>
+        <p:style>
+          <a:lnRef idx="2">
+            <a:schemeClr val="accent1">
+              <a:shade val="50000"/>
+            </a:schemeClr>
+          </a:lnRef>
+          <a:fillRef idx="1">
+            <a:schemeClr val="accent1"/>
+          </a:fillRef>
+          <a:effectRef idx="0">
+            <a:schemeClr val="accent1"/>
+          </a:effectRef>
+          <a:fontRef idx="minor">
+            <a:schemeClr val="lt1"/>
+          </a:fontRef>
+        </p:style>
+        <p:txBody>
+          <a:bodyPr rtlCol="0" anchor="ctr"/>
+          <a:lstStyle/>
+          <a:p>
+            <a:pPr algn="ctr"/>
+            <a:endParaRPr lang="ru-RU"/>
+          </a:p>
+        </p:txBody>
+      </p:sp>
+      <p:sp>
+        <p:nvSpPr>
+          <p:cNvPr id="2" name="TextBox 1">
+            <a:extLst>
+              <a:ext uri="{FF2B5EF4-FFF2-40B4-BE49-F238E27FC236}">
+                <a16:creationId xmlns:a16="http://schemas.microsoft.com/office/drawing/2014/main" id="{A1A9859D-84CF-4EDB-A337-B0DCE42CEDDC}"/>
+              </a:ext>
+            </a:extLst>
+          </p:cNvPr>
+          <p:cNvSpPr txBox="1"/>
+          <p:nvPr/>
+        </p:nvSpPr>
+        <p:spPr>
+          <a:xfrm>
+            <a:off x="279400" y="304800"/>
+            <a:ext cx="1536700" cy="461665"/>
+          </a:xfrm>
+          <a:prstGeom prst="rect">
+            <a:avLst/>
+          </a:prstGeom>
+          <a:noFill/>
+        </p:spPr>
+        <p:txBody>
+          <a:bodyPr wrap="square" rtlCol="0">
+            <a:spAutoFit/>
+          </a:bodyPr>
+          <a:lstStyle/>
+          <a:p>
+            <a:r>
+              <a:rPr lang="ru-RU" sz="2400" b="1" dirty="0"/>
+              <a:t>Вывод,</a:t>
+            </a:r>
+          </a:p>
+        </p:txBody>
+      </p:sp>
+      <p:sp>
+        <p:nvSpPr>
+          <p:cNvPr id="4" name="TextBox 3">
+            <a:extLst>
+              <a:ext uri="{FF2B5EF4-FFF2-40B4-BE49-F238E27FC236}">
+                <a16:creationId xmlns:a16="http://schemas.microsoft.com/office/drawing/2014/main" id="{12CCE1B1-D3F8-4DD7-A7C8-7028C64963CD}"/>
+              </a:ext>
+            </a:extLst>
+          </p:cNvPr>
+          <p:cNvSpPr txBox="1"/>
+          <p:nvPr/>
+        </p:nvSpPr>
+        <p:spPr>
+          <a:xfrm>
+            <a:off x="279400" y="810399"/>
+            <a:ext cx="3581400" cy="369332"/>
+          </a:xfrm>
+          <a:prstGeom prst="rect">
+            <a:avLst/>
+          </a:prstGeom>
+          <a:noFill/>
+        </p:spPr>
+        <p:txBody>
+          <a:bodyPr wrap="square">
+            <a:spAutoFit/>
+          </a:bodyPr>
+          <a:lstStyle/>
+          <a:p>
+            <a:r>
+              <a:rPr lang="ru-RU" dirty="0"/>
+              <a:t>И что хотелось бы улучшить</a:t>
+            </a:r>
+          </a:p>
+        </p:txBody>
+      </p:sp>
+      <p:sp>
+        <p:nvSpPr>
+          <p:cNvPr id="6" name="TextBox 5">
+            <a:extLst>
+              <a:ext uri="{FF2B5EF4-FFF2-40B4-BE49-F238E27FC236}">
+                <a16:creationId xmlns:a16="http://schemas.microsoft.com/office/drawing/2014/main" id="{3563F648-0164-4857-9CA2-E0F632723C40}"/>
+              </a:ext>
+            </a:extLst>
+          </p:cNvPr>
+          <p:cNvSpPr txBox="1"/>
+          <p:nvPr/>
+        </p:nvSpPr>
+        <p:spPr>
+          <a:xfrm>
+            <a:off x="346203" y="2096681"/>
+            <a:ext cx="11518644" cy="2585323"/>
+          </a:xfrm>
+          <a:prstGeom prst="rect">
+            <a:avLst/>
+          </a:prstGeom>
+          <a:noFill/>
+        </p:spPr>
+        <p:txBody>
+          <a:bodyPr wrap="square" rtlCol="0">
+            <a:spAutoFit/>
+          </a:bodyPr>
+          <a:lstStyle/>
+          <a:p>
+            <a:pPr marL="285750" indent="-285750">
+              <a:buFont typeface="Wingdings" panose="05000000000000000000" pitchFamily="2" charset="2"/>
+              <a:buChar char="§"/>
+            </a:pPr>
+            <a:r>
+              <a:rPr lang="ru-RU" dirty="0"/>
+              <a:t>Теперь </a:t>
+            </a:r>
+            <a:r>
+              <a:rPr lang="ru-RU" b="1" dirty="0"/>
+              <a:t>я понимаю разработчиков игр</a:t>
+            </a:r>
+            <a:r>
+              <a:rPr lang="ru-RU" dirty="0"/>
+              <a:t>. Разрабатывать игры </a:t>
+            </a:r>
+            <a:r>
+              <a:rPr lang="ru-RU" b="1" dirty="0"/>
+              <a:t>сложно</a:t>
+            </a:r>
+            <a:r>
+              <a:rPr lang="ru-RU" dirty="0"/>
+              <a:t>. Мне стало понятно, почему игры разрабатывают при помощи специализированных движков и целыми командами</a:t>
+            </a:r>
+          </a:p>
+          <a:p>
+            <a:pPr marL="285750" indent="-285750">
+              <a:buFont typeface="Wingdings" panose="05000000000000000000" pitchFamily="2" charset="2"/>
+              <a:buChar char="§"/>
+            </a:pPr>
+            <a:endParaRPr lang="ru-RU" dirty="0"/>
+          </a:p>
+          <a:p>
+            <a:pPr marL="285750" indent="-285750">
+              <a:buFont typeface="Wingdings" panose="05000000000000000000" pitchFamily="2" charset="2"/>
+              <a:buChar char="§"/>
+            </a:pPr>
+            <a:r>
+              <a:rPr lang="ru-RU" dirty="0"/>
+              <a:t>При разработке игр оказалось сложно оценить объем работы </a:t>
+            </a:r>
+            <a:r>
+              <a:rPr lang="ru-RU" b="1" dirty="0"/>
+              <a:t>заранее</a:t>
+            </a:r>
+            <a:r>
+              <a:rPr lang="ru-RU" dirty="0"/>
+              <a:t>. Даже самую </a:t>
+            </a:r>
+            <a:r>
+              <a:rPr lang="ru-RU" b="1" dirty="0"/>
+              <a:t>простую</a:t>
+            </a:r>
+            <a:r>
+              <a:rPr lang="ru-RU" dirty="0"/>
+              <a:t> игру написать непросто.</a:t>
+            </a:r>
+          </a:p>
+          <a:p>
+            <a:pPr marL="285750" indent="-285750">
+              <a:buFont typeface="Wingdings" panose="05000000000000000000" pitchFamily="2" charset="2"/>
+              <a:buChar char="§"/>
+            </a:pPr>
+            <a:endParaRPr lang="ru-RU" dirty="0"/>
+          </a:p>
+          <a:p>
+            <a:pPr marL="285750" indent="-285750">
+              <a:buFont typeface="Wingdings" panose="05000000000000000000" pitchFamily="2" charset="2"/>
+              <a:buChar char="§"/>
+            </a:pPr>
+            <a:r>
+              <a:rPr lang="ru-RU" dirty="0"/>
+              <a:t>Разработка игр это, как оказалось, крайне творческий процесс</a:t>
+            </a:r>
+          </a:p>
+          <a:p>
+            <a:endParaRPr lang="ru-RU" dirty="0"/>
+          </a:p>
+        </p:txBody>
+      </p:sp>
+      <p:sp>
+        <p:nvSpPr>
+          <p:cNvPr id="7" name="TextBox 6">
+            <a:extLst>
+              <a:ext uri="{FF2B5EF4-FFF2-40B4-BE49-F238E27FC236}">
+                <a16:creationId xmlns:a16="http://schemas.microsoft.com/office/drawing/2014/main" id="{A5C3FA87-0E93-4788-93E9-CA62AD0F6431}"/>
+              </a:ext>
+            </a:extLst>
+          </p:cNvPr>
+          <p:cNvSpPr txBox="1"/>
+          <p:nvPr/>
+        </p:nvSpPr>
+        <p:spPr>
+          <a:xfrm>
+            <a:off x="346203" y="4682004"/>
+            <a:ext cx="10598150" cy="2308324"/>
+          </a:xfrm>
+          <a:prstGeom prst="rect">
+            <a:avLst/>
+          </a:prstGeom>
+          <a:noFill/>
+        </p:spPr>
+        <p:txBody>
+          <a:bodyPr wrap="square" rtlCol="0">
+            <a:spAutoFit/>
+          </a:bodyPr>
+          <a:lstStyle/>
+          <a:p>
+            <a:pPr marL="285750" indent="-285750">
+              <a:buFont typeface="Wingdings" panose="05000000000000000000" pitchFamily="2" charset="2"/>
+              <a:buChar char="§"/>
+            </a:pPr>
+            <a:r>
+              <a:rPr lang="ru-RU" dirty="0"/>
+              <a:t>Я бы с радостью поработал над новой версией этой игры. Для меня это было бы </a:t>
+            </a:r>
+            <a:r>
+              <a:rPr lang="ru-RU" b="1" dirty="0"/>
+              <a:t>очень интересно</a:t>
+            </a:r>
+          </a:p>
+          <a:p>
+            <a:pPr marL="285750" indent="-285750">
+              <a:buFont typeface="Wingdings" panose="05000000000000000000" pitchFamily="2" charset="2"/>
+              <a:buChar char="§"/>
+            </a:pPr>
+            <a:endParaRPr lang="ru-RU" dirty="0"/>
+          </a:p>
+          <a:p>
+            <a:pPr marL="285750" indent="-285750">
+              <a:buFont typeface="Wingdings" panose="05000000000000000000" pitchFamily="2" charset="2"/>
+              <a:buChar char="§"/>
+            </a:pPr>
+            <a:r>
+              <a:rPr lang="ru-RU" dirty="0"/>
+              <a:t>С радостью бы потратил дополнительное время на </a:t>
+            </a:r>
+            <a:r>
+              <a:rPr lang="ru-RU" b="1" dirty="0"/>
+              <a:t>более детальное изучение и понимание</a:t>
+            </a:r>
+            <a:r>
+              <a:rPr lang="ru-RU" dirty="0"/>
+              <a:t> </a:t>
+            </a:r>
+            <a:r>
+              <a:rPr lang="en-US" dirty="0"/>
+              <a:t>Pygame </a:t>
+            </a:r>
+            <a:r>
+              <a:rPr lang="ru-RU" dirty="0"/>
+              <a:t>как такового </a:t>
+            </a:r>
+          </a:p>
+          <a:p>
+            <a:pPr marL="285750" indent="-285750">
+              <a:buFont typeface="Wingdings" panose="05000000000000000000" pitchFamily="2" charset="2"/>
+              <a:buChar char="§"/>
+            </a:pPr>
+            <a:endParaRPr lang="ru-RU" dirty="0"/>
+          </a:p>
+          <a:p>
+            <a:pPr marL="285750" indent="-285750">
+              <a:buFont typeface="Wingdings" panose="05000000000000000000" pitchFamily="2" charset="2"/>
+              <a:buChar char="§"/>
+            </a:pPr>
+            <a:r>
+              <a:rPr lang="ru-RU" dirty="0"/>
+              <a:t>Я бы также попробовал написать </a:t>
+            </a:r>
+            <a:r>
+              <a:rPr lang="ru-RU" b="1" dirty="0"/>
+              <a:t>серьёзную</a:t>
+            </a:r>
+            <a:r>
+              <a:rPr lang="ru-RU" dirty="0"/>
+              <a:t> игру на специальном инструментарии</a:t>
+            </a:r>
+          </a:p>
+          <a:p>
+            <a:pPr marL="285750" indent="-285750">
+              <a:buFont typeface="Wingdings" panose="05000000000000000000" pitchFamily="2" charset="2"/>
+              <a:buChar char="§"/>
+            </a:pPr>
+            <a:endParaRPr lang="ru-RU" dirty="0"/>
+          </a:p>
+        </p:txBody>
+      </p:sp>
+      <p:sp>
+        <p:nvSpPr>
+          <p:cNvPr id="12" name="Прямоугольный треугольник 11">
+            <a:extLst>
+              <a:ext uri="{FF2B5EF4-FFF2-40B4-BE49-F238E27FC236}">
+                <a16:creationId xmlns:a16="http://schemas.microsoft.com/office/drawing/2014/main" id="{F4A7F97E-27F9-4AB2-8750-CAC32AF42FA5}"/>
+              </a:ext>
+            </a:extLst>
+          </p:cNvPr>
+          <p:cNvSpPr/>
+          <p:nvPr/>
+        </p:nvSpPr>
+        <p:spPr>
+          <a:xfrm flipH="1">
+            <a:off x="11684000" y="-101599"/>
+            <a:ext cx="508000" cy="6981884"/>
+          </a:xfrm>
+          <a:prstGeom prst="rtTriangle">
+            <a:avLst/>
+          </a:prstGeom>
+          <a:solidFill>
+            <a:srgbClr val="BEFF7D"/>
+          </a:solidFill>
+          <a:ln>
+            <a:noFill/>
+          </a:ln>
+        </p:spPr>
+        <p:style>
+          <a:lnRef idx="2">
+            <a:schemeClr val="accent1">
+              <a:shade val="50000"/>
+            </a:schemeClr>
+          </a:lnRef>
+          <a:fillRef idx="1">
+            <a:schemeClr val="accent1"/>
+          </a:fillRef>
+          <a:effectRef idx="0">
+            <a:schemeClr val="accent1"/>
+          </a:effectRef>
+          <a:fontRef idx="minor">
+            <a:schemeClr val="lt1"/>
+          </a:fontRef>
+        </p:style>
+        <p:txBody>
+          <a:bodyPr rtlCol="0" anchor="ctr"/>
+          <a:lstStyle/>
+          <a:p>
+            <a:pPr algn="ctr"/>
+            <a:endParaRPr lang="ru-RU"/>
+          </a:p>
+        </p:txBody>
+      </p:sp>
+    </p:spTree>
+    <p:extLst>
+      <p:ext uri="{BB962C8B-B14F-4D97-AF65-F5344CB8AC3E}">
+        <p14:creationId xmlns:p14="http://schemas.microsoft.com/office/powerpoint/2010/main" val="1310925058"/>
+      </p:ext>
+    </p:extLst>
+  </p:cSld>
+  <p:clrMapOvr>
+    <a:masterClrMapping/>
+  </p:clrMapOvr>
+</p:sld>
+</file>
+
+<file path=ppt/slides/slide7.xml><?xml version="1.0" encoding="utf-8"?>
+<p:sld xmlns:a="http://schemas.openxmlformats.org/drawingml/2006/main" xmlns:r="http://schemas.openxmlformats.org/officeDocument/2006/relationships" xmlns:p="http://schemas.openxmlformats.org/presentationml/2006/main">
+  <p:cSld>
+    <p:spTree>
+      <p:nvGrpSpPr>
+        <p:cNvPr id="1" name=""/>
+        <p:cNvGrpSpPr/>
+        <p:nvPr/>
+      </p:nvGrpSpPr>
+      <p:grpSpPr>
+        <a:xfrm>
+          <a:off x="0" y="0"/>
+          <a:ext cx="0" cy="0"/>
+          <a:chOff x="0" y="0"/>
+          <a:chExt cx="0" cy="0"/>
+        </a:xfrm>
+      </p:grpSpPr>
+      <p:sp>
+        <p:nvSpPr>
+          <p:cNvPr id="6" name="Прямоугольник 5">
+            <a:extLst>
+              <a:ext uri="{FF2B5EF4-FFF2-40B4-BE49-F238E27FC236}">
+                <a16:creationId xmlns:a16="http://schemas.microsoft.com/office/drawing/2014/main" id="{FBEBC5AD-605C-4127-BC8A-FD5DE880465F}"/>
+              </a:ext>
+            </a:extLst>
+          </p:cNvPr>
+          <p:cNvSpPr/>
+          <p:nvPr/>
+        </p:nvSpPr>
+        <p:spPr>
+          <a:xfrm>
+            <a:off x="1206500" y="495300"/>
+            <a:ext cx="7391400" cy="5334000"/>
+          </a:xfrm>
+          <a:prstGeom prst="rect">
+            <a:avLst/>
+          </a:prstGeom>
+          <a:solidFill>
+            <a:srgbClr val="767171"/>
+          </a:solidFill>
+          <a:ln>
+            <a:noFill/>
+          </a:ln>
+        </p:spPr>
+        <p:style>
+          <a:lnRef idx="2">
+            <a:schemeClr val="accent1">
+              <a:shade val="50000"/>
+            </a:schemeClr>
+          </a:lnRef>
+          <a:fillRef idx="1">
+            <a:schemeClr val="accent1"/>
+          </a:fillRef>
+          <a:effectRef idx="0">
+            <a:schemeClr val="accent1"/>
+          </a:effectRef>
+          <a:fontRef idx="minor">
+            <a:schemeClr val="lt1"/>
+          </a:fontRef>
+        </p:style>
+        <p:txBody>
+          <a:bodyPr rtlCol="0" anchor="ctr"/>
+          <a:lstStyle/>
+          <a:p>
+            <a:pPr algn="ctr"/>
+            <a:endParaRPr lang="ru-RU"/>
+          </a:p>
+        </p:txBody>
+      </p:sp>
+      <p:sp>
+        <p:nvSpPr>
+          <p:cNvPr id="2" name="TextBox 1">
+            <a:extLst>
+              <a:ext uri="{FF2B5EF4-FFF2-40B4-BE49-F238E27FC236}">
+                <a16:creationId xmlns:a16="http://schemas.microsoft.com/office/drawing/2014/main" id="{A2D6DE10-12F6-4EA5-A51A-E79A544D8632}"/>
+              </a:ext>
+            </a:extLst>
+          </p:cNvPr>
+          <p:cNvSpPr txBox="1"/>
+          <p:nvPr/>
+        </p:nvSpPr>
+        <p:spPr>
+          <a:xfrm>
+            <a:off x="2222500" y="901700"/>
+            <a:ext cx="2730235" cy="646331"/>
+          </a:xfrm>
+          <a:prstGeom prst="rect">
+            <a:avLst/>
+          </a:prstGeom>
+          <a:noFill/>
+        </p:spPr>
+        <p:txBody>
+          <a:bodyPr wrap="none" rtlCol="0">
+            <a:spAutoFit/>
+          </a:bodyPr>
+          <a:lstStyle/>
+          <a:p>
+            <a:r>
+              <a:rPr lang="ru-RU" sz="3600" b="1" dirty="0"/>
+              <a:t>СПАСИБО</a:t>
+            </a:r>
+            <a:endParaRPr lang="ru-RU" b="1" dirty="0"/>
+          </a:p>
+        </p:txBody>
+      </p:sp>
+      <p:sp>
+        <p:nvSpPr>
+          <p:cNvPr id="3" name="TextBox 2">
+            <a:extLst>
+              <a:ext uri="{FF2B5EF4-FFF2-40B4-BE49-F238E27FC236}">
+                <a16:creationId xmlns:a16="http://schemas.microsoft.com/office/drawing/2014/main" id="{21B0C6FB-5CF6-4D37-BD11-098E9551551B}"/>
+              </a:ext>
+            </a:extLst>
+          </p:cNvPr>
+          <p:cNvSpPr txBox="1"/>
+          <p:nvPr/>
+        </p:nvSpPr>
+        <p:spPr>
+          <a:xfrm>
+            <a:off x="3190713" y="2844225"/>
+            <a:ext cx="793807" cy="584775"/>
+          </a:xfrm>
+          <a:prstGeom prst="rect">
+            <a:avLst/>
+          </a:prstGeom>
+          <a:noFill/>
+        </p:spPr>
+        <p:txBody>
+          <a:bodyPr wrap="none" rtlCol="0">
+            <a:spAutoFit/>
+          </a:bodyPr>
+          <a:lstStyle/>
+          <a:p>
+            <a:r>
+              <a:rPr lang="ru-RU" sz="3200" b="1" dirty="0"/>
+              <a:t>ЗА</a:t>
+            </a:r>
+            <a:endParaRPr lang="ru-RU" b="1" dirty="0"/>
+          </a:p>
+        </p:txBody>
+      </p:sp>
+      <p:sp>
+        <p:nvSpPr>
+          <p:cNvPr id="4" name="TextBox 3">
+            <a:extLst>
+              <a:ext uri="{FF2B5EF4-FFF2-40B4-BE49-F238E27FC236}">
+                <a16:creationId xmlns:a16="http://schemas.microsoft.com/office/drawing/2014/main" id="{8DB0A44C-6B21-4918-B213-AFD8A8FFCAA2}"/>
+              </a:ext>
+            </a:extLst>
+          </p:cNvPr>
+          <p:cNvSpPr txBox="1"/>
+          <p:nvPr/>
+        </p:nvSpPr>
+        <p:spPr>
+          <a:xfrm>
+            <a:off x="4494439" y="4419600"/>
+            <a:ext cx="3203121" cy="646331"/>
+          </a:xfrm>
+          <a:prstGeom prst="rect">
+            <a:avLst/>
+          </a:prstGeom>
+          <a:noFill/>
+        </p:spPr>
+        <p:txBody>
+          <a:bodyPr wrap="none" rtlCol="0">
+            <a:spAutoFit/>
+          </a:bodyPr>
+          <a:lstStyle/>
+          <a:p>
+            <a:r>
+              <a:rPr lang="ru-RU" sz="3600" b="1" dirty="0"/>
+              <a:t>ВНИМАНИЕ</a:t>
+            </a:r>
+            <a:endParaRPr lang="ru-RU" sz="3200" b="1" dirty="0"/>
+          </a:p>
+        </p:txBody>
+      </p:sp>
+      <p:sp>
+        <p:nvSpPr>
+          <p:cNvPr id="5" name="Овал 4">
+            <a:extLst>
+              <a:ext uri="{FF2B5EF4-FFF2-40B4-BE49-F238E27FC236}">
+                <a16:creationId xmlns:a16="http://schemas.microsoft.com/office/drawing/2014/main" id="{72815325-0ED5-46DE-A93B-FB4B84FB2798}"/>
+              </a:ext>
+            </a:extLst>
+          </p:cNvPr>
+          <p:cNvSpPr/>
+          <p:nvPr/>
+        </p:nvSpPr>
+        <p:spPr>
+          <a:xfrm>
+            <a:off x="9477480" y="-1263650"/>
+            <a:ext cx="3721100" cy="3543300"/>
+          </a:xfrm>
+          <a:prstGeom prst="ellipse">
+            <a:avLst/>
+          </a:prstGeom>
+          <a:solidFill>
+            <a:srgbClr val="BEFF7D"/>
+          </a:solidFill>
+          <a:ln>
+            <a:noFill/>
+          </a:ln>
+        </p:spPr>
+        <p:style>
+          <a:lnRef idx="2">
+            <a:schemeClr val="accent1">
+              <a:shade val="50000"/>
+            </a:schemeClr>
+          </a:lnRef>
+          <a:fillRef idx="1">
+            <a:schemeClr val="accent1"/>
+          </a:fillRef>
+          <a:effectRef idx="0">
+            <a:schemeClr val="accent1"/>
+          </a:effectRef>
+          <a:fontRef idx="minor">
+            <a:schemeClr val="lt1"/>
+          </a:fontRef>
+        </p:style>
+        <p:txBody>
+          <a:bodyPr rtlCol="0" anchor="ctr"/>
+          <a:lstStyle/>
+          <a:p>
+            <a:pPr algn="ctr"/>
+            <a:endParaRPr lang="ru-RU"/>
+          </a:p>
+        </p:txBody>
+      </p:sp>
+    </p:spTree>
+    <p:extLst>
+      <p:ext uri="{BB962C8B-B14F-4D97-AF65-F5344CB8AC3E}">
+        <p14:creationId xmlns:p14="http://schemas.microsoft.com/office/powerpoint/2010/main" val="1197419989"/>
+      </p:ext>
+    </p:extLst>
+  </p:cSld>
+  <p:clrMapOvr>
+    <a:masterClrMapping/>
+  </p:clrMapOvr>
+  <p:timing>
+    <p:tnLst>
+      <p:par>
+        <p:cTn id="1" dur="indefinite" restart="never" nodeType="tmRoot">
+          <p:childTnLst>
+            <p:seq concurrent="1" nextAc="seek">
+              <p:cTn id="2" dur="indefinite" nodeType="mainSeq">
+                <p:childTnLst>
+                  <p:par>
+                    <p:cTn id="3" fill="hold">
+                      <p:stCondLst>
+                        <p:cond delay="indefinite"/>
+                      </p:stCondLst>
+                      <p:childTnLst>
+                        <p:par>
+                          <p:cTn id="4" fill="hold">
+                            <p:stCondLst>
+                              <p:cond delay="0"/>
+                            </p:stCondLst>
+                            <p:childTnLst>
+                              <p:par>
+                                <p:cTn id="5" presetID="10" presetClass="entr" presetSubtype="0" fill="hold" grpId="0" nodeType="clickEffect">
+                                  <p:stCondLst>
+                                    <p:cond delay="0"/>
+                                  </p:stCondLst>
+                                  <p:childTnLst>
+                                    <p:set>
+                                      <p:cBhvr>
+                                        <p:cTn id="6" dur="1" fill="hold">
+                                          <p:stCondLst>
+                                            <p:cond delay="0"/>
+                                          </p:stCondLst>
+                                        </p:cTn>
+                                        <p:tgtEl>
+                                          <p:spTgt spid="2"/>
+                                        </p:tgtEl>
+                                        <p:attrNameLst>
+                                          <p:attrName>style.visibility</p:attrName>
+                                        </p:attrNameLst>
+                                      </p:cBhvr>
+                                      <p:to>
+                                        <p:strVal val="visible"/>
+                                      </p:to>
+                                    </p:set>
+                                    <p:animEffect transition="in" filter="fade">
+                                      <p:cBhvr>
+                                        <p:cTn id="7" dur="500"/>
+                                        <p:tgtEl>
+                                          <p:spTgt spid="2"/>
+                                        </p:tgtEl>
+                                      </p:cBhvr>
+                                    </p:animEffect>
+                                  </p:childTnLst>
+                                </p:cTn>
+                              </p:par>
+                            </p:childTnLst>
+                          </p:cTn>
+                        </p:par>
+                        <p:par>
+                          <p:cTn id="8" fill="hold">
+                            <p:stCondLst>
+                              <p:cond delay="500"/>
+                            </p:stCondLst>
+                            <p:childTnLst>
+                              <p:par>
+                                <p:cTn id="9" presetID="10" presetClass="entr" presetSubtype="0" fill="hold" grpId="0" nodeType="afterEffect">
+                                  <p:stCondLst>
+                                    <p:cond delay="0"/>
+                                  </p:stCondLst>
+                                  <p:childTnLst>
+                                    <p:set>
+                                      <p:cBhvr>
+                                        <p:cTn id="10" dur="1" fill="hold">
+                                          <p:stCondLst>
+                                            <p:cond delay="0"/>
+                                          </p:stCondLst>
+                                        </p:cTn>
+                                        <p:tgtEl>
+                                          <p:spTgt spid="3"/>
+                                        </p:tgtEl>
+                                        <p:attrNameLst>
+                                          <p:attrName>style.visibility</p:attrName>
+                                        </p:attrNameLst>
+                                      </p:cBhvr>
+                                      <p:to>
+                                        <p:strVal val="visible"/>
+                                      </p:to>
+                                    </p:set>
+                                    <p:animEffect transition="in" filter="fade">
+                                      <p:cBhvr>
+                                        <p:cTn id="11" dur="500"/>
+                                        <p:tgtEl>
+                                          <p:spTgt spid="3"/>
+                                        </p:tgtEl>
+                                      </p:cBhvr>
+                                    </p:animEffect>
+                                  </p:childTnLst>
+                                </p:cTn>
+                              </p:par>
+                            </p:childTnLst>
+                          </p:cTn>
+                        </p:par>
+                        <p:par>
+                          <p:cTn id="12" fill="hold">
+                            <p:stCondLst>
+                              <p:cond delay="1000"/>
+                            </p:stCondLst>
+                            <p:childTnLst>
+                              <p:par>
+                                <p:cTn id="13" presetID="10" presetClass="entr" presetSubtype="0" fill="hold" grpId="0" nodeType="afterEffect">
+                                  <p:stCondLst>
+                                    <p:cond delay="0"/>
+                                  </p:stCondLst>
+                                  <p:childTnLst>
+                                    <p:set>
+                                      <p:cBhvr>
+                                        <p:cTn id="14" dur="1" fill="hold">
+                                          <p:stCondLst>
+                                            <p:cond delay="0"/>
+                                          </p:stCondLst>
+                                        </p:cTn>
+                                        <p:tgtEl>
+                                          <p:spTgt spid="4"/>
+                                        </p:tgtEl>
+                                        <p:attrNameLst>
+                                          <p:attrName>style.visibility</p:attrName>
+                                        </p:attrNameLst>
+                                      </p:cBhvr>
+                                      <p:to>
+                                        <p:strVal val="visible"/>
+                                      </p:to>
+                                    </p:set>
+                                    <p:animEffect transition="in" filter="fade">
+                                      <p:cBhvr>
+                                        <p:cTn id="15" dur="500"/>
+                                        <p:tgtEl>
+                                          <p:spTgt spid="4"/>
+                                        </p:tgtEl>
+                                      </p:cBhvr>
+                                    </p:animEffect>
+                                  </p:childTnLst>
+                                </p:cTn>
+                              </p:par>
+                            </p:childTnLst>
+                          </p:cTn>
+                        </p:par>
+                      </p:childTnLst>
+                    </p:cTn>
+                  </p:par>
+                </p:childTnLst>
+              </p:cTn>
+              <p:prevCondLst>
+                <p:cond evt="onPrev" delay="0">
+                  <p:tgtEl>
+                    <p:sldTgt/>
+                  </p:tgtEl>
+                </p:cond>
+              </p:prevCondLst>
+              <p:nextCondLst>
+                <p:cond evt="onNext" delay="0">
+                  <p:tgtEl>
+                    <p:sldTgt/>
+                  </p:tgtEl>
+                </p:cond>
+              </p:nextCondLst>
+            </p:seq>
+          </p:childTnLst>
+        </p:cTn>
+      </p:par>
+    </p:tnLst>
+    <p:bldLst>
+      <p:bldP spid="2" grpId="0"/>
+      <p:bldP spid="3" grpId="0"/>
+      <p:bldP spid="4" grpId="0"/>
+    </p:bldLst>
+  </p:timing>
 </p:sld>
 </file>
 
@@ -3492,110 +8800,16 @@
         <a:srgbClr val="954F72"/>
       </a:folHlink>
     </a:clrScheme>
-    <a:fontScheme name="Стандартная">
+    <a:fontScheme name="Verdanochka">
       <a:majorFont>
-        <a:latin typeface="Calibri Light" panose="020F0302020204030204"/>
+        <a:latin typeface="Verdana"/>
         <a:ea typeface=""/>
         <a:cs typeface=""/>
-        <a:font script="Jpan" typeface="游ゴシック Light"/>
-        <a:font script="Hang" typeface="맑은 고딕"/>
-        <a:font script="Hans" typeface="等线 Light"/>
-        <a:font script="Hant" typeface="新細明體"/>
-        <a:font script="Arab" typeface="Times New Roman"/>
-        <a:font script="Hebr" typeface="Times New Roman"/>
-        <a:font script="Thai" typeface="Angsana New"/>
-        <a:font script="Ethi" typeface="Nyala"/>
-        <a:font script="Beng" typeface="Vrinda"/>
-        <a:font script="Gujr" typeface="Shruti"/>
-        <a:font script="Khmr" typeface="MoolBoran"/>
-        <a:font script="Knda" typeface="Tunga"/>
-        <a:font script="Guru" typeface="Raavi"/>
-        <a:font script="Cans" typeface="Euphemia"/>
-        <a:font script="Cher" typeface="Plantagenet Cherokee"/>
-        <a:font script="Yiii" typeface="Microsoft Yi Baiti"/>
-        <a:font script="Tibt" typeface="Microsoft Himalaya"/>
-        <a:font script="Thaa" typeface="MV Boli"/>
-        <a:font script="Deva" typeface="Mangal"/>
-        <a:font script="Telu" typeface="Gautami"/>
-        <a:font script="Taml" typeface="Latha"/>
-        <a:font script="Syrc" typeface="Estrangelo Edessa"/>
-        <a:font script="Orya" typeface="Kalinga"/>
-        <a:font script="Mlym" typeface="Kartika"/>
-        <a:font script="Laoo" typeface="DokChampa"/>
-        <a:font script="Sinh" typeface="Iskoola Pota"/>
-        <a:font script="Mong" typeface="Mongolian Baiti"/>
-        <a:font script="Viet" typeface="Times New Roman"/>
-        <a:font script="Uigh" typeface="Microsoft Uighur"/>
-        <a:font script="Geor" typeface="Sylfaen"/>
-        <a:font script="Armn" typeface="Arial"/>
-        <a:font script="Bugi" typeface="Leelawadee UI"/>
-        <a:font script="Bopo" typeface="Microsoft JhengHei"/>
-        <a:font script="Java" typeface="Javanese Text"/>
-        <a:font script="Lisu" typeface="Segoe UI"/>
-        <a:font script="Mymr" typeface="Myanmar Text"/>
-        <a:font script="Nkoo" typeface="Ebrima"/>
-        <a:font script="Olck" typeface="Nirmala UI"/>
-        <a:font script="Osma" typeface="Ebrima"/>
-        <a:font script="Phag" typeface="Phagspa"/>
-        <a:font script="Syrn" typeface="Estrangelo Edessa"/>
-        <a:font script="Syrj" typeface="Estrangelo Edessa"/>
-        <a:font script="Syre" typeface="Estrangelo Edessa"/>
-        <a:font script="Sora" typeface="Nirmala UI"/>
-        <a:font script="Tale" typeface="Microsoft Tai Le"/>
-        <a:font script="Talu" typeface="Microsoft New Tai Lue"/>
-        <a:font script="Tfng" typeface="Ebrima"/>
       </a:majorFont>
       <a:minorFont>
-        <a:latin typeface="Calibri" panose="020F0502020204030204"/>
+        <a:latin typeface="Verdana"/>
         <a:ea typeface=""/>
         <a:cs typeface=""/>
-        <a:font script="Jpan" typeface="游ゴシック"/>
-        <a:font script="Hang" typeface="맑은 고딕"/>
-        <a:font script="Hans" typeface="等线"/>
-        <a:font script="Hant" typeface="新細明體"/>
-        <a:font script="Arab" typeface="Arial"/>
-        <a:font script="Hebr" typeface="Arial"/>
-        <a:font script="Thai" typeface="Cordia New"/>
-        <a:font script="Ethi" typeface="Nyala"/>
-        <a:font script="Beng" typeface="Vrinda"/>
-        <a:font script="Gujr" typeface="Shruti"/>
-        <a:font script="Khmr" typeface="DaunPenh"/>
-        <a:font script="Knda" typeface="Tunga"/>
-        <a:font script="Guru" typeface="Raavi"/>
-        <a:font script="Cans" typeface="Euphemia"/>
-        <a:font script="Cher" typeface="Plantagenet Cherokee"/>
-        <a:font script="Yiii" typeface="Microsoft Yi Baiti"/>
-        <a:font script="Tibt" typeface="Microsoft Himalaya"/>
-        <a:font script="Thaa" typeface="MV Boli"/>
-        <a:font script="Deva" typeface="Mangal"/>
-        <a:font script="Telu" typeface="Gautami"/>
-        <a:font script="Taml" typeface="Latha"/>
-        <a:font script="Syrc" typeface="Estrangelo Edessa"/>
-        <a:font script="Orya" typeface="Kalinga"/>
-        <a:font script="Mlym" typeface="Kartika"/>
-        <a:font script="Laoo" typeface="DokChampa"/>
-        <a:font script="Sinh" typeface="Iskoola Pota"/>
-        <a:font script="Mong" typeface="Mongolian Baiti"/>
-        <a:font script="Viet" typeface="Arial"/>
-        <a:font script="Uigh" typeface="Microsoft Uighur"/>
-        <a:font script="Geor" typeface="Sylfaen"/>
-        <a:font script="Armn" typeface="Arial"/>
-        <a:font script="Bugi" typeface="Leelawadee UI"/>
-        <a:font script="Bopo" typeface="Microsoft JhengHei"/>
-        <a:font script="Java" typeface="Javanese Text"/>
-        <a:font script="Lisu" typeface="Segoe UI"/>
-        <a:font script="Mymr" typeface="Myanmar Text"/>
-        <a:font script="Nkoo" typeface="Ebrima"/>
-        <a:font script="Olck" typeface="Nirmala UI"/>
-        <a:font script="Osma" typeface="Ebrima"/>
-        <a:font script="Phag" typeface="Phagspa"/>
-        <a:font script="Syrn" typeface="Estrangelo Edessa"/>
-        <a:font script="Syrj" typeface="Estrangelo Edessa"/>
-        <a:font script="Syre" typeface="Estrangelo Edessa"/>
-        <a:font script="Sora" typeface="Nirmala UI"/>
-        <a:font script="Tale" typeface="Microsoft Tai Le"/>
-        <a:font script="Talu" typeface="Microsoft New Tai Lue"/>
-        <a:font script="Tfng" typeface="Ebrima"/>
       </a:minorFont>
     </a:fontScheme>
     <a:fmtScheme name="Стандартная">

--- a/docs/Презентация. Лес. Нечисть. Русский рок.pptx
+++ b/docs/Презентация. Лес. Нечисть. Русский рок.pptx
@@ -517,7 +517,7 @@
           <a:p>
             <a:fld id="{979EDE62-684C-45DE-9E5E-E0B74BDEED12}" type="datetimeFigureOut">
               <a:rPr lang="ru-RU" smtClean="0"/>
-              <a:t>23.01.2025</a:t>
+              <a:t>17.02.2025</a:t>
             </a:fld>
             <a:endParaRPr lang="ru-RU"/>
           </a:p>
@@ -715,7 +715,7 @@
           <a:p>
             <a:fld id="{979EDE62-684C-45DE-9E5E-E0B74BDEED12}" type="datetimeFigureOut">
               <a:rPr lang="ru-RU" smtClean="0"/>
-              <a:t>23.01.2025</a:t>
+              <a:t>17.02.2025</a:t>
             </a:fld>
             <a:endParaRPr lang="ru-RU"/>
           </a:p>
@@ -923,7 +923,7 @@
           <a:p>
             <a:fld id="{979EDE62-684C-45DE-9E5E-E0B74BDEED12}" type="datetimeFigureOut">
               <a:rPr lang="ru-RU" smtClean="0"/>
-              <a:t>23.01.2025</a:t>
+              <a:t>17.02.2025</a:t>
             </a:fld>
             <a:endParaRPr lang="ru-RU"/>
           </a:p>
@@ -1121,7 +1121,7 @@
           <a:p>
             <a:fld id="{979EDE62-684C-45DE-9E5E-E0B74BDEED12}" type="datetimeFigureOut">
               <a:rPr lang="ru-RU" smtClean="0"/>
-              <a:t>23.01.2025</a:t>
+              <a:t>17.02.2025</a:t>
             </a:fld>
             <a:endParaRPr lang="ru-RU"/>
           </a:p>
@@ -1396,7 +1396,7 @@
           <a:p>
             <a:fld id="{979EDE62-684C-45DE-9E5E-E0B74BDEED12}" type="datetimeFigureOut">
               <a:rPr lang="ru-RU" smtClean="0"/>
-              <a:t>23.01.2025</a:t>
+              <a:t>17.02.2025</a:t>
             </a:fld>
             <a:endParaRPr lang="ru-RU"/>
           </a:p>
@@ -1661,7 +1661,7 @@
           <a:p>
             <a:fld id="{979EDE62-684C-45DE-9E5E-E0B74BDEED12}" type="datetimeFigureOut">
               <a:rPr lang="ru-RU" smtClean="0"/>
-              <a:t>23.01.2025</a:t>
+              <a:t>17.02.2025</a:t>
             </a:fld>
             <a:endParaRPr lang="ru-RU"/>
           </a:p>
@@ -2073,7 +2073,7 @@
           <a:p>
             <a:fld id="{979EDE62-684C-45DE-9E5E-E0B74BDEED12}" type="datetimeFigureOut">
               <a:rPr lang="ru-RU" smtClean="0"/>
-              <a:t>23.01.2025</a:t>
+              <a:t>17.02.2025</a:t>
             </a:fld>
             <a:endParaRPr lang="ru-RU"/>
           </a:p>
@@ -2214,7 +2214,7 @@
           <a:p>
             <a:fld id="{979EDE62-684C-45DE-9E5E-E0B74BDEED12}" type="datetimeFigureOut">
               <a:rPr lang="ru-RU" smtClean="0"/>
-              <a:t>23.01.2025</a:t>
+              <a:t>17.02.2025</a:t>
             </a:fld>
             <a:endParaRPr lang="ru-RU"/>
           </a:p>
@@ -2327,7 +2327,7 @@
           <a:p>
             <a:fld id="{979EDE62-684C-45DE-9E5E-E0B74BDEED12}" type="datetimeFigureOut">
               <a:rPr lang="ru-RU" smtClean="0"/>
-              <a:t>23.01.2025</a:t>
+              <a:t>17.02.2025</a:t>
             </a:fld>
             <a:endParaRPr lang="ru-RU"/>
           </a:p>
@@ -2638,7 +2638,7 @@
           <a:p>
             <a:fld id="{979EDE62-684C-45DE-9E5E-E0B74BDEED12}" type="datetimeFigureOut">
               <a:rPr lang="ru-RU" smtClean="0"/>
-              <a:t>23.01.2025</a:t>
+              <a:t>17.02.2025</a:t>
             </a:fld>
             <a:endParaRPr lang="ru-RU"/>
           </a:p>
@@ -2926,7 +2926,7 @@
           <a:p>
             <a:fld id="{979EDE62-684C-45DE-9E5E-E0B74BDEED12}" type="datetimeFigureOut">
               <a:rPr lang="ru-RU" smtClean="0"/>
-              <a:t>23.01.2025</a:t>
+              <a:t>17.02.2025</a:t>
             </a:fld>
             <a:endParaRPr lang="ru-RU"/>
           </a:p>
@@ -3170,7 +3170,7 @@
           <a:p>
             <a:fld id="{979EDE62-684C-45DE-9E5E-E0B74BDEED12}" type="datetimeFigureOut">
               <a:rPr lang="ru-RU" smtClean="0"/>
-              <a:t>23.01.2025</a:t>
+              <a:t>17.02.2025</a:t>
             </a:fld>
             <a:endParaRPr lang="ru-RU"/>
           </a:p>
@@ -4487,7 +4487,7 @@
           <a:p>
             <a:r>
               <a:rPr lang="ru-RU" dirty="0"/>
-              <a:t>— На схожие механики в моей игре меня вдохновляли сыгранные мною недавно игры жанра </a:t>
+              <a:t>— На идеи для механик в моей игре меня вдохновляли недавно пройденные мною игры жанра </a:t>
             </a:r>
             <a:r>
               <a:rPr lang="en-US" dirty="0"/>
@@ -4499,7 +4499,31 @@
             </a:r>
             <a:r>
               <a:rPr lang="en-US" dirty="0"/>
-              <a:t>“The binding of Isaac”, “Inscryption”, “Cult of the Lamb”</a:t>
+              <a:t>“</a:t>
+            </a:r>
+            <a:r>
+              <a:rPr lang="en-US" b="1" dirty="0"/>
+              <a:t>The binding of Isaac</a:t>
+            </a:r>
+            <a:r>
+              <a:rPr lang="en-US" dirty="0"/>
+              <a:t>”, “</a:t>
+            </a:r>
+            <a:r>
+              <a:rPr lang="en-US" b="1" dirty="0"/>
+              <a:t>Inscryption</a:t>
+            </a:r>
+            <a:r>
+              <a:rPr lang="en-US" dirty="0"/>
+              <a:t>”, “</a:t>
+            </a:r>
+            <a:r>
+              <a:rPr lang="en-US" b="1" dirty="0"/>
+              <a:t>Cult of the Lamb</a:t>
+            </a:r>
+            <a:r>
+              <a:rPr lang="en-US" dirty="0"/>
+              <a:t>”</a:t>
             </a:r>
             <a:endParaRPr lang="ru-RU" dirty="0"/>
           </a:p>
@@ -5482,16 +5506,12 @@
           <a:p>
             <a:pPr lvl="0" algn="ctr"/>
             <a:r>
+              <a:rPr lang="ru-RU" sz="1600" b="1" dirty="0"/>
+              <a:t>Улучшать</a:t>
+            </a:r>
+            <a:r>
               <a:rPr lang="ru-RU" sz="1600" dirty="0"/>
-              <a:t>Переходить на новые уровни, предварительно </a:t>
-            </a:r>
-            <a:r>
-              <a:rPr lang="ru-RU" sz="1600" b="1" dirty="0"/>
-              <a:t>улучшив</a:t>
-            </a:r>
-            <a:r>
-              <a:rPr lang="ru-RU" sz="1600" dirty="0"/>
-              <a:t> свои характеристики</a:t>
+              <a:t> свои характеристики в ходе прохождения уровня</a:t>
             </a:r>
           </a:p>
         </p:txBody>
@@ -6623,8 +6643,8 @@
             <a:chExt cx="96840" cy="217800"/>
           </a:xfrm>
         </p:grpSpPr>
-        <mc:AlternateContent xmlns:mc="http://schemas.openxmlformats.org/markup-compatibility/2006">
-          <mc:Choice xmlns:p14="http://schemas.microsoft.com/office/powerpoint/2010/main" Requires="p14">
+        <mc:AlternateContent xmlns:mc="http://schemas.openxmlformats.org/markup-compatibility/2006" xmlns:p14="http://schemas.microsoft.com/office/powerpoint/2010/main">
+          <mc:Choice Requires="p14">
             <p:contentPart p14:bwMode="auto" r:id="rId3">
               <p14:nvContentPartPr>
                 <p14:cNvPr id="11" name="Рукописный ввод 10">
@@ -6643,7 +6663,7 @@
               </p14:xfrm>
             </p:contentPart>
           </mc:Choice>
-          <mc:Fallback>
+          <mc:Fallback xmlns="">
             <p:pic>
               <p:nvPicPr>
                 <p:cNvPr id="11" name="Рукописный ввод 10">
@@ -6674,8 +6694,8 @@
             </p:pic>
           </mc:Fallback>
         </mc:AlternateContent>
-        <mc:AlternateContent xmlns:mc="http://schemas.openxmlformats.org/markup-compatibility/2006">
-          <mc:Choice xmlns:p14="http://schemas.microsoft.com/office/powerpoint/2010/main" Requires="p14">
+        <mc:AlternateContent xmlns:mc="http://schemas.openxmlformats.org/markup-compatibility/2006" xmlns:p14="http://schemas.microsoft.com/office/powerpoint/2010/main">
+          <mc:Choice Requires="p14">
             <p:contentPart p14:bwMode="auto" r:id="rId5">
               <p14:nvContentPartPr>
                 <p14:cNvPr id="13" name="Рукописный ввод 12">
@@ -6694,7 +6714,7 @@
               </p14:xfrm>
             </p:contentPart>
           </mc:Choice>
-          <mc:Fallback>
+          <mc:Fallback xmlns="">
             <p:pic>
               <p:nvPicPr>
                 <p:cNvPr id="13" name="Рукописный ввод 12">
@@ -6746,8 +6766,8 @@
             <a:chExt cx="235080" cy="202680"/>
           </a:xfrm>
         </p:grpSpPr>
-        <mc:AlternateContent xmlns:mc="http://schemas.openxmlformats.org/markup-compatibility/2006">
-          <mc:Choice xmlns:p14="http://schemas.microsoft.com/office/powerpoint/2010/main" Requires="p14">
+        <mc:AlternateContent xmlns:mc="http://schemas.openxmlformats.org/markup-compatibility/2006" xmlns:p14="http://schemas.microsoft.com/office/powerpoint/2010/main">
+          <mc:Choice Requires="p14">
             <p:contentPart p14:bwMode="auto" r:id="rId7">
               <p14:nvContentPartPr>
                 <p14:cNvPr id="17" name="Рукописный ввод 16">
@@ -6766,7 +6786,7 @@
               </p14:xfrm>
             </p:contentPart>
           </mc:Choice>
-          <mc:Fallback>
+          <mc:Fallback xmlns="">
             <p:pic>
               <p:nvPicPr>
                 <p:cNvPr id="17" name="Рукописный ввод 16">
@@ -6797,8 +6817,8 @@
             </p:pic>
           </mc:Fallback>
         </mc:AlternateContent>
-        <mc:AlternateContent xmlns:mc="http://schemas.openxmlformats.org/markup-compatibility/2006">
-          <mc:Choice xmlns:p14="http://schemas.microsoft.com/office/powerpoint/2010/main" Requires="p14">
+        <mc:AlternateContent xmlns:mc="http://schemas.openxmlformats.org/markup-compatibility/2006" xmlns:p14="http://schemas.microsoft.com/office/powerpoint/2010/main">
+          <mc:Choice Requires="p14">
             <p:contentPart p14:bwMode="auto" r:id="rId9">
               <p14:nvContentPartPr>
                 <p14:cNvPr id="18" name="Рукописный ввод 17">
@@ -6817,7 +6837,7 @@
               </p14:xfrm>
             </p:contentPart>
           </mc:Choice>
-          <mc:Fallback>
+          <mc:Fallback xmlns="">
             <p:pic>
               <p:nvPicPr>
                 <p:cNvPr id="18" name="Рукописный ввод 17">
@@ -6869,8 +6889,8 @@
             <a:chExt cx="260640" cy="118080"/>
           </a:xfrm>
         </p:grpSpPr>
-        <mc:AlternateContent xmlns:mc="http://schemas.openxmlformats.org/markup-compatibility/2006">
-          <mc:Choice xmlns:p14="http://schemas.microsoft.com/office/powerpoint/2010/main" Requires="p14">
+        <mc:AlternateContent xmlns:mc="http://schemas.openxmlformats.org/markup-compatibility/2006" xmlns:p14="http://schemas.microsoft.com/office/powerpoint/2010/main">
+          <mc:Choice Requires="p14">
             <p:contentPart p14:bwMode="auto" r:id="rId11">
               <p14:nvContentPartPr>
                 <p14:cNvPr id="20" name="Рукописный ввод 19">
@@ -6889,7 +6909,7 @@
               </p14:xfrm>
             </p:contentPart>
           </mc:Choice>
-          <mc:Fallback>
+          <mc:Fallback xmlns="">
             <p:pic>
               <p:nvPicPr>
                 <p:cNvPr id="20" name="Рукописный ввод 19">
@@ -6920,8 +6940,8 @@
             </p:pic>
           </mc:Fallback>
         </mc:AlternateContent>
-        <mc:AlternateContent xmlns:mc="http://schemas.openxmlformats.org/markup-compatibility/2006">
-          <mc:Choice xmlns:p14="http://schemas.microsoft.com/office/powerpoint/2010/main" Requires="p14">
+        <mc:AlternateContent xmlns:mc="http://schemas.openxmlformats.org/markup-compatibility/2006" xmlns:p14="http://schemas.microsoft.com/office/powerpoint/2010/main">
+          <mc:Choice Requires="p14">
             <p:contentPart p14:bwMode="auto" r:id="rId13">
               <p14:nvContentPartPr>
                 <p14:cNvPr id="21" name="Рукописный ввод 20">
@@ -6940,7 +6960,7 @@
               </p14:xfrm>
             </p:contentPart>
           </mc:Choice>
-          <mc:Fallback>
+          <mc:Fallback xmlns="">
             <p:pic>
               <p:nvPicPr>
                 <p:cNvPr id="21" name="Рукописный ввод 20">
@@ -6972,8 +6992,8 @@
           </mc:Fallback>
         </mc:AlternateContent>
       </p:grpSp>
-      <mc:AlternateContent xmlns:mc="http://schemas.openxmlformats.org/markup-compatibility/2006">
-        <mc:Choice xmlns:p14="http://schemas.microsoft.com/office/powerpoint/2010/main" Requires="p14">
+      <mc:AlternateContent xmlns:mc="http://schemas.openxmlformats.org/markup-compatibility/2006" xmlns:p14="http://schemas.microsoft.com/office/powerpoint/2010/main">
+        <mc:Choice Requires="p14">
           <p:contentPart p14:bwMode="auto" r:id="rId14">
             <p14:nvContentPartPr>
               <p14:cNvPr id="24" name="Рукописный ввод 23">
@@ -6992,7 +7012,7 @@
             </p14:xfrm>
           </p:contentPart>
         </mc:Choice>
-        <mc:Fallback>
+        <mc:Fallback xmlns="">
           <p:pic>
             <p:nvPicPr>
               <p:cNvPr id="24" name="Рукописный ввод 23">
@@ -7043,8 +7063,8 @@
             <a:chExt cx="129960" cy="176040"/>
           </a:xfrm>
         </p:grpSpPr>
-        <mc:AlternateContent xmlns:mc="http://schemas.openxmlformats.org/markup-compatibility/2006">
-          <mc:Choice xmlns:p14="http://schemas.microsoft.com/office/powerpoint/2010/main" Requires="p14">
+        <mc:AlternateContent xmlns:mc="http://schemas.openxmlformats.org/markup-compatibility/2006" xmlns:p14="http://schemas.microsoft.com/office/powerpoint/2010/main">
+          <mc:Choice Requires="p14">
             <p:contentPart p14:bwMode="auto" r:id="rId16">
               <p14:nvContentPartPr>
                 <p14:cNvPr id="25" name="Рукописный ввод 24">
@@ -7063,7 +7083,7 @@
               </p14:xfrm>
             </p:contentPart>
           </mc:Choice>
-          <mc:Fallback>
+          <mc:Fallback xmlns="">
             <p:pic>
               <p:nvPicPr>
                 <p:cNvPr id="25" name="Рукописный ввод 24">
@@ -7094,8 +7114,8 @@
             </p:pic>
           </mc:Fallback>
         </mc:AlternateContent>
-        <mc:AlternateContent xmlns:mc="http://schemas.openxmlformats.org/markup-compatibility/2006">
-          <mc:Choice xmlns:p14="http://schemas.microsoft.com/office/powerpoint/2010/main" Requires="p14">
+        <mc:AlternateContent xmlns:mc="http://schemas.openxmlformats.org/markup-compatibility/2006" xmlns:p14="http://schemas.microsoft.com/office/powerpoint/2010/main">
+          <mc:Choice Requires="p14">
             <p:contentPart p14:bwMode="auto" r:id="rId18">
               <p14:nvContentPartPr>
                 <p14:cNvPr id="26" name="Рукописный ввод 25">
@@ -7114,7 +7134,7 @@
               </p14:xfrm>
             </p:contentPart>
           </mc:Choice>
-          <mc:Fallback>
+          <mc:Fallback xmlns="">
             <p:pic>
               <p:nvPicPr>
                 <p:cNvPr id="26" name="Рукописный ввод 25">
@@ -8182,8 +8202,8 @@
         </p:nvSpPr>
         <p:spPr>
           <a:xfrm>
-            <a:off x="346203" y="4682004"/>
-            <a:ext cx="10598150" cy="2308324"/>
+            <a:off x="341039" y="4520425"/>
+            <a:ext cx="10598150" cy="2585323"/>
           </a:xfrm>
           <a:prstGeom prst="rect">
             <a:avLst/>
@@ -8264,7 +8284,7 @@
             </a:r>
             <a:r>
               <a:rPr lang="ru-RU" dirty="0"/>
-              <a:t> игру на специальном инструментарии</a:t>
+              <a:t> игру при помощи специального инструментария</a:t>
             </a:r>
           </a:p>
           <a:p>
